--- a/2023-09-28 ABP CMS Kit/ABP CMS Kit.pptx
+++ b/2023-09-28 ABP CMS Kit/ABP CMS Kit.pptx
@@ -7,12 +7,17 @@
   <p:sldIdLst>
     <p:sldId id="256" r:id="rId2"/>
     <p:sldId id="257" r:id="rId3"/>
-    <p:sldId id="259" r:id="rId4"/>
-    <p:sldId id="260" r:id="rId5"/>
-    <p:sldId id="261" r:id="rId6"/>
-    <p:sldId id="262" r:id="rId7"/>
-    <p:sldId id="263" r:id="rId8"/>
-    <p:sldId id="258" r:id="rId9"/>
+    <p:sldId id="264" r:id="rId4"/>
+    <p:sldId id="265" r:id="rId5"/>
+    <p:sldId id="259" r:id="rId6"/>
+    <p:sldId id="260" r:id="rId7"/>
+    <p:sldId id="261" r:id="rId8"/>
+    <p:sldId id="262" r:id="rId9"/>
+    <p:sldId id="263" r:id="rId10"/>
+    <p:sldId id="266" r:id="rId11"/>
+    <p:sldId id="267" r:id="rId12"/>
+    <p:sldId id="268" r:id="rId13"/>
+    <p:sldId id="258" r:id="rId14"/>
   </p:sldIdLst>
   <p:sldSz cx="12192000" cy="6858000"/>
   <p:notesSz cx="6858000" cy="9144000"/>
@@ -266,7 +271,7 @@
           <a:p>
             <a:fld id="{62164A38-496E-4635-AD4D-E4F60A7AA5BC}" type="datetimeFigureOut">
               <a:rPr lang="tr-TR" smtClean="0"/>
-              <a:t>10.09.2023</a:t>
+              <a:t>17.09.2023</a:t>
             </a:fld>
             <a:endParaRPr lang="tr-TR"/>
           </a:p>
@@ -464,7 +469,7 @@
           <a:p>
             <a:fld id="{62164A38-496E-4635-AD4D-E4F60A7AA5BC}" type="datetimeFigureOut">
               <a:rPr lang="tr-TR" smtClean="0"/>
-              <a:t>10.09.2023</a:t>
+              <a:t>17.09.2023</a:t>
             </a:fld>
             <a:endParaRPr lang="tr-TR"/>
           </a:p>
@@ -672,7 +677,7 @@
           <a:p>
             <a:fld id="{62164A38-496E-4635-AD4D-E4F60A7AA5BC}" type="datetimeFigureOut">
               <a:rPr lang="tr-TR" smtClean="0"/>
-              <a:t>10.09.2023</a:t>
+              <a:t>17.09.2023</a:t>
             </a:fld>
             <a:endParaRPr lang="tr-TR"/>
           </a:p>
@@ -870,7 +875,7 @@
           <a:p>
             <a:fld id="{62164A38-496E-4635-AD4D-E4F60A7AA5BC}" type="datetimeFigureOut">
               <a:rPr lang="tr-TR" smtClean="0"/>
-              <a:t>10.09.2023</a:t>
+              <a:t>17.09.2023</a:t>
             </a:fld>
             <a:endParaRPr lang="tr-TR"/>
           </a:p>
@@ -1145,7 +1150,7 @@
           <a:p>
             <a:fld id="{62164A38-496E-4635-AD4D-E4F60A7AA5BC}" type="datetimeFigureOut">
               <a:rPr lang="tr-TR" smtClean="0"/>
-              <a:t>10.09.2023</a:t>
+              <a:t>17.09.2023</a:t>
             </a:fld>
             <a:endParaRPr lang="tr-TR"/>
           </a:p>
@@ -1410,7 +1415,7 @@
           <a:p>
             <a:fld id="{62164A38-496E-4635-AD4D-E4F60A7AA5BC}" type="datetimeFigureOut">
               <a:rPr lang="tr-TR" smtClean="0"/>
-              <a:t>10.09.2023</a:t>
+              <a:t>17.09.2023</a:t>
             </a:fld>
             <a:endParaRPr lang="tr-TR"/>
           </a:p>
@@ -1822,7 +1827,7 @@
           <a:p>
             <a:fld id="{62164A38-496E-4635-AD4D-E4F60A7AA5BC}" type="datetimeFigureOut">
               <a:rPr lang="tr-TR" smtClean="0"/>
-              <a:t>10.09.2023</a:t>
+              <a:t>17.09.2023</a:t>
             </a:fld>
             <a:endParaRPr lang="tr-TR"/>
           </a:p>
@@ -1963,7 +1968,7 @@
           <a:p>
             <a:fld id="{62164A38-496E-4635-AD4D-E4F60A7AA5BC}" type="datetimeFigureOut">
               <a:rPr lang="tr-TR" smtClean="0"/>
-              <a:t>10.09.2023</a:t>
+              <a:t>17.09.2023</a:t>
             </a:fld>
             <a:endParaRPr lang="tr-TR"/>
           </a:p>
@@ -2076,7 +2081,7 @@
           <a:p>
             <a:fld id="{62164A38-496E-4635-AD4D-E4F60A7AA5BC}" type="datetimeFigureOut">
               <a:rPr lang="tr-TR" smtClean="0"/>
-              <a:t>10.09.2023</a:t>
+              <a:t>17.09.2023</a:t>
             </a:fld>
             <a:endParaRPr lang="tr-TR"/>
           </a:p>
@@ -2387,7 +2392,7 @@
           <a:p>
             <a:fld id="{62164A38-496E-4635-AD4D-E4F60A7AA5BC}" type="datetimeFigureOut">
               <a:rPr lang="tr-TR" smtClean="0"/>
-              <a:t>10.09.2023</a:t>
+              <a:t>17.09.2023</a:t>
             </a:fld>
             <a:endParaRPr lang="tr-TR"/>
           </a:p>
@@ -2675,7 +2680,7 @@
           <a:p>
             <a:fld id="{62164A38-496E-4635-AD4D-E4F60A7AA5BC}" type="datetimeFigureOut">
               <a:rPr lang="tr-TR" smtClean="0"/>
-              <a:t>10.09.2023</a:t>
+              <a:t>17.09.2023</a:t>
             </a:fld>
             <a:endParaRPr lang="tr-TR"/>
           </a:p>
@@ -2916,7 +2921,7 @@
           <a:p>
             <a:fld id="{62164A38-496E-4635-AD4D-E4F60A7AA5BC}" type="datetimeFigureOut">
               <a:rPr lang="tr-TR" smtClean="0"/>
-              <a:t>10.09.2023</a:t>
+              <a:t>17.09.2023</a:t>
             </a:fld>
             <a:endParaRPr lang="tr-TR"/>
           </a:p>
@@ -3580,6 +3585,574 @@
 </p:sld>
 </file>
 
+<file path=ppt/slides/slide10.xml><?xml version="1.0" encoding="utf-8"?>
+<p:sld xmlns:a="http://schemas.openxmlformats.org/drawingml/2006/main" xmlns:r="http://schemas.openxmlformats.org/officeDocument/2006/relationships" xmlns:p="http://schemas.openxmlformats.org/presentationml/2006/main">
+  <p:cSld>
+    <p:bg>
+      <p:bgPr>
+        <a:blipFill dpi="0" rotWithShape="1">
+          <a:blip r:embed="rId2">
+            <a:lum/>
+          </a:blip>
+          <a:srcRect/>
+          <a:stretch>
+            <a:fillRect/>
+          </a:stretch>
+        </a:blipFill>
+        <a:effectLst/>
+      </p:bgPr>
+    </p:bg>
+    <p:spTree>
+      <p:nvGrpSpPr>
+        <p:cNvPr id="1" name=""/>
+        <p:cNvGrpSpPr/>
+        <p:nvPr/>
+      </p:nvGrpSpPr>
+      <p:grpSpPr>
+        <a:xfrm>
+          <a:off x="0" y="0"/>
+          <a:ext cx="0" cy="0"/>
+          <a:chOff x="0" y="0"/>
+          <a:chExt cx="0" cy="0"/>
+        </a:xfrm>
+      </p:grpSpPr>
+      <p:sp>
+        <p:nvSpPr>
+          <p:cNvPr id="8" name="Metin kutusu 7">
+            <a:extLst>
+              <a:ext uri="{FF2B5EF4-FFF2-40B4-BE49-F238E27FC236}">
+                <a16:creationId xmlns:a16="http://schemas.microsoft.com/office/drawing/2014/main" id="{29D82957-8FD0-49FF-B99F-7F7BB3AB2C9F}"/>
+              </a:ext>
+            </a:extLst>
+          </p:cNvPr>
+          <p:cNvSpPr txBox="1"/>
+          <p:nvPr/>
+        </p:nvSpPr>
+        <p:spPr>
+          <a:xfrm>
+            <a:off x="714375" y="695325"/>
+            <a:ext cx="7289175" cy="584775"/>
+          </a:xfrm>
+          <a:prstGeom prst="rect">
+            <a:avLst/>
+          </a:prstGeom>
+          <a:noFill/>
+        </p:spPr>
+        <p:txBody>
+          <a:bodyPr wrap="none" rtlCol="0">
+            <a:spAutoFit/>
+          </a:bodyPr>
+          <a:lstStyle/>
+          <a:p>
+            <a:r>
+              <a:rPr lang="en-GB" sz="3200" b="1" dirty="0">
+                <a:solidFill>
+                  <a:srgbClr val="292D33"/>
+                </a:solidFill>
+                <a:latin typeface="Lexend" pitchFamily="2" charset="0"/>
+              </a:rPr>
+              <a:t>TITLE: LEXEND 32 BOLD #292D33</a:t>
+            </a:r>
+            <a:endParaRPr lang="tr-TR" sz="3200" b="1" dirty="0">
+              <a:solidFill>
+                <a:srgbClr val="292D33"/>
+              </a:solidFill>
+              <a:latin typeface="Lexend" pitchFamily="2" charset="0"/>
+            </a:endParaRPr>
+          </a:p>
+        </p:txBody>
+      </p:sp>
+      <p:sp>
+        <p:nvSpPr>
+          <p:cNvPr id="3" name="Content Placeholder 2">
+            <a:extLst>
+              <a:ext uri="{FF2B5EF4-FFF2-40B4-BE49-F238E27FC236}">
+                <a16:creationId xmlns:a16="http://schemas.microsoft.com/office/drawing/2014/main" id="{38E3475F-B2DC-C5D6-FE0E-7C46ED4D1709}"/>
+              </a:ext>
+            </a:extLst>
+          </p:cNvPr>
+          <p:cNvSpPr>
+            <a:spLocks noGrp="1"/>
+          </p:cNvSpPr>
+          <p:nvPr>
+            <p:ph idx="1"/>
+          </p:nvPr>
+        </p:nvSpPr>
+        <p:spPr>
+          <a:xfrm>
+            <a:off x="714374" y="1472339"/>
+            <a:ext cx="10824114" cy="4285281"/>
+          </a:xfrm>
+        </p:spPr>
+        <p:txBody>
+          <a:bodyPr>
+            <a:normAutofit/>
+          </a:bodyPr>
+          <a:lstStyle/>
+          <a:p>
+            <a:r>
+              <a:rPr lang="en-GB" sz="1800" dirty="0">
+                <a:solidFill>
+                  <a:srgbClr val="5B636F"/>
+                </a:solidFill>
+                <a:latin typeface="Poppins" panose="00000500000000000000" pitchFamily="2" charset="0"/>
+                <a:cs typeface="Poppins" panose="00000500000000000000" pitchFamily="2" charset="0"/>
+              </a:rPr>
+              <a:t>Paragraph text Poppins 18 Regular #5B636F</a:t>
+            </a:r>
+            <a:endParaRPr lang="en-US" sz="1800" dirty="0"/>
+          </a:p>
+        </p:txBody>
+      </p:sp>
+    </p:spTree>
+    <p:extLst>
+      <p:ext uri="{BB962C8B-B14F-4D97-AF65-F5344CB8AC3E}">
+        <p14:creationId xmlns:p14="http://schemas.microsoft.com/office/powerpoint/2010/main" val="969053752"/>
+      </p:ext>
+    </p:extLst>
+  </p:cSld>
+  <p:clrMapOvr>
+    <a:masterClrMapping/>
+  </p:clrMapOvr>
+</p:sld>
+</file>
+
+<file path=ppt/slides/slide11.xml><?xml version="1.0" encoding="utf-8"?>
+<p:sld xmlns:a="http://schemas.openxmlformats.org/drawingml/2006/main" xmlns:r="http://schemas.openxmlformats.org/officeDocument/2006/relationships" xmlns:p="http://schemas.openxmlformats.org/presentationml/2006/main">
+  <p:cSld>
+    <p:bg>
+      <p:bgPr>
+        <a:blipFill dpi="0" rotWithShape="1">
+          <a:blip r:embed="rId2">
+            <a:lum/>
+          </a:blip>
+          <a:srcRect/>
+          <a:stretch>
+            <a:fillRect/>
+          </a:stretch>
+        </a:blipFill>
+        <a:effectLst/>
+      </p:bgPr>
+    </p:bg>
+    <p:spTree>
+      <p:nvGrpSpPr>
+        <p:cNvPr id="1" name=""/>
+        <p:cNvGrpSpPr/>
+        <p:nvPr/>
+      </p:nvGrpSpPr>
+      <p:grpSpPr>
+        <a:xfrm>
+          <a:off x="0" y="0"/>
+          <a:ext cx="0" cy="0"/>
+          <a:chOff x="0" y="0"/>
+          <a:chExt cx="0" cy="0"/>
+        </a:xfrm>
+      </p:grpSpPr>
+      <p:sp>
+        <p:nvSpPr>
+          <p:cNvPr id="8" name="Metin kutusu 7">
+            <a:extLst>
+              <a:ext uri="{FF2B5EF4-FFF2-40B4-BE49-F238E27FC236}">
+                <a16:creationId xmlns:a16="http://schemas.microsoft.com/office/drawing/2014/main" id="{29D82957-8FD0-49FF-B99F-7F7BB3AB2C9F}"/>
+              </a:ext>
+            </a:extLst>
+          </p:cNvPr>
+          <p:cNvSpPr txBox="1"/>
+          <p:nvPr/>
+        </p:nvSpPr>
+        <p:spPr>
+          <a:xfrm>
+            <a:off x="714375" y="695325"/>
+            <a:ext cx="7289175" cy="584775"/>
+          </a:xfrm>
+          <a:prstGeom prst="rect">
+            <a:avLst/>
+          </a:prstGeom>
+          <a:noFill/>
+        </p:spPr>
+        <p:txBody>
+          <a:bodyPr wrap="none" rtlCol="0">
+            <a:spAutoFit/>
+          </a:bodyPr>
+          <a:lstStyle/>
+          <a:p>
+            <a:r>
+              <a:rPr lang="en-GB" sz="3200" b="1" dirty="0">
+                <a:solidFill>
+                  <a:srgbClr val="292D33"/>
+                </a:solidFill>
+                <a:latin typeface="Lexend" pitchFamily="2" charset="0"/>
+              </a:rPr>
+              <a:t>TITLE: LEXEND 32 BOLD #292D33</a:t>
+            </a:r>
+            <a:endParaRPr lang="tr-TR" sz="3200" b="1" dirty="0">
+              <a:solidFill>
+                <a:srgbClr val="292D33"/>
+              </a:solidFill>
+              <a:latin typeface="Lexend" pitchFamily="2" charset="0"/>
+            </a:endParaRPr>
+          </a:p>
+        </p:txBody>
+      </p:sp>
+      <p:sp>
+        <p:nvSpPr>
+          <p:cNvPr id="3" name="Content Placeholder 2">
+            <a:extLst>
+              <a:ext uri="{FF2B5EF4-FFF2-40B4-BE49-F238E27FC236}">
+                <a16:creationId xmlns:a16="http://schemas.microsoft.com/office/drawing/2014/main" id="{38E3475F-B2DC-C5D6-FE0E-7C46ED4D1709}"/>
+              </a:ext>
+            </a:extLst>
+          </p:cNvPr>
+          <p:cNvSpPr>
+            <a:spLocks noGrp="1"/>
+          </p:cNvSpPr>
+          <p:nvPr>
+            <p:ph idx="1"/>
+          </p:nvPr>
+        </p:nvSpPr>
+        <p:spPr>
+          <a:xfrm>
+            <a:off x="714374" y="1472339"/>
+            <a:ext cx="10824114" cy="4285281"/>
+          </a:xfrm>
+        </p:spPr>
+        <p:txBody>
+          <a:bodyPr>
+            <a:normAutofit/>
+          </a:bodyPr>
+          <a:lstStyle/>
+          <a:p>
+            <a:r>
+              <a:rPr lang="en-GB" sz="1800" dirty="0">
+                <a:solidFill>
+                  <a:srgbClr val="5B636F"/>
+                </a:solidFill>
+                <a:latin typeface="Poppins" panose="00000500000000000000" pitchFamily="2" charset="0"/>
+                <a:cs typeface="Poppins" panose="00000500000000000000" pitchFamily="2" charset="0"/>
+              </a:rPr>
+              <a:t>Paragraph text Poppins 18 Regular #5B636F</a:t>
+            </a:r>
+            <a:endParaRPr lang="en-US" sz="1800" dirty="0"/>
+          </a:p>
+        </p:txBody>
+      </p:sp>
+    </p:spTree>
+    <p:extLst>
+      <p:ext uri="{BB962C8B-B14F-4D97-AF65-F5344CB8AC3E}">
+        <p14:creationId xmlns:p14="http://schemas.microsoft.com/office/powerpoint/2010/main" val="3328944582"/>
+      </p:ext>
+    </p:extLst>
+  </p:cSld>
+  <p:clrMapOvr>
+    <a:masterClrMapping/>
+  </p:clrMapOvr>
+</p:sld>
+</file>
+
+<file path=ppt/slides/slide12.xml><?xml version="1.0" encoding="utf-8"?>
+<p:sld xmlns:a="http://schemas.openxmlformats.org/drawingml/2006/main" xmlns:r="http://schemas.openxmlformats.org/officeDocument/2006/relationships" xmlns:p="http://schemas.openxmlformats.org/presentationml/2006/main">
+  <p:cSld>
+    <p:bg>
+      <p:bgPr>
+        <a:blipFill dpi="0" rotWithShape="1">
+          <a:blip r:embed="rId2">
+            <a:lum/>
+          </a:blip>
+          <a:srcRect/>
+          <a:stretch>
+            <a:fillRect/>
+          </a:stretch>
+        </a:blipFill>
+        <a:effectLst/>
+      </p:bgPr>
+    </p:bg>
+    <p:spTree>
+      <p:nvGrpSpPr>
+        <p:cNvPr id="1" name=""/>
+        <p:cNvGrpSpPr/>
+        <p:nvPr/>
+      </p:nvGrpSpPr>
+      <p:grpSpPr>
+        <a:xfrm>
+          <a:off x="0" y="0"/>
+          <a:ext cx="0" cy="0"/>
+          <a:chOff x="0" y="0"/>
+          <a:chExt cx="0" cy="0"/>
+        </a:xfrm>
+      </p:grpSpPr>
+      <p:sp>
+        <p:nvSpPr>
+          <p:cNvPr id="8" name="Metin kutusu 7">
+            <a:extLst>
+              <a:ext uri="{FF2B5EF4-FFF2-40B4-BE49-F238E27FC236}">
+                <a16:creationId xmlns:a16="http://schemas.microsoft.com/office/drawing/2014/main" id="{29D82957-8FD0-49FF-B99F-7F7BB3AB2C9F}"/>
+              </a:ext>
+            </a:extLst>
+          </p:cNvPr>
+          <p:cNvSpPr txBox="1"/>
+          <p:nvPr/>
+        </p:nvSpPr>
+        <p:spPr>
+          <a:xfrm>
+            <a:off x="714375" y="695325"/>
+            <a:ext cx="7289175" cy="584775"/>
+          </a:xfrm>
+          <a:prstGeom prst="rect">
+            <a:avLst/>
+          </a:prstGeom>
+          <a:noFill/>
+        </p:spPr>
+        <p:txBody>
+          <a:bodyPr wrap="none" rtlCol="0">
+            <a:spAutoFit/>
+          </a:bodyPr>
+          <a:lstStyle/>
+          <a:p>
+            <a:r>
+              <a:rPr lang="en-GB" sz="3200" b="1" dirty="0">
+                <a:solidFill>
+                  <a:srgbClr val="292D33"/>
+                </a:solidFill>
+                <a:latin typeface="Lexend" pitchFamily="2" charset="0"/>
+              </a:rPr>
+              <a:t>TITLE: LEXEND 32 BOLD #292D33</a:t>
+            </a:r>
+            <a:endParaRPr lang="tr-TR" sz="3200" b="1" dirty="0">
+              <a:solidFill>
+                <a:srgbClr val="292D33"/>
+              </a:solidFill>
+              <a:latin typeface="Lexend" pitchFamily="2" charset="0"/>
+            </a:endParaRPr>
+          </a:p>
+        </p:txBody>
+      </p:sp>
+      <p:sp>
+        <p:nvSpPr>
+          <p:cNvPr id="3" name="Content Placeholder 2">
+            <a:extLst>
+              <a:ext uri="{FF2B5EF4-FFF2-40B4-BE49-F238E27FC236}">
+                <a16:creationId xmlns:a16="http://schemas.microsoft.com/office/drawing/2014/main" id="{38E3475F-B2DC-C5D6-FE0E-7C46ED4D1709}"/>
+              </a:ext>
+            </a:extLst>
+          </p:cNvPr>
+          <p:cNvSpPr>
+            <a:spLocks noGrp="1"/>
+          </p:cNvSpPr>
+          <p:nvPr>
+            <p:ph idx="1"/>
+          </p:nvPr>
+        </p:nvSpPr>
+        <p:spPr>
+          <a:xfrm>
+            <a:off x="714374" y="1472339"/>
+            <a:ext cx="10824114" cy="4285281"/>
+          </a:xfrm>
+        </p:spPr>
+        <p:txBody>
+          <a:bodyPr>
+            <a:normAutofit/>
+          </a:bodyPr>
+          <a:lstStyle/>
+          <a:p>
+            <a:r>
+              <a:rPr lang="en-GB" sz="1800" dirty="0">
+                <a:solidFill>
+                  <a:srgbClr val="5B636F"/>
+                </a:solidFill>
+                <a:latin typeface="Poppins" panose="00000500000000000000" pitchFamily="2" charset="0"/>
+                <a:cs typeface="Poppins" panose="00000500000000000000" pitchFamily="2" charset="0"/>
+              </a:rPr>
+              <a:t>Paragraph text Poppins 18 Regular #5B636F</a:t>
+            </a:r>
+            <a:endParaRPr lang="en-US" sz="1800" dirty="0"/>
+          </a:p>
+        </p:txBody>
+      </p:sp>
+    </p:spTree>
+    <p:extLst>
+      <p:ext uri="{BB962C8B-B14F-4D97-AF65-F5344CB8AC3E}">
+        <p14:creationId xmlns:p14="http://schemas.microsoft.com/office/powerpoint/2010/main" val="3840181669"/>
+      </p:ext>
+    </p:extLst>
+  </p:cSld>
+  <p:clrMapOvr>
+    <a:masterClrMapping/>
+  </p:clrMapOvr>
+</p:sld>
+</file>
+
+<file path=ppt/slides/slide13.xml><?xml version="1.0" encoding="utf-8"?>
+<p:sld xmlns:a="http://schemas.openxmlformats.org/drawingml/2006/main" xmlns:r="http://schemas.openxmlformats.org/officeDocument/2006/relationships" xmlns:p="http://schemas.openxmlformats.org/presentationml/2006/main">
+  <p:cSld>
+    <p:bg>
+      <p:bgPr>
+        <a:blipFill dpi="0" rotWithShape="1">
+          <a:blip r:embed="rId2">
+            <a:lum/>
+          </a:blip>
+          <a:srcRect/>
+          <a:stretch>
+            <a:fillRect/>
+          </a:stretch>
+        </a:blipFill>
+        <a:effectLst/>
+      </p:bgPr>
+    </p:bg>
+    <p:spTree>
+      <p:nvGrpSpPr>
+        <p:cNvPr id="1" name=""/>
+        <p:cNvGrpSpPr/>
+        <p:nvPr/>
+      </p:nvGrpSpPr>
+      <p:grpSpPr>
+        <a:xfrm>
+          <a:off x="0" y="0"/>
+          <a:ext cx="0" cy="0"/>
+          <a:chOff x="0" y="0"/>
+          <a:chExt cx="0" cy="0"/>
+        </a:xfrm>
+      </p:grpSpPr>
+      <p:pic>
+        <p:nvPicPr>
+          <p:cNvPr id="7" name="Resim 6">
+            <a:extLst>
+              <a:ext uri="{FF2B5EF4-FFF2-40B4-BE49-F238E27FC236}">
+                <a16:creationId xmlns:a16="http://schemas.microsoft.com/office/drawing/2014/main" id="{6B5F6FF1-6CB4-4E12-A44B-075EC786BE0D}"/>
+              </a:ext>
+            </a:extLst>
+          </p:cNvPr>
+          <p:cNvPicPr>
+            <a:picLocks noChangeAspect="1"/>
+          </p:cNvPicPr>
+          <p:nvPr/>
+        </p:nvPicPr>
+        <p:blipFill>
+          <a:blip r:embed="rId3">
+            <a:extLst>
+              <a:ext uri="{28A0092B-C50C-407E-A947-70E740481C1C}">
+                <a14:useLocalDpi xmlns:a14="http://schemas.microsoft.com/office/drawing/2010/main" val="0"/>
+              </a:ext>
+            </a:extLst>
+          </a:blip>
+          <a:stretch>
+            <a:fillRect/>
+          </a:stretch>
+        </p:blipFill>
+        <p:spPr>
+          <a:xfrm>
+            <a:off x="2581556" y="1733550"/>
+            <a:ext cx="2309127" cy="3352800"/>
+          </a:xfrm>
+          <a:prstGeom prst="rect">
+            <a:avLst/>
+          </a:prstGeom>
+        </p:spPr>
+      </p:pic>
+      <p:pic>
+        <p:nvPicPr>
+          <p:cNvPr id="14" name="Resim 13">
+            <a:extLst>
+              <a:ext uri="{FF2B5EF4-FFF2-40B4-BE49-F238E27FC236}">
+                <a16:creationId xmlns:a16="http://schemas.microsoft.com/office/drawing/2014/main" id="{FA0B6712-3138-47D2-B2D8-D417173C6D41}"/>
+              </a:ext>
+            </a:extLst>
+          </p:cNvPr>
+          <p:cNvPicPr>
+            <a:picLocks noChangeAspect="1"/>
+          </p:cNvPicPr>
+          <p:nvPr/>
+        </p:nvPicPr>
+        <p:blipFill>
+          <a:blip r:embed="rId4">
+            <a:extLst>
+              <a:ext uri="{28A0092B-C50C-407E-A947-70E740481C1C}">
+                <a14:useLocalDpi xmlns:a14="http://schemas.microsoft.com/office/drawing/2010/main" val="0"/>
+              </a:ext>
+            </a:extLst>
+          </a:blip>
+          <a:srcRect/>
+          <a:stretch/>
+        </p:blipFill>
+        <p:spPr>
+          <a:xfrm>
+            <a:off x="5128478" y="4022808"/>
+            <a:ext cx="1745886" cy="621019"/>
+          </a:xfrm>
+          <a:prstGeom prst="rect">
+            <a:avLst/>
+          </a:prstGeom>
+        </p:spPr>
+      </p:pic>
+      <p:sp>
+        <p:nvSpPr>
+          <p:cNvPr id="15" name="Metin kutusu 14">
+            <a:extLst>
+              <a:ext uri="{FF2B5EF4-FFF2-40B4-BE49-F238E27FC236}">
+                <a16:creationId xmlns:a16="http://schemas.microsoft.com/office/drawing/2014/main" id="{506FC3DA-A522-4660-B5E1-2D3746A7AC5D}"/>
+              </a:ext>
+            </a:extLst>
+          </p:cNvPr>
+          <p:cNvSpPr txBox="1"/>
+          <p:nvPr/>
+        </p:nvSpPr>
+        <p:spPr>
+          <a:xfrm>
+            <a:off x="4992441" y="2003724"/>
+            <a:ext cx="4993896" cy="1815882"/>
+          </a:xfrm>
+          <a:prstGeom prst="rect">
+            <a:avLst/>
+          </a:prstGeom>
+          <a:noFill/>
+        </p:spPr>
+        <p:txBody>
+          <a:bodyPr wrap="square" rtlCol="0">
+            <a:spAutoFit/>
+          </a:bodyPr>
+          <a:lstStyle/>
+          <a:p>
+            <a:r>
+              <a:rPr lang="en-GB" sz="5600" b="1" dirty="0">
+                <a:solidFill>
+                  <a:srgbClr val="292D33"/>
+                </a:solidFill>
+                <a:latin typeface="Lexend" pitchFamily="2" charset="0"/>
+              </a:rPr>
+              <a:t>THANKS FOR</a:t>
+            </a:r>
+          </a:p>
+          <a:p>
+            <a:r>
+              <a:rPr lang="en-GB" sz="5600" b="1" dirty="0">
+                <a:solidFill>
+                  <a:srgbClr val="292D33"/>
+                </a:solidFill>
+                <a:latin typeface="Lexend" pitchFamily="2" charset="0"/>
+              </a:rPr>
+              <a:t>WATCHING</a:t>
+            </a:r>
+            <a:endParaRPr lang="tr-TR" sz="5600" b="1" dirty="0">
+              <a:solidFill>
+                <a:srgbClr val="292D33"/>
+              </a:solidFill>
+              <a:latin typeface="Lexend" pitchFamily="2" charset="0"/>
+            </a:endParaRPr>
+          </a:p>
+        </p:txBody>
+      </p:sp>
+    </p:spTree>
+    <p:extLst>
+      <p:ext uri="{BB962C8B-B14F-4D97-AF65-F5344CB8AC3E}">
+        <p14:creationId xmlns:p14="http://schemas.microsoft.com/office/powerpoint/2010/main" val="1177301773"/>
+      </p:ext>
+    </p:extLst>
+  </p:cSld>
+  <p:clrMapOvr>
+    <a:masterClrMapping/>
+  </p:clrMapOvr>
+</p:sld>
+</file>
+
 <file path=ppt/slides/slide2.xml><?xml version="1.0" encoding="utf-8"?>
 <p:sld xmlns:a="http://schemas.openxmlformats.org/drawingml/2006/main" xmlns:r="http://schemas.openxmlformats.org/officeDocument/2006/relationships" xmlns:p="http://schemas.openxmlformats.org/presentationml/2006/main">
   <p:cSld>
@@ -3626,7 +4199,7 @@
         <p:spPr>
           <a:xfrm>
             <a:off x="714375" y="695325"/>
-            <a:ext cx="7289175" cy="584775"/>
+            <a:ext cx="4913525" cy="584775"/>
           </a:xfrm>
           <a:prstGeom prst="rect">
             <a:avLst/>
@@ -3640,20 +4213,14 @@
           <a:lstStyle/>
           <a:p>
             <a:r>
-              <a:rPr lang="en-GB" sz="3200" b="1" dirty="0">
+              <a:rPr lang="tr-TR" sz="3200" b="1" dirty="0">
                 <a:solidFill>
                   <a:srgbClr val="292D33"/>
                 </a:solidFill>
                 <a:latin typeface="Lexend" pitchFamily="2" charset="0"/>
               </a:rPr>
-              <a:t>TITLE: LEXEND 32 BOLD #292D33</a:t>
-            </a:r>
-            <a:endParaRPr lang="tr-TR" sz="3200" b="1" dirty="0">
-              <a:solidFill>
-                <a:srgbClr val="292D33"/>
-              </a:solidFill>
-              <a:latin typeface="Lexend" pitchFamily="2" charset="0"/>
-            </a:endParaRPr>
+              <a:t>ABP CMS Kit: The Goal</a:t>
+            </a:r>
           </a:p>
         </p:txBody>
       </p:sp>
@@ -3685,17 +4252,138 @@
           </a:bodyPr>
           <a:lstStyle/>
           <a:p>
-            <a:r>
-              <a:rPr lang="en-GB" sz="1800" dirty="0">
+            <a:pPr marL="0" indent="0" algn="ctr">
+              <a:buNone/>
+            </a:pPr>
+            <a:endParaRPr lang="tr-TR" sz="3200" dirty="0">
+              <a:solidFill>
+                <a:srgbClr val="5B636F"/>
+              </a:solidFill>
+              <a:latin typeface="Poppins" panose="00000500000000000000" pitchFamily="2" charset="0"/>
+              <a:cs typeface="Poppins" panose="00000500000000000000" pitchFamily="2" charset="0"/>
+            </a:endParaRPr>
+          </a:p>
+          <a:p>
+            <a:pPr marL="0" indent="0" algn="ctr">
+              <a:buNone/>
+            </a:pPr>
+            <a:r>
+              <a:rPr lang="tr-TR" sz="3200" dirty="0">
                 <a:solidFill>
                   <a:srgbClr val="5B636F"/>
                 </a:solidFill>
                 <a:latin typeface="Poppins" panose="00000500000000000000" pitchFamily="2" charset="0"/>
                 <a:cs typeface="Poppins" panose="00000500000000000000" pitchFamily="2" charset="0"/>
               </a:rPr>
-              <a:t>Paragraph text Poppins 18 Regular #5B636F</a:t>
-            </a:r>
-            <a:endParaRPr lang="en-US" sz="1800" dirty="0"/>
+              <a:t>Provide </a:t>
+            </a:r>
+            <a:r>
+              <a:rPr lang="tr-TR" sz="3200" b="1" dirty="0">
+                <a:solidFill>
+                  <a:srgbClr val="5B636F"/>
+                </a:solidFill>
+                <a:latin typeface="Poppins" panose="00000500000000000000" pitchFamily="2" charset="0"/>
+                <a:cs typeface="Poppins" panose="00000500000000000000" pitchFamily="2" charset="0"/>
+              </a:rPr>
+              <a:t>building blocks </a:t>
+            </a:r>
+            <a:r>
+              <a:rPr lang="tr-TR" sz="3200" dirty="0">
+                <a:solidFill>
+                  <a:srgbClr val="5B636F"/>
+                </a:solidFill>
+                <a:latin typeface="Poppins" panose="00000500000000000000" pitchFamily="2" charset="0"/>
+                <a:cs typeface="Poppins" panose="00000500000000000000" pitchFamily="2" charset="0"/>
+              </a:rPr>
+              <a:t>to create </a:t>
+            </a:r>
+            <a:r>
+              <a:rPr lang="tr-TR" sz="3200" b="1" dirty="0">
+                <a:solidFill>
+                  <a:srgbClr val="5B636F"/>
+                </a:solidFill>
+                <a:latin typeface="Poppins" panose="00000500000000000000" pitchFamily="2" charset="0"/>
+                <a:cs typeface="Poppins" panose="00000500000000000000" pitchFamily="2" charset="0"/>
+              </a:rPr>
+              <a:t>public-faced </a:t>
+            </a:r>
+            <a:r>
+              <a:rPr lang="tr-TR" sz="3200" dirty="0">
+                <a:solidFill>
+                  <a:srgbClr val="5B636F"/>
+                </a:solidFill>
+                <a:latin typeface="Poppins" panose="00000500000000000000" pitchFamily="2" charset="0"/>
+                <a:cs typeface="Poppins" panose="00000500000000000000" pitchFamily="2" charset="0"/>
+              </a:rPr>
+              <a:t>web applications.</a:t>
+            </a:r>
+          </a:p>
+          <a:p>
+            <a:pPr marL="0" indent="0" algn="ctr">
+              <a:buNone/>
+            </a:pPr>
+            <a:endParaRPr lang="tr-TR" sz="3200" dirty="0">
+              <a:solidFill>
+                <a:srgbClr val="5B636F"/>
+              </a:solidFill>
+              <a:latin typeface="Poppins" panose="00000500000000000000" pitchFamily="2" charset="0"/>
+              <a:cs typeface="Poppins" panose="00000500000000000000" pitchFamily="2" charset="0"/>
+            </a:endParaRPr>
+          </a:p>
+          <a:p>
+            <a:pPr marL="0" indent="0" algn="ctr">
+              <a:buNone/>
+            </a:pPr>
+            <a:r>
+              <a:rPr lang="tr-TR" sz="3200" dirty="0">
+                <a:solidFill>
+                  <a:srgbClr val="5B636F"/>
+                </a:solidFill>
+                <a:latin typeface="Poppins" panose="00000500000000000000" pitchFamily="2" charset="0"/>
+                <a:cs typeface="Poppins" panose="00000500000000000000" pitchFamily="2" charset="0"/>
+              </a:rPr>
+              <a:t>Not a </a:t>
+            </a:r>
+            <a:r>
+              <a:rPr lang="tr-TR" sz="3200" b="1" dirty="0">
+                <a:solidFill>
+                  <a:srgbClr val="5B636F"/>
+                </a:solidFill>
+                <a:latin typeface="Poppins" panose="00000500000000000000" pitchFamily="2" charset="0"/>
+                <a:cs typeface="Poppins" panose="00000500000000000000" pitchFamily="2" charset="0"/>
+              </a:rPr>
+              <a:t>CMS</a:t>
+            </a:r>
+            <a:r>
+              <a:rPr lang="tr-TR" sz="3200" dirty="0">
+                <a:solidFill>
+                  <a:srgbClr val="5B636F"/>
+                </a:solidFill>
+                <a:latin typeface="Poppins" panose="00000500000000000000" pitchFamily="2" charset="0"/>
+                <a:cs typeface="Poppins" panose="00000500000000000000" pitchFamily="2" charset="0"/>
+              </a:rPr>
+              <a:t>, but a </a:t>
+            </a:r>
+            <a:r>
+              <a:rPr lang="tr-TR" sz="3200" b="1" dirty="0">
+                <a:solidFill>
+                  <a:srgbClr val="5B636F"/>
+                </a:solidFill>
+                <a:latin typeface="Poppins" panose="00000500000000000000" pitchFamily="2" charset="0"/>
+                <a:cs typeface="Poppins" panose="00000500000000000000" pitchFamily="2" charset="0"/>
+              </a:rPr>
+              <a:t>CMS Kit</a:t>
+            </a:r>
+            <a:r>
+              <a:rPr lang="tr-TR" sz="3200" dirty="0">
+                <a:solidFill>
+                  <a:srgbClr val="5B636F"/>
+                </a:solidFill>
+                <a:latin typeface="Poppins" panose="00000500000000000000" pitchFamily="2" charset="0"/>
+                <a:cs typeface="Poppins" panose="00000500000000000000" pitchFamily="2" charset="0"/>
+              </a:rPr>
+              <a:t>!</a:t>
+            </a:r>
           </a:p>
         </p:txBody>
       </p:sp>
@@ -3758,7 +4446,7 @@
         <p:spPr>
           <a:xfrm>
             <a:off x="714375" y="695325"/>
-            <a:ext cx="7289175" cy="584775"/>
+            <a:ext cx="4174541" cy="584775"/>
           </a:xfrm>
           <a:prstGeom prst="rect">
             <a:avLst/>
@@ -3772,20 +4460,14 @@
           <a:lstStyle/>
           <a:p>
             <a:r>
-              <a:rPr lang="en-GB" sz="3200" b="1" dirty="0">
+              <a:rPr lang="tr-TR" sz="3200" b="1" dirty="0">
                 <a:solidFill>
                   <a:srgbClr val="292D33"/>
                 </a:solidFill>
                 <a:latin typeface="Lexend" pitchFamily="2" charset="0"/>
               </a:rPr>
-              <a:t>TITLE: LEXEND 32 BOLD #292D33</a:t>
-            </a:r>
-            <a:endParaRPr lang="tr-TR" sz="3200" b="1" dirty="0">
-              <a:solidFill>
-                <a:srgbClr val="292D33"/>
-              </a:solidFill>
-              <a:latin typeface="Lexend" pitchFamily="2" charset="0"/>
-            </a:endParaRPr>
+              <a:t>ABP CMS Kit: Why?</a:t>
+            </a:r>
           </a:p>
         </p:txBody>
       </p:sp>
@@ -3818,23 +4500,104 @@
           <a:lstStyle/>
           <a:p>
             <a:r>
-              <a:rPr lang="en-GB" sz="1800" dirty="0">
+              <a:rPr lang="tr-TR" dirty="0">
                 <a:solidFill>
                   <a:srgbClr val="5B636F"/>
                 </a:solidFill>
                 <a:latin typeface="Poppins" panose="00000500000000000000" pitchFamily="2" charset="0"/>
                 <a:cs typeface="Poppins" panose="00000500000000000000" pitchFamily="2" charset="0"/>
               </a:rPr>
-              <a:t>Paragraph text Poppins 18 Regular #5B636F</a:t>
-            </a:r>
-            <a:endParaRPr lang="en-US" sz="1800" dirty="0"/>
+              <a:t>A </a:t>
+            </a:r>
+            <a:r>
+              <a:rPr lang="tr-TR" b="1" dirty="0">
+                <a:solidFill>
+                  <a:srgbClr val="5B636F"/>
+                </a:solidFill>
+                <a:latin typeface="Poppins" panose="00000500000000000000" pitchFamily="2" charset="0"/>
+                <a:cs typeface="Poppins" panose="00000500000000000000" pitchFamily="2" charset="0"/>
+              </a:rPr>
+              <a:t>custom application </a:t>
+            </a:r>
+            <a:r>
+              <a:rPr lang="tr-TR" dirty="0">
+                <a:solidFill>
+                  <a:srgbClr val="5B636F"/>
+                </a:solidFill>
+                <a:latin typeface="Poppins" panose="00000500000000000000" pitchFamily="2" charset="0"/>
+                <a:cs typeface="Poppins" panose="00000500000000000000" pitchFamily="2" charset="0"/>
+              </a:rPr>
+              <a:t>with CMS features, not a CMS with </a:t>
+            </a:r>
+            <a:r>
+              <a:rPr lang="tr-TR" b="1" dirty="0">
+                <a:solidFill>
+                  <a:srgbClr val="5B636F"/>
+                </a:solidFill>
+                <a:latin typeface="Poppins" panose="00000500000000000000" pitchFamily="2" charset="0"/>
+                <a:cs typeface="Poppins" panose="00000500000000000000" pitchFamily="2" charset="0"/>
+              </a:rPr>
+              <a:t>custom code</a:t>
+            </a:r>
+          </a:p>
+          <a:p>
+            <a:r>
+              <a:rPr lang="tr-TR" dirty="0">
+                <a:solidFill>
+                  <a:srgbClr val="5B636F"/>
+                </a:solidFill>
+                <a:latin typeface="Poppins" panose="00000500000000000000" pitchFamily="2" charset="0"/>
+                <a:cs typeface="Poppins" panose="00000500000000000000" pitchFamily="2" charset="0"/>
+              </a:rPr>
+              <a:t>Fully </a:t>
+            </a:r>
+            <a:r>
+              <a:rPr lang="tr-TR" b="1" dirty="0">
+                <a:solidFill>
+                  <a:srgbClr val="5B636F"/>
+                </a:solidFill>
+                <a:latin typeface="Poppins" panose="00000500000000000000" pitchFamily="2" charset="0"/>
+                <a:cs typeface="Poppins" panose="00000500000000000000" pitchFamily="2" charset="0"/>
+              </a:rPr>
+              <a:t>integrated </a:t>
+            </a:r>
+            <a:r>
+              <a:rPr lang="tr-TR" dirty="0">
+                <a:solidFill>
+                  <a:srgbClr val="5B636F"/>
+                </a:solidFill>
+                <a:latin typeface="Poppins" panose="00000500000000000000" pitchFamily="2" charset="0"/>
+                <a:cs typeface="Poppins" panose="00000500000000000000" pitchFamily="2" charset="0"/>
+              </a:rPr>
+              <a:t>to your </a:t>
+            </a:r>
+            <a:r>
+              <a:rPr lang="tr-TR" b="1" dirty="0">
+                <a:solidFill>
+                  <a:srgbClr val="5B636F"/>
+                </a:solidFill>
+                <a:latin typeface="Poppins" panose="00000500000000000000" pitchFamily="2" charset="0"/>
+                <a:cs typeface="Poppins" panose="00000500000000000000" pitchFamily="2" charset="0"/>
+              </a:rPr>
+              <a:t>solution</a:t>
+            </a:r>
+            <a:r>
+              <a:rPr lang="tr-TR" dirty="0">
+                <a:solidFill>
+                  <a:srgbClr val="5B636F"/>
+                </a:solidFill>
+                <a:latin typeface="Poppins" panose="00000500000000000000" pitchFamily="2" charset="0"/>
+                <a:cs typeface="Poppins" panose="00000500000000000000" pitchFamily="2" charset="0"/>
+              </a:rPr>
+              <a:t>: share database, code and other resources.</a:t>
+            </a:r>
           </a:p>
         </p:txBody>
       </p:sp>
     </p:spTree>
     <p:extLst>
       <p:ext uri="{BB962C8B-B14F-4D97-AF65-F5344CB8AC3E}">
-        <p14:creationId xmlns:p14="http://schemas.microsoft.com/office/powerpoint/2010/main" val="3605932501"/>
+        <p14:creationId xmlns:p14="http://schemas.microsoft.com/office/powerpoint/2010/main" val="3015477356"/>
       </p:ext>
     </p:extLst>
   </p:cSld>
@@ -3890,7 +4653,7 @@
         <p:spPr>
           <a:xfrm>
             <a:off x="714375" y="695325"/>
-            <a:ext cx="7289175" cy="584775"/>
+            <a:ext cx="5125121" cy="584775"/>
           </a:xfrm>
           <a:prstGeom prst="rect">
             <a:avLst/>
@@ -3904,20 +4667,14 @@
           <a:lstStyle/>
           <a:p>
             <a:r>
-              <a:rPr lang="en-GB" sz="3200" b="1" dirty="0">
+              <a:rPr lang="tr-TR" sz="3200" b="1" dirty="0">
                 <a:solidFill>
                   <a:srgbClr val="292D33"/>
                 </a:solidFill>
                 <a:latin typeface="Lexend" pitchFamily="2" charset="0"/>
               </a:rPr>
-              <a:t>TITLE: LEXEND 32 BOLD #292D33</a:t>
-            </a:r>
-            <a:endParaRPr lang="tr-TR" sz="3200" b="1" dirty="0">
-              <a:solidFill>
-                <a:srgbClr val="292D33"/>
-              </a:solidFill>
-              <a:latin typeface="Lexend" pitchFamily="2" charset="0"/>
-            </a:endParaRPr>
+              <a:t>ABP CMS Kit: Use Cases</a:t>
+            </a:r>
           </a:p>
         </p:txBody>
       </p:sp>
@@ -3950,23 +4707,119 @@
           <a:lstStyle/>
           <a:p>
             <a:r>
-              <a:rPr lang="en-GB" sz="1800" dirty="0">
+              <a:rPr lang="tr-TR" dirty="0">
                 <a:solidFill>
                   <a:srgbClr val="5B636F"/>
                 </a:solidFill>
                 <a:latin typeface="Poppins" panose="00000500000000000000" pitchFamily="2" charset="0"/>
                 <a:cs typeface="Poppins" panose="00000500000000000000" pitchFamily="2" charset="0"/>
               </a:rPr>
-              <a:t>Paragraph text Poppins 18 Regular #5B636F</a:t>
-            </a:r>
-            <a:endParaRPr lang="en-US" sz="1800" dirty="0"/>
+              <a:t>Company / personal </a:t>
+            </a:r>
+            <a:r>
+              <a:rPr lang="tr-TR" b="1" dirty="0">
+                <a:solidFill>
+                  <a:srgbClr val="5B636F"/>
+                </a:solidFill>
+                <a:latin typeface="Poppins" panose="00000500000000000000" pitchFamily="2" charset="0"/>
+                <a:cs typeface="Poppins" panose="00000500000000000000" pitchFamily="2" charset="0"/>
+              </a:rPr>
+              <a:t>blog</a:t>
+            </a:r>
+            <a:r>
+              <a:rPr lang="tr-TR" dirty="0">
+                <a:solidFill>
+                  <a:srgbClr val="5B636F"/>
+                </a:solidFill>
+                <a:latin typeface="Poppins" panose="00000500000000000000" pitchFamily="2" charset="0"/>
+                <a:cs typeface="Poppins" panose="00000500000000000000" pitchFamily="2" charset="0"/>
+              </a:rPr>
+              <a:t>/</a:t>
+            </a:r>
+            <a:r>
+              <a:rPr lang="tr-TR" b="1" dirty="0">
+                <a:solidFill>
+                  <a:srgbClr val="5B636F"/>
+                </a:solidFill>
+                <a:latin typeface="Poppins" panose="00000500000000000000" pitchFamily="2" charset="0"/>
+                <a:cs typeface="Poppins" panose="00000500000000000000" pitchFamily="2" charset="0"/>
+              </a:rPr>
+              <a:t>website </a:t>
+            </a:r>
+            <a:r>
+              <a:rPr lang="tr-TR" dirty="0">
+                <a:solidFill>
+                  <a:srgbClr val="5B636F"/>
+                </a:solidFill>
+                <a:latin typeface="Poppins" panose="00000500000000000000" pitchFamily="2" charset="0"/>
+                <a:cs typeface="Poppins" panose="00000500000000000000" pitchFamily="2" charset="0"/>
+              </a:rPr>
+              <a:t>with dynamic content</a:t>
+            </a:r>
+          </a:p>
+          <a:p>
+            <a:r>
+              <a:rPr lang="tr-TR" b="1" dirty="0">
+                <a:solidFill>
+                  <a:srgbClr val="5B636F"/>
+                </a:solidFill>
+                <a:latin typeface="Poppins" panose="00000500000000000000" pitchFamily="2" charset="0"/>
+                <a:cs typeface="Poppins" panose="00000500000000000000" pitchFamily="2" charset="0"/>
+              </a:rPr>
+              <a:t>Landing page </a:t>
+            </a:r>
+            <a:r>
+              <a:rPr lang="tr-TR" dirty="0">
+                <a:solidFill>
+                  <a:srgbClr val="5B636F"/>
+                </a:solidFill>
+                <a:latin typeface="Poppins" panose="00000500000000000000" pitchFamily="2" charset="0"/>
+                <a:cs typeface="Poppins" panose="00000500000000000000" pitchFamily="2" charset="0"/>
+              </a:rPr>
+              <a:t>for your product</a:t>
+            </a:r>
+          </a:p>
+          <a:p>
+            <a:r>
+              <a:rPr lang="tr-TR" b="1" dirty="0">
+                <a:solidFill>
+                  <a:srgbClr val="5B636F"/>
+                </a:solidFill>
+                <a:latin typeface="Poppins" panose="00000500000000000000" pitchFamily="2" charset="0"/>
+                <a:cs typeface="Poppins" panose="00000500000000000000" pitchFamily="2" charset="0"/>
+              </a:rPr>
+              <a:t>Public web application </a:t>
+            </a:r>
+            <a:r>
+              <a:rPr lang="tr-TR" dirty="0">
+                <a:solidFill>
+                  <a:srgbClr val="5B636F"/>
+                </a:solidFill>
+                <a:latin typeface="Poppins" panose="00000500000000000000" pitchFamily="2" charset="0"/>
+                <a:cs typeface="Poppins" panose="00000500000000000000" pitchFamily="2" charset="0"/>
+              </a:rPr>
+              <a:t>of your solution. Examples:</a:t>
+            </a:r>
+          </a:p>
+          <a:p>
+            <a:pPr lvl="1"/>
+            <a:r>
+              <a:rPr lang="tr-TR" sz="2800" dirty="0">
+                <a:solidFill>
+                  <a:srgbClr val="5B636F"/>
+                </a:solidFill>
+                <a:latin typeface="Poppins" panose="00000500000000000000" pitchFamily="2" charset="0"/>
+                <a:cs typeface="Poppins" panose="00000500000000000000" pitchFamily="2" charset="0"/>
+              </a:rPr>
+              <a:t>E-commerce, Rent a car, real estate, marketplace</a:t>
+            </a:r>
           </a:p>
         </p:txBody>
       </p:sp>
     </p:spTree>
     <p:extLst>
       <p:ext uri="{BB962C8B-B14F-4D97-AF65-F5344CB8AC3E}">
-        <p14:creationId xmlns:p14="http://schemas.microsoft.com/office/powerpoint/2010/main" val="2061951938"/>
+        <p14:creationId xmlns:p14="http://schemas.microsoft.com/office/powerpoint/2010/main" val="512677454"/>
       </p:ext>
     </p:extLst>
   </p:cSld>
@@ -4022,7 +4875,7 @@
         <p:spPr>
           <a:xfrm>
             <a:off x="714375" y="695325"/>
-            <a:ext cx="7289175" cy="584775"/>
+            <a:ext cx="10580140" cy="584775"/>
           </a:xfrm>
           <a:prstGeom prst="rect">
             <a:avLst/>
@@ -4036,20 +4889,14 @@
           <a:lstStyle/>
           <a:p>
             <a:r>
-              <a:rPr lang="en-GB" sz="3200" b="1" dirty="0">
+              <a:rPr lang="tr-TR" sz="3200" b="1" dirty="0">
                 <a:solidFill>
                   <a:srgbClr val="292D33"/>
                 </a:solidFill>
                 <a:latin typeface="Lexend" pitchFamily="2" charset="0"/>
               </a:rPr>
-              <a:t>TITLE: LEXEND 32 BOLD #292D33</a:t>
-            </a:r>
-            <a:endParaRPr lang="tr-TR" sz="3200" b="1" dirty="0">
-              <a:solidFill>
-                <a:srgbClr val="292D33"/>
-              </a:solidFill>
-              <a:latin typeface="Lexend" pitchFamily="2" charset="0"/>
-            </a:endParaRPr>
+              <a:t>ABP CMS Kit: The Building Blocks (a.k.a Features)</a:t>
+            </a:r>
           </a:p>
         </p:txBody>
       </p:sp>
@@ -4082,23 +4929,199 @@
           <a:lstStyle/>
           <a:p>
             <a:r>
-              <a:rPr lang="en-GB" sz="1800" dirty="0">
-                <a:solidFill>
-                  <a:srgbClr val="5B636F"/>
-                </a:solidFill>
-                <a:latin typeface="Poppins" panose="00000500000000000000" pitchFamily="2" charset="0"/>
-                <a:cs typeface="Poppins" panose="00000500000000000000" pitchFamily="2" charset="0"/>
-              </a:rPr>
-              <a:t>Paragraph text Poppins 18 Regular #5B636F</a:t>
-            </a:r>
-            <a:endParaRPr lang="en-US" sz="1800" dirty="0"/>
+              <a:rPr lang="tr-TR" sz="2400" b="1" dirty="0">
+                <a:solidFill>
+                  <a:srgbClr val="292D33"/>
+                </a:solidFill>
+              </a:rPr>
+              <a:t>Blogging</a:t>
+            </a:r>
+            <a:r>
+              <a:rPr lang="tr-TR" sz="2400" dirty="0">
+                <a:solidFill>
+                  <a:schemeClr val="tx1">
+                    <a:lumMod val="50000"/>
+                    <a:lumOff val="50000"/>
+                  </a:schemeClr>
+                </a:solidFill>
+              </a:rPr>
+              <a:t>: Create your blog and publish posts (with markdown / HTML support)</a:t>
+            </a:r>
+          </a:p>
+          <a:p>
+            <a:r>
+              <a:rPr lang="tr-TR" sz="2400" b="1" dirty="0">
+                <a:solidFill>
+                  <a:srgbClr val="292D33"/>
+                </a:solidFill>
+              </a:rPr>
+              <a:t>Dynamic Pages</a:t>
+            </a:r>
+            <a:r>
+              <a:rPr lang="tr-TR" sz="2400" dirty="0">
+                <a:solidFill>
+                  <a:schemeClr val="tx1">
+                    <a:lumMod val="50000"/>
+                    <a:lumOff val="50000"/>
+                  </a:schemeClr>
+                </a:solidFill>
+              </a:rPr>
+              <a:t>: Create pages with dynamic URLs (with markdown / HTML support)</a:t>
+            </a:r>
+          </a:p>
+          <a:p>
+            <a:r>
+              <a:rPr lang="tr-TR" sz="2400" b="1" dirty="0">
+                <a:solidFill>
+                  <a:srgbClr val="292D33"/>
+                </a:solidFill>
+              </a:rPr>
+              <a:t>Dynamic Menu</a:t>
+            </a:r>
+            <a:r>
+              <a:rPr lang="tr-TR" sz="2400" dirty="0">
+                <a:solidFill>
+                  <a:schemeClr val="tx1">
+                    <a:lumMod val="50000"/>
+                    <a:lumOff val="50000"/>
+                  </a:schemeClr>
+                </a:solidFill>
+              </a:rPr>
+              <a:t>: Manage your application’s main menu on the fly.</a:t>
+            </a:r>
+          </a:p>
+          <a:p>
+            <a:r>
+              <a:rPr lang="tr-TR" sz="2400" b="1" dirty="0">
+                <a:solidFill>
+                  <a:srgbClr val="292D33"/>
+                </a:solidFill>
+              </a:rPr>
+              <a:t>Tagging</a:t>
+            </a:r>
+            <a:r>
+              <a:rPr lang="tr-TR" sz="2400" dirty="0">
+                <a:solidFill>
+                  <a:schemeClr val="tx1">
+                    <a:lumMod val="50000"/>
+                    <a:lumOff val="50000"/>
+                  </a:schemeClr>
+                </a:solidFill>
+              </a:rPr>
+              <a:t>: Tag any kind of content, like a blog post.</a:t>
+            </a:r>
+          </a:p>
+          <a:p>
+            <a:r>
+              <a:rPr lang="tr-TR" sz="2400" b="1" dirty="0">
+                <a:solidFill>
+                  <a:srgbClr val="292D33"/>
+                </a:solidFill>
+              </a:rPr>
+              <a:t>Comments</a:t>
+            </a:r>
+            <a:r>
+              <a:rPr lang="tr-TR" sz="2400" dirty="0">
+                <a:solidFill>
+                  <a:schemeClr val="tx1">
+                    <a:lumMod val="50000"/>
+                    <a:lumOff val="50000"/>
+                  </a:schemeClr>
+                </a:solidFill>
+              </a:rPr>
+              <a:t>: Allow users to comment and discuss in your application.</a:t>
+            </a:r>
+          </a:p>
+          <a:p>
+            <a:r>
+              <a:rPr lang="tr-TR" sz="2400" b="1" dirty="0">
+                <a:solidFill>
+                  <a:srgbClr val="292D33"/>
+                </a:solidFill>
+              </a:rPr>
+              <a:t>Reactions</a:t>
+            </a:r>
+            <a:r>
+              <a:rPr lang="tr-TR" sz="2400" dirty="0">
+                <a:solidFill>
+                  <a:schemeClr val="tx1">
+                    <a:lumMod val="50000"/>
+                    <a:lumOff val="50000"/>
+                  </a:schemeClr>
+                </a:solidFill>
+              </a:rPr>
+              <a:t>: Allow users to react to your contents using simple smileys.</a:t>
+            </a:r>
+          </a:p>
+          <a:p>
+            <a:r>
+              <a:rPr lang="tr-TR" sz="2400" b="1" dirty="0">
+                <a:solidFill>
+                  <a:srgbClr val="292D33"/>
+                </a:solidFill>
+              </a:rPr>
+              <a:t>Rating</a:t>
+            </a:r>
+            <a:r>
+              <a:rPr lang="tr-TR" sz="2400" dirty="0">
+                <a:solidFill>
+                  <a:schemeClr val="tx1">
+                    <a:lumMod val="50000"/>
+                    <a:lumOff val="50000"/>
+                  </a:schemeClr>
+                </a:solidFill>
+              </a:rPr>
+              <a:t>: Reusable component to rate other contents</a:t>
+            </a:r>
+          </a:p>
+          <a:p>
+            <a:r>
+              <a:rPr lang="tr-TR" sz="2400" b="1" dirty="0">
+                <a:solidFill>
+                  <a:srgbClr val="292D33"/>
+                </a:solidFill>
+              </a:rPr>
+              <a:t>Global Resources</a:t>
+            </a:r>
+            <a:r>
+              <a:rPr lang="tr-TR" sz="2400" dirty="0">
+                <a:solidFill>
+                  <a:schemeClr val="tx1">
+                    <a:lumMod val="50000"/>
+                    <a:lumOff val="50000"/>
+                  </a:schemeClr>
+                </a:solidFill>
+              </a:rPr>
+              <a:t>: Dynamically add CSS / JavaScript to your pages or blog posts</a:t>
+            </a:r>
+          </a:p>
+          <a:p>
+            <a:r>
+              <a:rPr lang="tr-TR" sz="2400" b="1" dirty="0">
+                <a:solidFill>
+                  <a:srgbClr val="292D33"/>
+                </a:solidFill>
+              </a:rPr>
+              <a:t>Dynamic Widgets</a:t>
+            </a:r>
+            <a:r>
+              <a:rPr lang="tr-TR" sz="2400" dirty="0">
+                <a:solidFill>
+                  <a:schemeClr val="tx1">
+                    <a:lumMod val="50000"/>
+                    <a:lumOff val="50000"/>
+                  </a:schemeClr>
+                </a:solidFill>
+              </a:rPr>
+              <a:t>: Build widgets and use it in dynamic contents, like blog posts.</a:t>
+            </a:r>
           </a:p>
         </p:txBody>
       </p:sp>
     </p:spTree>
     <p:extLst>
       <p:ext uri="{BB962C8B-B14F-4D97-AF65-F5344CB8AC3E}">
-        <p14:creationId xmlns:p14="http://schemas.microsoft.com/office/powerpoint/2010/main" val="1918695673"/>
+        <p14:creationId xmlns:p14="http://schemas.microsoft.com/office/powerpoint/2010/main" val="3605932501"/>
       </p:ext>
     </p:extLst>
   </p:cSld>
@@ -4154,7 +5177,7 @@
         <p:spPr>
           <a:xfrm>
             <a:off x="714375" y="695325"/>
-            <a:ext cx="7289175" cy="584775"/>
+            <a:ext cx="8350363" cy="584775"/>
           </a:xfrm>
           <a:prstGeom prst="rect">
             <a:avLst/>
@@ -4168,20 +5191,32 @@
           <a:lstStyle/>
           <a:p>
             <a:r>
-              <a:rPr lang="en-GB" sz="3200" b="1" dirty="0">
+              <a:rPr lang="tr-TR" sz="3200" b="1" dirty="0">
                 <a:solidFill>
                   <a:srgbClr val="292D33"/>
                 </a:solidFill>
                 <a:latin typeface="Lexend" pitchFamily="2" charset="0"/>
               </a:rPr>
-              <a:t>TITLE: LEXEND 32 BOLD #292D33</a:t>
-            </a:r>
-            <a:endParaRPr lang="tr-TR" sz="3200" b="1" dirty="0">
-              <a:solidFill>
-                <a:srgbClr val="292D33"/>
-              </a:solidFill>
-              <a:latin typeface="Lexend" pitchFamily="2" charset="0"/>
-            </a:endParaRPr>
+              <a:t>ABP CMS Kit </a:t>
+            </a:r>
+            <a:r>
+              <a:rPr lang="tr-TR" sz="3200" b="1" dirty="0">
+                <a:solidFill>
+                  <a:srgbClr val="0070C0"/>
+                </a:solidFill>
+                <a:latin typeface="Lexend" pitchFamily="2" charset="0"/>
+              </a:rPr>
+              <a:t>Pro</a:t>
+            </a:r>
+            <a:r>
+              <a:rPr lang="tr-TR" sz="3200" b="1" dirty="0">
+                <a:solidFill>
+                  <a:srgbClr val="292D33"/>
+                </a:solidFill>
+                <a:latin typeface="Lexend" pitchFamily="2" charset="0"/>
+              </a:rPr>
+              <a:t>: Commercial Features</a:t>
+            </a:r>
           </a:p>
         </p:txBody>
       </p:sp>
@@ -4214,23 +5249,179 @@
           <a:lstStyle/>
           <a:p>
             <a:r>
-              <a:rPr lang="en-GB" sz="1800" dirty="0">
-                <a:solidFill>
-                  <a:srgbClr val="5B636F"/>
-                </a:solidFill>
-                <a:latin typeface="Poppins" panose="00000500000000000000" pitchFamily="2" charset="0"/>
-                <a:cs typeface="Poppins" panose="00000500000000000000" pitchFamily="2" charset="0"/>
-              </a:rPr>
-              <a:t>Paragraph text Poppins 18 Regular #5B636F</a:t>
-            </a:r>
-            <a:endParaRPr lang="en-US" sz="1800" dirty="0"/>
+              <a:rPr lang="tr-TR" sz="1800" b="1" dirty="0">
+                <a:solidFill>
+                  <a:srgbClr val="292D33"/>
+                </a:solidFill>
+                <a:latin typeface="Poppins" panose="00000500000000000000" pitchFamily="2" charset="0"/>
+                <a:cs typeface="Poppins" panose="00000500000000000000" pitchFamily="2" charset="0"/>
+              </a:rPr>
+              <a:t>Contact Form</a:t>
+            </a:r>
+            <a:r>
+              <a:rPr lang="tr-TR" sz="1800" dirty="0">
+                <a:solidFill>
+                  <a:schemeClr val="tx1">
+                    <a:lumMod val="50000"/>
+                    <a:lumOff val="50000"/>
+                  </a:schemeClr>
+                </a:solidFill>
+                <a:latin typeface="Poppins" panose="00000500000000000000" pitchFamily="2" charset="0"/>
+                <a:cs typeface="Poppins" panose="00000500000000000000" pitchFamily="2" charset="0"/>
+              </a:rPr>
+              <a:t>: Easily add a «contact us» form to your website.</a:t>
+            </a:r>
+          </a:p>
+          <a:p>
+            <a:r>
+              <a:rPr lang="tr-TR" sz="1800" b="1" dirty="0">
+                <a:solidFill>
+                  <a:srgbClr val="292D33"/>
+                </a:solidFill>
+                <a:latin typeface="Poppins" panose="00000500000000000000" pitchFamily="2" charset="0"/>
+                <a:cs typeface="Poppins" panose="00000500000000000000" pitchFamily="2" charset="0"/>
+              </a:rPr>
+              <a:t>Newsletter</a:t>
+            </a:r>
+            <a:r>
+              <a:rPr lang="tr-TR" sz="1800" dirty="0">
+                <a:solidFill>
+                  <a:schemeClr val="tx1">
+                    <a:lumMod val="50000"/>
+                    <a:lumOff val="50000"/>
+                  </a:schemeClr>
+                </a:solidFill>
+                <a:latin typeface="Poppins" panose="00000500000000000000" pitchFamily="2" charset="0"/>
+                <a:cs typeface="Poppins" panose="00000500000000000000" pitchFamily="2" charset="0"/>
+              </a:rPr>
+              <a:t>: Allow users to subscribe your newsletter (with multiple categories)</a:t>
+            </a:r>
+            <a:endParaRPr lang="en-US" sz="1800" dirty="0">
+              <a:solidFill>
+                <a:schemeClr val="tx1">
+                  <a:lumMod val="50000"/>
+                  <a:lumOff val="50000"/>
+                </a:schemeClr>
+              </a:solidFill>
+            </a:endParaRPr>
+          </a:p>
+          <a:p>
+            <a:r>
+              <a:rPr lang="tr-TR" sz="1800" b="1" dirty="0">
+                <a:solidFill>
+                  <a:srgbClr val="292D33"/>
+                </a:solidFill>
+                <a:latin typeface="Poppins" panose="00000500000000000000" pitchFamily="2" charset="0"/>
+                <a:cs typeface="Poppins" panose="00000500000000000000" pitchFamily="2" charset="0"/>
+              </a:rPr>
+              <a:t>URL Forwarding</a:t>
+            </a:r>
+            <a:r>
+              <a:rPr lang="tr-TR" sz="1800" dirty="0">
+                <a:solidFill>
+                  <a:schemeClr val="tx1">
+                    <a:lumMod val="50000"/>
+                    <a:lumOff val="50000"/>
+                  </a:schemeClr>
+                </a:solidFill>
+                <a:latin typeface="Poppins" panose="00000500000000000000" pitchFamily="2" charset="0"/>
+                <a:cs typeface="Poppins" panose="00000500000000000000" pitchFamily="2" charset="0"/>
+              </a:rPr>
+              <a:t>: Create short URLs or redirect users to other pages</a:t>
+            </a:r>
+            <a:endParaRPr lang="en-US" sz="1800" dirty="0">
+              <a:solidFill>
+                <a:schemeClr val="tx1">
+                  <a:lumMod val="50000"/>
+                  <a:lumOff val="50000"/>
+                </a:schemeClr>
+              </a:solidFill>
+            </a:endParaRPr>
+          </a:p>
+          <a:p>
+            <a:r>
+              <a:rPr lang="tr-TR" sz="1800" b="1" dirty="0">
+                <a:solidFill>
+                  <a:srgbClr val="292D33"/>
+                </a:solidFill>
+                <a:latin typeface="Poppins" panose="00000500000000000000" pitchFamily="2" charset="0"/>
+                <a:cs typeface="Poppins" panose="00000500000000000000" pitchFamily="2" charset="0"/>
+              </a:rPr>
+              <a:t>Poll</a:t>
+            </a:r>
+            <a:r>
+              <a:rPr lang="tr-TR" sz="1800" dirty="0">
+                <a:solidFill>
+                  <a:schemeClr val="tx1">
+                    <a:lumMod val="50000"/>
+                    <a:lumOff val="50000"/>
+                  </a:schemeClr>
+                </a:solidFill>
+                <a:latin typeface="Poppins" panose="00000500000000000000" pitchFamily="2" charset="0"/>
+                <a:cs typeface="Poppins" panose="00000500000000000000" pitchFamily="2" charset="0"/>
+              </a:rPr>
+              <a:t>: Create quick polls for your users.</a:t>
+            </a:r>
+          </a:p>
+          <a:p>
+            <a:r>
+              <a:rPr lang="tr-TR" sz="1800" b="1" dirty="0">
+                <a:solidFill>
+                  <a:srgbClr val="292D33"/>
+                </a:solidFill>
+                <a:latin typeface="Poppins" panose="00000500000000000000" pitchFamily="2" charset="0"/>
+                <a:cs typeface="Poppins" panose="00000500000000000000" pitchFamily="2" charset="0"/>
+              </a:rPr>
+              <a:t>Page Feedback</a:t>
+            </a:r>
+            <a:r>
+              <a:rPr lang="tr-TR" sz="1800" dirty="0">
+                <a:solidFill>
+                  <a:schemeClr val="tx1">
+                    <a:lumMod val="50000"/>
+                    <a:lumOff val="50000"/>
+                  </a:schemeClr>
+                </a:solidFill>
+                <a:latin typeface="Poppins" panose="00000500000000000000" pitchFamily="2" charset="0"/>
+                <a:cs typeface="Poppins" panose="00000500000000000000" pitchFamily="2" charset="0"/>
+              </a:rPr>
+              <a:t>: Collect feedback/comment from users for your contents</a:t>
+            </a:r>
+            <a:endParaRPr lang="en-US" sz="1800" dirty="0">
+              <a:solidFill>
+                <a:schemeClr val="tx1">
+                  <a:lumMod val="50000"/>
+                  <a:lumOff val="50000"/>
+                </a:schemeClr>
+              </a:solidFill>
+            </a:endParaRPr>
+          </a:p>
+          <a:p>
+            <a:endParaRPr lang="en-US" sz="1800" dirty="0">
+              <a:solidFill>
+                <a:schemeClr val="tx1">
+                  <a:lumMod val="50000"/>
+                  <a:lumOff val="50000"/>
+                </a:schemeClr>
+              </a:solidFill>
+            </a:endParaRPr>
+          </a:p>
+          <a:p>
+            <a:endParaRPr lang="en-US" sz="1800" dirty="0">
+              <a:solidFill>
+                <a:schemeClr val="tx1">
+                  <a:lumMod val="50000"/>
+                  <a:lumOff val="50000"/>
+                </a:schemeClr>
+              </a:solidFill>
+            </a:endParaRPr>
           </a:p>
         </p:txBody>
       </p:sp>
     </p:spTree>
     <p:extLst>
       <p:ext uri="{BB962C8B-B14F-4D97-AF65-F5344CB8AC3E}">
-        <p14:creationId xmlns:p14="http://schemas.microsoft.com/office/powerpoint/2010/main" val="919107473"/>
+        <p14:creationId xmlns:p14="http://schemas.microsoft.com/office/powerpoint/2010/main" val="2061951938"/>
       </p:ext>
     </p:extLst>
   </p:cSld>
@@ -4286,7 +5477,7 @@
         <p:spPr>
           <a:xfrm>
             <a:off x="714375" y="695325"/>
-            <a:ext cx="7289175" cy="584775"/>
+            <a:ext cx="7394973" cy="584775"/>
           </a:xfrm>
           <a:prstGeom prst="rect">
             <a:avLst/>
@@ -4300,20 +5491,14 @@
           <a:lstStyle/>
           <a:p>
             <a:r>
-              <a:rPr lang="en-GB" sz="3200" b="1" dirty="0">
+              <a:rPr lang="tr-TR" sz="3200" b="1" dirty="0">
                 <a:solidFill>
                   <a:srgbClr val="292D33"/>
                 </a:solidFill>
                 <a:latin typeface="Lexend" pitchFamily="2" charset="0"/>
               </a:rPr>
-              <a:t>TITLE: LEXEND 32 BOLD #292D33</a:t>
-            </a:r>
-            <a:endParaRPr lang="tr-TR" sz="3200" b="1" dirty="0">
-              <a:solidFill>
-                <a:srgbClr val="292D33"/>
-              </a:solidFill>
-              <a:latin typeface="Lexend" pitchFamily="2" charset="0"/>
-            </a:endParaRPr>
+              <a:t>ABP CMS Kit: Where are we using?</a:t>
+            </a:r>
           </a:p>
         </p:txBody>
       </p:sp>
@@ -4346,14 +5531,352 @@
           <a:lstStyle/>
           <a:p>
             <a:r>
-              <a:rPr lang="en-GB" sz="1800" dirty="0">
+              <a:rPr lang="tr-TR" sz="2400" dirty="0">
                 <a:solidFill>
                   <a:srgbClr val="5B636F"/>
                 </a:solidFill>
                 <a:latin typeface="Poppins" panose="00000500000000000000" pitchFamily="2" charset="0"/>
                 <a:cs typeface="Poppins" panose="00000500000000000000" pitchFamily="2" charset="0"/>
               </a:rPr>
-              <a:t>Paragraph text Poppins 18 Regular #5B636F</a:t>
+              <a:t>ABP Community</a:t>
+            </a:r>
+            <a:br>
+              <a:rPr lang="tr-TR" sz="2400" dirty="0">
+                <a:solidFill>
+                  <a:srgbClr val="5B636F"/>
+                </a:solidFill>
+                <a:latin typeface="Poppins" panose="00000500000000000000" pitchFamily="2" charset="0"/>
+                <a:cs typeface="Poppins" panose="00000500000000000000" pitchFamily="2" charset="0"/>
+              </a:rPr>
+            </a:br>
+            <a:r>
+              <a:rPr lang="tr-TR" sz="1200" dirty="0">
+                <a:solidFill>
+                  <a:srgbClr val="5B636F"/>
+                </a:solidFill>
+                <a:latin typeface="Poppins" panose="00000500000000000000" pitchFamily="2" charset="0"/>
+                <a:cs typeface="Poppins" panose="00000500000000000000" pitchFamily="2" charset="0"/>
+              </a:rPr>
+              <a:t>Example: </a:t>
+            </a:r>
+            <a:r>
+              <a:rPr lang="tr-TR" sz="1200" dirty="0">
+                <a:solidFill>
+                  <a:srgbClr val="5B636F"/>
+                </a:solidFill>
+                <a:latin typeface="Poppins" panose="00000500000000000000" pitchFamily="2" charset="0"/>
+                <a:cs typeface="Poppins" panose="00000500000000000000" pitchFamily="2" charset="0"/>
+                <a:hlinkClick r:id="rId3"/>
+              </a:rPr>
+              <a:t>https://community.abp.io/posts/kubernetes-integrated-microservice-development-with-.net-and-abp-studio-h11utnq8</a:t>
+            </a:r>
+            <a:r>
+              <a:rPr lang="tr-TR" sz="1200" dirty="0">
+                <a:solidFill>
+                  <a:srgbClr val="5B636F"/>
+                </a:solidFill>
+                <a:latin typeface="Poppins" panose="00000500000000000000" pitchFamily="2" charset="0"/>
+                <a:cs typeface="Poppins" panose="00000500000000000000" pitchFamily="2" charset="0"/>
+              </a:rPr>
+              <a:t> </a:t>
+            </a:r>
+            <a:endParaRPr lang="tr-TR" sz="2400" dirty="0">
+              <a:solidFill>
+                <a:srgbClr val="5B636F"/>
+              </a:solidFill>
+              <a:latin typeface="Poppins" panose="00000500000000000000" pitchFamily="2" charset="0"/>
+              <a:cs typeface="Poppins" panose="00000500000000000000" pitchFamily="2" charset="0"/>
+            </a:endParaRPr>
+          </a:p>
+          <a:p>
+            <a:pPr lvl="1"/>
+            <a:r>
+              <a:rPr lang="tr-TR" sz="2000" dirty="0">
+                <a:solidFill>
+                  <a:srgbClr val="5B636F"/>
+                </a:solidFill>
+                <a:latin typeface="Poppins" panose="00000500000000000000" pitchFamily="2" charset="0"/>
+                <a:cs typeface="Poppins" panose="00000500000000000000" pitchFamily="2" charset="0"/>
+              </a:rPr>
+              <a:t>Articles: </a:t>
+            </a:r>
+            <a:r>
+              <a:rPr lang="tr-TR" sz="2000" b="1" dirty="0">
+                <a:solidFill>
+                  <a:srgbClr val="5B636F"/>
+                </a:solidFill>
+                <a:latin typeface="Poppins" panose="00000500000000000000" pitchFamily="2" charset="0"/>
+                <a:cs typeface="Poppins" panose="00000500000000000000" pitchFamily="2" charset="0"/>
+              </a:rPr>
+              <a:t>Comments </a:t>
+            </a:r>
+            <a:r>
+              <a:rPr lang="tr-TR" sz="2000" dirty="0">
+                <a:solidFill>
+                  <a:srgbClr val="5B636F"/>
+                </a:solidFill>
+                <a:latin typeface="Poppins" panose="00000500000000000000" pitchFamily="2" charset="0"/>
+                <a:cs typeface="Poppins" panose="00000500000000000000" pitchFamily="2" charset="0"/>
+              </a:rPr>
+              <a:t>with </a:t>
+            </a:r>
+            <a:r>
+              <a:rPr lang="tr-TR" sz="2000" b="1" dirty="0">
+                <a:solidFill>
+                  <a:srgbClr val="5B636F"/>
+                </a:solidFill>
+                <a:latin typeface="Poppins" panose="00000500000000000000" pitchFamily="2" charset="0"/>
+                <a:cs typeface="Poppins" panose="00000500000000000000" pitchFamily="2" charset="0"/>
+              </a:rPr>
+              <a:t>reactions</a:t>
+            </a:r>
+          </a:p>
+          <a:p>
+            <a:pPr lvl="1"/>
+            <a:r>
+              <a:rPr lang="tr-TR" sz="2000" dirty="0">
+                <a:solidFill>
+                  <a:srgbClr val="5B636F"/>
+                </a:solidFill>
+                <a:latin typeface="Poppins" panose="00000500000000000000" pitchFamily="2" charset="0"/>
+                <a:cs typeface="Poppins" panose="00000500000000000000" pitchFamily="2" charset="0"/>
+              </a:rPr>
+              <a:t>Articles: </a:t>
+            </a:r>
+            <a:r>
+              <a:rPr lang="tr-TR" sz="2000" b="1" dirty="0">
+                <a:solidFill>
+                  <a:srgbClr val="5B636F"/>
+                </a:solidFill>
+                <a:latin typeface="Poppins" panose="00000500000000000000" pitchFamily="2" charset="0"/>
+                <a:cs typeface="Poppins" panose="00000500000000000000" pitchFamily="2" charset="0"/>
+              </a:rPr>
+              <a:t>Tags</a:t>
+            </a:r>
+          </a:p>
+          <a:p>
+            <a:pPr lvl="1"/>
+            <a:r>
+              <a:rPr lang="tr-TR" sz="2000" b="1" dirty="0">
+                <a:solidFill>
+                  <a:srgbClr val="5B636F"/>
+                </a:solidFill>
+                <a:latin typeface="Poppins" panose="00000500000000000000" pitchFamily="2" charset="0"/>
+                <a:cs typeface="Poppins" panose="00000500000000000000" pitchFamily="2" charset="0"/>
+              </a:rPr>
+              <a:t>Newsletter</a:t>
+            </a:r>
+          </a:p>
+          <a:p>
+            <a:r>
+              <a:rPr lang="tr-TR" sz="1800" dirty="0">
+                <a:solidFill>
+                  <a:srgbClr val="5B636F"/>
+                </a:solidFill>
+                <a:latin typeface="Poppins" panose="00000500000000000000" pitchFamily="2" charset="0"/>
+                <a:cs typeface="Poppins" panose="00000500000000000000" pitchFamily="2" charset="0"/>
+              </a:rPr>
+              <a:t>ABP &amp; Volosoft </a:t>
+            </a:r>
+            <a:r>
+              <a:rPr lang="tr-TR" sz="1800" b="1" dirty="0">
+                <a:solidFill>
+                  <a:srgbClr val="5B636F"/>
+                </a:solidFill>
+                <a:latin typeface="Poppins" panose="00000500000000000000" pitchFamily="2" charset="0"/>
+                <a:cs typeface="Poppins" panose="00000500000000000000" pitchFamily="2" charset="0"/>
+              </a:rPr>
+              <a:t>Blog</a:t>
+            </a:r>
+            <a:br>
+              <a:rPr lang="tr-TR" sz="1800" dirty="0">
+                <a:solidFill>
+                  <a:srgbClr val="5B636F"/>
+                </a:solidFill>
+                <a:latin typeface="Poppins" panose="00000500000000000000" pitchFamily="2" charset="0"/>
+                <a:cs typeface="Poppins" panose="00000500000000000000" pitchFamily="2" charset="0"/>
+              </a:rPr>
+            </a:br>
+            <a:r>
+              <a:rPr lang="tr-TR" sz="1200" dirty="0">
+                <a:solidFill>
+                  <a:srgbClr val="5B636F"/>
+                </a:solidFill>
+                <a:latin typeface="Poppins" panose="00000500000000000000" pitchFamily="2" charset="0"/>
+                <a:cs typeface="Poppins" panose="00000500000000000000" pitchFamily="2" charset="0"/>
+              </a:rPr>
+              <a:t>Example: </a:t>
+            </a:r>
+            <a:r>
+              <a:rPr lang="tr-TR" sz="1200" dirty="0">
+                <a:solidFill>
+                  <a:srgbClr val="5B636F"/>
+                </a:solidFill>
+                <a:latin typeface="Poppins" panose="00000500000000000000" pitchFamily="2" charset="0"/>
+                <a:cs typeface="Poppins" panose="00000500000000000000" pitchFamily="2" charset="0"/>
+                <a:hlinkClick r:id="rId4"/>
+              </a:rPr>
+              <a:t>https://volosoft.com/blog</a:t>
+            </a:r>
+            <a:endParaRPr lang="tr-TR" sz="1200" dirty="0">
+              <a:solidFill>
+                <a:srgbClr val="5B636F"/>
+              </a:solidFill>
+              <a:latin typeface="Poppins" panose="00000500000000000000" pitchFamily="2" charset="0"/>
+              <a:cs typeface="Poppins" panose="00000500000000000000" pitchFamily="2" charset="0"/>
+            </a:endParaRPr>
+          </a:p>
+          <a:p>
+            <a:r>
+              <a:rPr lang="tr-TR" sz="1800" dirty="0">
+                <a:solidFill>
+                  <a:srgbClr val="5B636F"/>
+                </a:solidFill>
+                <a:latin typeface="Poppins" panose="00000500000000000000" pitchFamily="2" charset="0"/>
+                <a:cs typeface="Poppins" panose="00000500000000000000" pitchFamily="2" charset="0"/>
+              </a:rPr>
+              <a:t>ABP Commercial </a:t>
+            </a:r>
+            <a:r>
+              <a:rPr lang="tr-TR" sz="1800" b="1" dirty="0">
+                <a:solidFill>
+                  <a:srgbClr val="5B636F"/>
+                </a:solidFill>
+                <a:latin typeface="Poppins" panose="00000500000000000000" pitchFamily="2" charset="0"/>
+                <a:cs typeface="Poppins" panose="00000500000000000000" pitchFamily="2" charset="0"/>
+              </a:rPr>
+              <a:t>Contact Form</a:t>
+            </a:r>
+            <a:br>
+              <a:rPr lang="tr-TR" sz="1800" dirty="0">
+                <a:solidFill>
+                  <a:srgbClr val="5B636F"/>
+                </a:solidFill>
+                <a:latin typeface="Poppins" panose="00000500000000000000" pitchFamily="2" charset="0"/>
+                <a:cs typeface="Poppins" panose="00000500000000000000" pitchFamily="2" charset="0"/>
+              </a:rPr>
+            </a:br>
+            <a:r>
+              <a:rPr lang="tr-TR" sz="1200" dirty="0">
+                <a:solidFill>
+                  <a:srgbClr val="5B636F"/>
+                </a:solidFill>
+                <a:latin typeface="Poppins" panose="00000500000000000000" pitchFamily="2" charset="0"/>
+                <a:cs typeface="Poppins" panose="00000500000000000000" pitchFamily="2" charset="0"/>
+              </a:rPr>
+              <a:t>Example: </a:t>
+            </a:r>
+            <a:r>
+              <a:rPr lang="tr-TR" sz="1200" dirty="0">
+                <a:solidFill>
+                  <a:srgbClr val="5B636F"/>
+                </a:solidFill>
+                <a:latin typeface="Poppins" panose="00000500000000000000" pitchFamily="2" charset="0"/>
+                <a:cs typeface="Poppins" panose="00000500000000000000" pitchFamily="2" charset="0"/>
+                <a:hlinkClick r:id="rId5"/>
+              </a:rPr>
+              <a:t>https://commercial.abp.io/contact</a:t>
+            </a:r>
+            <a:r>
+              <a:rPr lang="tr-TR" sz="1200" dirty="0">
+                <a:solidFill>
+                  <a:srgbClr val="5B636F"/>
+                </a:solidFill>
+                <a:latin typeface="Poppins" panose="00000500000000000000" pitchFamily="2" charset="0"/>
+                <a:cs typeface="Poppins" panose="00000500000000000000" pitchFamily="2" charset="0"/>
+              </a:rPr>
+              <a:t> </a:t>
+            </a:r>
+          </a:p>
+          <a:p>
+            <a:r>
+              <a:rPr lang="tr-TR" sz="1800" dirty="0">
+                <a:solidFill>
+                  <a:srgbClr val="5B636F"/>
+                </a:solidFill>
+                <a:latin typeface="Poppins" panose="00000500000000000000" pitchFamily="2" charset="0"/>
+                <a:cs typeface="Poppins" panose="00000500000000000000" pitchFamily="2" charset="0"/>
+              </a:rPr>
+              <a:t>ABP.IO </a:t>
+            </a:r>
+            <a:r>
+              <a:rPr lang="tr-TR" sz="1800" b="1" dirty="0">
+                <a:solidFill>
+                  <a:srgbClr val="5B636F"/>
+                </a:solidFill>
+                <a:latin typeface="Poppins" panose="00000500000000000000" pitchFamily="2" charset="0"/>
+                <a:cs typeface="Poppins" panose="00000500000000000000" pitchFamily="2" charset="0"/>
+              </a:rPr>
+              <a:t>URL Forwarding (shortening)</a:t>
+            </a:r>
+            <a:br>
+              <a:rPr lang="tr-TR" sz="1800" dirty="0">
+                <a:solidFill>
+                  <a:srgbClr val="5B636F"/>
+                </a:solidFill>
+                <a:latin typeface="Poppins" panose="00000500000000000000" pitchFamily="2" charset="0"/>
+                <a:cs typeface="Poppins" panose="00000500000000000000" pitchFamily="2" charset="0"/>
+              </a:rPr>
+            </a:br>
+            <a:r>
+              <a:rPr lang="tr-TR" sz="1200" dirty="0">
+                <a:solidFill>
+                  <a:srgbClr val="5B636F"/>
+                </a:solidFill>
+                <a:latin typeface="Poppins" panose="00000500000000000000" pitchFamily="2" charset="0"/>
+                <a:cs typeface="Poppins" panose="00000500000000000000" pitchFamily="2" charset="0"/>
+              </a:rPr>
+              <a:t>Example: </a:t>
+            </a:r>
+            <a:r>
+              <a:rPr lang="tr-TR" sz="1200" dirty="0">
+                <a:solidFill>
+                  <a:srgbClr val="5B636F"/>
+                </a:solidFill>
+                <a:latin typeface="Poppins" panose="00000500000000000000" pitchFamily="2" charset="0"/>
+                <a:cs typeface="Poppins" panose="00000500000000000000" pitchFamily="2" charset="0"/>
+                <a:hlinkClick r:id="rId6"/>
+              </a:rPr>
+              <a:t>https://abp.io/dapr</a:t>
+            </a:r>
+            <a:endParaRPr lang="tr-TR" sz="1200" dirty="0">
+              <a:solidFill>
+                <a:srgbClr val="5B636F"/>
+              </a:solidFill>
+              <a:latin typeface="Poppins" panose="00000500000000000000" pitchFamily="2" charset="0"/>
+              <a:cs typeface="Poppins" panose="00000500000000000000" pitchFamily="2" charset="0"/>
+            </a:endParaRPr>
+          </a:p>
+          <a:p>
+            <a:r>
+              <a:rPr lang="tr-TR" sz="1800" dirty="0">
+                <a:solidFill>
+                  <a:srgbClr val="5B636F"/>
+                </a:solidFill>
+                <a:latin typeface="Poppins" panose="00000500000000000000" pitchFamily="2" charset="0"/>
+                <a:cs typeface="Poppins" panose="00000500000000000000" pitchFamily="2" charset="0"/>
+              </a:rPr>
+              <a:t>ABP Docs </a:t>
+            </a:r>
+            <a:r>
+              <a:rPr lang="tr-TR" sz="1800" b="1" dirty="0">
+                <a:solidFill>
+                  <a:srgbClr val="5B636F"/>
+                </a:solidFill>
+                <a:latin typeface="Poppins" panose="00000500000000000000" pitchFamily="2" charset="0"/>
+                <a:cs typeface="Poppins" panose="00000500000000000000" pitchFamily="2" charset="0"/>
+              </a:rPr>
+              <a:t>Feedback</a:t>
+            </a:r>
+            <a:r>
+              <a:rPr lang="tr-TR" sz="1800" dirty="0">
+                <a:solidFill>
+                  <a:srgbClr val="5B636F"/>
+                </a:solidFill>
+                <a:latin typeface="Poppins" panose="00000500000000000000" pitchFamily="2" charset="0"/>
+                <a:cs typeface="Poppins" panose="00000500000000000000" pitchFamily="2" charset="0"/>
+              </a:rPr>
+              <a:t> (coming soon)</a:t>
             </a:r>
             <a:endParaRPr lang="en-US" sz="1800" dirty="0"/>
           </a:p>
@@ -4362,7 +5885,7 @@
     </p:spTree>
     <p:extLst>
       <p:ext uri="{BB962C8B-B14F-4D97-AF65-F5344CB8AC3E}">
-        <p14:creationId xmlns:p14="http://schemas.microsoft.com/office/powerpoint/2010/main" val="773683628"/>
+        <p14:creationId xmlns:p14="http://schemas.microsoft.com/office/powerpoint/2010/main" val="1918695673"/>
       </p:ext>
     </p:extLst>
   </p:cSld>
@@ -4403,93 +5926,22 @@
           <a:chExt cx="0" cy="0"/>
         </a:xfrm>
       </p:grpSpPr>
-      <p:pic>
-        <p:nvPicPr>
-          <p:cNvPr id="7" name="Resim 6">
-            <a:extLst>
-              <a:ext uri="{FF2B5EF4-FFF2-40B4-BE49-F238E27FC236}">
-                <a16:creationId xmlns:a16="http://schemas.microsoft.com/office/drawing/2014/main" id="{6B5F6FF1-6CB4-4E12-A44B-075EC786BE0D}"/>
-              </a:ext>
-            </a:extLst>
-          </p:cNvPr>
-          <p:cNvPicPr>
-            <a:picLocks noChangeAspect="1"/>
-          </p:cNvPicPr>
+      <p:sp>
+        <p:nvSpPr>
+          <p:cNvPr id="8" name="Metin kutusu 7">
+            <a:extLst>
+              <a:ext uri="{FF2B5EF4-FFF2-40B4-BE49-F238E27FC236}">
+                <a16:creationId xmlns:a16="http://schemas.microsoft.com/office/drawing/2014/main" id="{29D82957-8FD0-49FF-B99F-7F7BB3AB2C9F}"/>
+              </a:ext>
+            </a:extLst>
+          </p:cNvPr>
+          <p:cNvSpPr txBox="1"/>
           <p:nvPr/>
-        </p:nvPicPr>
-        <p:blipFill>
-          <a:blip r:embed="rId3">
-            <a:extLst>
-              <a:ext uri="{28A0092B-C50C-407E-A947-70E740481C1C}">
-                <a14:useLocalDpi xmlns:a14="http://schemas.microsoft.com/office/drawing/2010/main" val="0"/>
-              </a:ext>
-            </a:extLst>
-          </a:blip>
-          <a:stretch>
-            <a:fillRect/>
-          </a:stretch>
-        </p:blipFill>
+        </p:nvSpPr>
         <p:spPr>
           <a:xfrm>
-            <a:off x="2581556" y="1733550"/>
-            <a:ext cx="2309127" cy="3352800"/>
-          </a:xfrm>
-          <a:prstGeom prst="rect">
-            <a:avLst/>
-          </a:prstGeom>
-        </p:spPr>
-      </p:pic>
-      <p:pic>
-        <p:nvPicPr>
-          <p:cNvPr id="14" name="Resim 13">
-            <a:extLst>
-              <a:ext uri="{FF2B5EF4-FFF2-40B4-BE49-F238E27FC236}">
-                <a16:creationId xmlns:a16="http://schemas.microsoft.com/office/drawing/2014/main" id="{FA0B6712-3138-47D2-B2D8-D417173C6D41}"/>
-              </a:ext>
-            </a:extLst>
-          </p:cNvPr>
-          <p:cNvPicPr>
-            <a:picLocks noChangeAspect="1"/>
-          </p:cNvPicPr>
-          <p:nvPr/>
-        </p:nvPicPr>
-        <p:blipFill>
-          <a:blip r:embed="rId4">
-            <a:extLst>
-              <a:ext uri="{28A0092B-C50C-407E-A947-70E740481C1C}">
-                <a14:useLocalDpi xmlns:a14="http://schemas.microsoft.com/office/drawing/2010/main" val="0"/>
-              </a:ext>
-            </a:extLst>
-          </a:blip>
-          <a:srcRect/>
-          <a:stretch/>
-        </p:blipFill>
-        <p:spPr>
-          <a:xfrm>
-            <a:off x="5128478" y="4022808"/>
-            <a:ext cx="1745886" cy="621019"/>
-          </a:xfrm>
-          <a:prstGeom prst="rect">
-            <a:avLst/>
-          </a:prstGeom>
-        </p:spPr>
-      </p:pic>
-      <p:sp>
-        <p:nvSpPr>
-          <p:cNvPr id="15" name="Metin kutusu 14">
-            <a:extLst>
-              <a:ext uri="{FF2B5EF4-FFF2-40B4-BE49-F238E27FC236}">
-                <a16:creationId xmlns:a16="http://schemas.microsoft.com/office/drawing/2014/main" id="{506FC3DA-A522-4660-B5E1-2D3746A7AC5D}"/>
-              </a:ext>
-            </a:extLst>
-          </p:cNvPr>
-          <p:cNvSpPr txBox="1"/>
-          <p:nvPr/>
-        </p:nvSpPr>
-        <p:spPr>
-          <a:xfrm>
-            <a:off x="4992441" y="2003724"/>
-            <a:ext cx="4993896" cy="1815882"/>
+            <a:off x="714375" y="695325"/>
+            <a:ext cx="4246675" cy="584775"/>
           </a:xfrm>
           <a:prstGeom prst="rect">
             <a:avLst/>
@@ -4497,32 +5949,150 @@
           <a:noFill/>
         </p:spPr>
         <p:txBody>
-          <a:bodyPr wrap="square" rtlCol="0">
+          <a:bodyPr wrap="none" rtlCol="0">
             <a:spAutoFit/>
           </a:bodyPr>
           <a:lstStyle/>
           <a:p>
             <a:r>
-              <a:rPr lang="en-GB" sz="5600" b="1" dirty="0">
+              <a:rPr lang="tr-TR" sz="3200" b="1" dirty="0">
                 <a:solidFill>
                   <a:srgbClr val="292D33"/>
                 </a:solidFill>
                 <a:latin typeface="Lexend" pitchFamily="2" charset="0"/>
               </a:rPr>
-              <a:t>THANKS FOR</a:t>
-            </a:r>
-          </a:p>
-          <a:p>
-            <a:r>
-              <a:rPr lang="en-GB" sz="5600" b="1" dirty="0">
+              <a:t>ABP CMS Kit: Demo</a:t>
+            </a:r>
+          </a:p>
+        </p:txBody>
+      </p:sp>
+      <p:sp>
+        <p:nvSpPr>
+          <p:cNvPr id="3" name="Content Placeholder 2">
+            <a:extLst>
+              <a:ext uri="{FF2B5EF4-FFF2-40B4-BE49-F238E27FC236}">
+                <a16:creationId xmlns:a16="http://schemas.microsoft.com/office/drawing/2014/main" id="{38E3475F-B2DC-C5D6-FE0E-7C46ED4D1709}"/>
+              </a:ext>
+            </a:extLst>
+          </p:cNvPr>
+          <p:cNvSpPr>
+            <a:spLocks noGrp="1"/>
+          </p:cNvSpPr>
+          <p:nvPr>
+            <p:ph idx="1"/>
+          </p:nvPr>
+        </p:nvSpPr>
+        <p:spPr>
+          <a:xfrm>
+            <a:off x="714374" y="1472339"/>
+            <a:ext cx="10824114" cy="4285281"/>
+          </a:xfrm>
+        </p:spPr>
+        <p:txBody>
+          <a:bodyPr anchor="ctr">
+            <a:normAutofit/>
+          </a:bodyPr>
+          <a:lstStyle/>
+          <a:p>
+            <a:pPr marL="0" indent="0" algn="ctr">
+              <a:buNone/>
+            </a:pPr>
+            <a:r>
+              <a:rPr lang="tr-TR" sz="11500" b="1" dirty="0">
+                <a:solidFill>
+                  <a:srgbClr val="5B636F"/>
+                </a:solidFill>
+                <a:latin typeface="Poppins" panose="00000500000000000000" pitchFamily="2" charset="0"/>
+                <a:cs typeface="Poppins" panose="00000500000000000000" pitchFamily="2" charset="0"/>
+              </a:rPr>
+              <a:t>DEMO</a:t>
+            </a:r>
+            <a:endParaRPr lang="en-US" sz="11500" b="1" dirty="0"/>
+          </a:p>
+        </p:txBody>
+      </p:sp>
+    </p:spTree>
+    <p:extLst>
+      <p:ext uri="{BB962C8B-B14F-4D97-AF65-F5344CB8AC3E}">
+        <p14:creationId xmlns:p14="http://schemas.microsoft.com/office/powerpoint/2010/main" val="919107473"/>
+      </p:ext>
+    </p:extLst>
+  </p:cSld>
+  <p:clrMapOvr>
+    <a:masterClrMapping/>
+  </p:clrMapOvr>
+</p:sld>
+</file>
+
+<file path=ppt/slides/slide9.xml><?xml version="1.0" encoding="utf-8"?>
+<p:sld xmlns:a="http://schemas.openxmlformats.org/drawingml/2006/main" xmlns:r="http://schemas.openxmlformats.org/officeDocument/2006/relationships" xmlns:p="http://schemas.openxmlformats.org/presentationml/2006/main">
+  <p:cSld>
+    <p:bg>
+      <p:bgPr>
+        <a:blipFill dpi="0" rotWithShape="1">
+          <a:blip r:embed="rId2">
+            <a:lum/>
+          </a:blip>
+          <a:srcRect/>
+          <a:stretch>
+            <a:fillRect/>
+          </a:stretch>
+        </a:blipFill>
+        <a:effectLst/>
+      </p:bgPr>
+    </p:bg>
+    <p:spTree>
+      <p:nvGrpSpPr>
+        <p:cNvPr id="1" name=""/>
+        <p:cNvGrpSpPr/>
+        <p:nvPr/>
+      </p:nvGrpSpPr>
+      <p:grpSpPr>
+        <a:xfrm>
+          <a:off x="0" y="0"/>
+          <a:ext cx="0" cy="0"/>
+          <a:chOff x="0" y="0"/>
+          <a:chExt cx="0" cy="0"/>
+        </a:xfrm>
+      </p:grpSpPr>
+      <p:sp>
+        <p:nvSpPr>
+          <p:cNvPr id="8" name="Metin kutusu 7">
+            <a:extLst>
+              <a:ext uri="{FF2B5EF4-FFF2-40B4-BE49-F238E27FC236}">
+                <a16:creationId xmlns:a16="http://schemas.microsoft.com/office/drawing/2014/main" id="{29D82957-8FD0-49FF-B99F-7F7BB3AB2C9F}"/>
+              </a:ext>
+            </a:extLst>
+          </p:cNvPr>
+          <p:cNvSpPr txBox="1"/>
+          <p:nvPr/>
+        </p:nvSpPr>
+        <p:spPr>
+          <a:xfrm>
+            <a:off x="714375" y="695325"/>
+            <a:ext cx="7289175" cy="584775"/>
+          </a:xfrm>
+          <a:prstGeom prst="rect">
+            <a:avLst/>
+          </a:prstGeom>
+          <a:noFill/>
+        </p:spPr>
+        <p:txBody>
+          <a:bodyPr wrap="none" rtlCol="0">
+            <a:spAutoFit/>
+          </a:bodyPr>
+          <a:lstStyle/>
+          <a:p>
+            <a:r>
+              <a:rPr lang="en-GB" sz="3200" b="1" dirty="0">
                 <a:solidFill>
                   <a:srgbClr val="292D33"/>
                 </a:solidFill>
                 <a:latin typeface="Lexend" pitchFamily="2" charset="0"/>
               </a:rPr>
-              <a:t>WATCHING</a:t>
-            </a:r>
-            <a:endParaRPr lang="tr-TR" sz="5600" b="1" dirty="0">
+              <a:t>TITLE: LEXEND 32 BOLD #292D33</a:t>
+            </a:r>
+            <a:endParaRPr lang="tr-TR" sz="3200" b="1" dirty="0">
               <a:solidFill>
                 <a:srgbClr val="292D33"/>
               </a:solidFill>
@@ -4531,10 +6101,52 @@
           </a:p>
         </p:txBody>
       </p:sp>
+      <p:sp>
+        <p:nvSpPr>
+          <p:cNvPr id="3" name="Content Placeholder 2">
+            <a:extLst>
+              <a:ext uri="{FF2B5EF4-FFF2-40B4-BE49-F238E27FC236}">
+                <a16:creationId xmlns:a16="http://schemas.microsoft.com/office/drawing/2014/main" id="{38E3475F-B2DC-C5D6-FE0E-7C46ED4D1709}"/>
+              </a:ext>
+            </a:extLst>
+          </p:cNvPr>
+          <p:cNvSpPr>
+            <a:spLocks noGrp="1"/>
+          </p:cNvSpPr>
+          <p:nvPr>
+            <p:ph idx="1"/>
+          </p:nvPr>
+        </p:nvSpPr>
+        <p:spPr>
+          <a:xfrm>
+            <a:off x="714374" y="1472339"/>
+            <a:ext cx="10824114" cy="4285281"/>
+          </a:xfrm>
+        </p:spPr>
+        <p:txBody>
+          <a:bodyPr>
+            <a:normAutofit/>
+          </a:bodyPr>
+          <a:lstStyle/>
+          <a:p>
+            <a:r>
+              <a:rPr lang="en-GB" sz="1800" dirty="0">
+                <a:solidFill>
+                  <a:srgbClr val="5B636F"/>
+                </a:solidFill>
+                <a:latin typeface="Poppins" panose="00000500000000000000" pitchFamily="2" charset="0"/>
+                <a:cs typeface="Poppins" panose="00000500000000000000" pitchFamily="2" charset="0"/>
+              </a:rPr>
+              <a:t>Paragraph text Poppins 18 Regular #5B636F</a:t>
+            </a:r>
+            <a:endParaRPr lang="en-US" sz="1800" dirty="0"/>
+          </a:p>
+        </p:txBody>
+      </p:sp>
     </p:spTree>
     <p:extLst>
       <p:ext uri="{BB962C8B-B14F-4D97-AF65-F5344CB8AC3E}">
-        <p14:creationId xmlns:p14="http://schemas.microsoft.com/office/powerpoint/2010/main" val="1177301773"/>
+        <p14:creationId xmlns:p14="http://schemas.microsoft.com/office/powerpoint/2010/main" val="773683628"/>
       </p:ext>
     </p:extLst>
   </p:cSld>

--- a/2023-09-28 ABP CMS Kit/ABP CMS Kit.pptx
+++ b/2023-09-28 ABP CMS Kit/ABP CMS Kit.pptx
@@ -16,8 +16,7 @@
     <p:sldId id="263" r:id="rId10"/>
     <p:sldId id="266" r:id="rId11"/>
     <p:sldId id="267" r:id="rId12"/>
-    <p:sldId id="268" r:id="rId13"/>
-    <p:sldId id="258" r:id="rId14"/>
+    <p:sldId id="258" r:id="rId13"/>
   </p:sldIdLst>
   <p:sldSz cx="12192000" cy="6858000"/>
   <p:notesSz cx="6858000" cy="9144000"/>
@@ -3631,7 +3630,7 @@
         <p:spPr>
           <a:xfrm>
             <a:off x="714375" y="695325"/>
-            <a:ext cx="7289175" cy="584775"/>
+            <a:ext cx="8618065" cy="584775"/>
           </a:xfrm>
           <a:prstGeom prst="rect">
             <a:avLst/>
@@ -3645,20 +3644,14 @@
           <a:lstStyle/>
           <a:p>
             <a:r>
-              <a:rPr lang="en-GB" sz="3200" b="1" dirty="0">
+              <a:rPr lang="tr-TR" sz="3200" b="1" dirty="0">
                 <a:solidFill>
                   <a:srgbClr val="292D33"/>
                 </a:solidFill>
                 <a:latin typeface="Lexend" pitchFamily="2" charset="0"/>
               </a:rPr>
-              <a:t>TITLE: LEXEND 32 BOLD #292D33</a:t>
-            </a:r>
-            <a:endParaRPr lang="tr-TR" sz="3200" b="1" dirty="0">
-              <a:solidFill>
-                <a:srgbClr val="292D33"/>
-              </a:solidFill>
-              <a:latin typeface="Lexend" pitchFamily="2" charset="0"/>
-            </a:endParaRPr>
+              <a:t>ABP CMS Kit: Supported UI Frameworks</a:t>
+            </a:r>
           </a:p>
         </p:txBody>
       </p:sp>
@@ -3680,25 +3673,798 @@
         </p:nvSpPr>
         <p:spPr>
           <a:xfrm>
-            <a:off x="714374" y="1472339"/>
-            <a:ext cx="10824114" cy="4285281"/>
+            <a:off x="714375" y="1952630"/>
+            <a:ext cx="4586046" cy="410705"/>
           </a:xfrm>
         </p:spPr>
         <p:txBody>
           <a:bodyPr>
+            <a:normAutofit lnSpcReduction="10000"/>
+          </a:bodyPr>
+          <a:lstStyle/>
+          <a:p>
+            <a:pPr marL="0" indent="0">
+              <a:buNone/>
+            </a:pPr>
+            <a:r>
+              <a:rPr lang="tr-TR" sz="2400" b="1" u="sng" dirty="0">
+                <a:solidFill>
+                  <a:srgbClr val="5B636F"/>
+                </a:solidFill>
+                <a:latin typeface="Poppins" panose="00000500000000000000" pitchFamily="2" charset="0"/>
+                <a:cs typeface="Poppins" panose="00000500000000000000" pitchFamily="2" charset="0"/>
+              </a:rPr>
+              <a:t>Public Side</a:t>
+            </a:r>
+            <a:endParaRPr lang="en-US" sz="2400" b="1" u="sng" dirty="0"/>
+          </a:p>
+        </p:txBody>
+      </p:sp>
+      <p:pic>
+        <p:nvPicPr>
+          <p:cNvPr id="4" name="Picture 3">
+            <a:extLst>
+              <a:ext uri="{FF2B5EF4-FFF2-40B4-BE49-F238E27FC236}">
+                <a16:creationId xmlns:a16="http://schemas.microsoft.com/office/drawing/2014/main" id="{49B4F581-55FA-24FF-9831-800F33A8B329}"/>
+              </a:ext>
+            </a:extLst>
+          </p:cNvPr>
+          <p:cNvPicPr>
+            <a:picLocks noChangeAspect="1"/>
+          </p:cNvPicPr>
+          <p:nvPr/>
+        </p:nvPicPr>
+        <p:blipFill>
+          <a:blip r:embed="rId3"/>
+          <a:stretch>
+            <a:fillRect/>
+          </a:stretch>
+        </p:blipFill>
+        <p:spPr>
+          <a:xfrm>
+            <a:off x="714375" y="2555574"/>
+            <a:ext cx="2085975" cy="742950"/>
+          </a:xfrm>
+          <a:prstGeom prst="rect">
+            <a:avLst/>
+          </a:prstGeom>
+        </p:spPr>
+      </p:pic>
+      <p:sp>
+        <p:nvSpPr>
+          <p:cNvPr id="5" name="Content Placeholder 2">
+            <a:extLst>
+              <a:ext uri="{FF2B5EF4-FFF2-40B4-BE49-F238E27FC236}">
+                <a16:creationId xmlns:a16="http://schemas.microsoft.com/office/drawing/2014/main" id="{D8402FC2-2959-6C9F-5461-BC942A013C5B}"/>
+              </a:ext>
+            </a:extLst>
+          </p:cNvPr>
+          <p:cNvSpPr txBox="1">
+            <a:spLocks/>
+          </p:cNvSpPr>
+          <p:nvPr/>
+        </p:nvSpPr>
+        <p:spPr>
+          <a:xfrm>
+            <a:off x="6096001" y="1952630"/>
+            <a:ext cx="4586046" cy="410705"/>
+          </a:xfrm>
+          <a:prstGeom prst="rect">
+            <a:avLst/>
+          </a:prstGeom>
+        </p:spPr>
+        <p:txBody>
+          <a:bodyPr vert="horz" lIns="91440" tIns="45720" rIns="91440" bIns="45720" rtlCol="0">
+            <a:normAutofit lnSpcReduction="10000"/>
+          </a:bodyPr>
+          <a:lstStyle>
+            <a:lvl1pPr marL="228600" indent="-228600" algn="l" defTabSz="914400" rtl="0" eaLnBrk="1" latinLnBrk="0" hangingPunct="1">
+              <a:lnSpc>
+                <a:spcPct val="90000"/>
+              </a:lnSpc>
+              <a:spcBef>
+                <a:spcPts val="1000"/>
+              </a:spcBef>
+              <a:buFont typeface="Arial" panose="020B0604020202020204" pitchFamily="34" charset="0"/>
+              <a:buChar char="•"/>
+              <a:defRPr sz="2800" kern="1200">
+                <a:solidFill>
+                  <a:schemeClr val="tx1"/>
+                </a:solidFill>
+                <a:latin typeface="+mn-lt"/>
+                <a:ea typeface="+mn-ea"/>
+                <a:cs typeface="+mn-cs"/>
+              </a:defRPr>
+            </a:lvl1pPr>
+            <a:lvl2pPr marL="685800" indent="-228600" algn="l" defTabSz="914400" rtl="0" eaLnBrk="1" latinLnBrk="0" hangingPunct="1">
+              <a:lnSpc>
+                <a:spcPct val="90000"/>
+              </a:lnSpc>
+              <a:spcBef>
+                <a:spcPts val="500"/>
+              </a:spcBef>
+              <a:buFont typeface="Arial" panose="020B0604020202020204" pitchFamily="34" charset="0"/>
+              <a:buChar char="•"/>
+              <a:defRPr sz="2400" kern="1200">
+                <a:solidFill>
+                  <a:schemeClr val="tx1"/>
+                </a:solidFill>
+                <a:latin typeface="+mn-lt"/>
+                <a:ea typeface="+mn-ea"/>
+                <a:cs typeface="+mn-cs"/>
+              </a:defRPr>
+            </a:lvl2pPr>
+            <a:lvl3pPr marL="1143000" indent="-228600" algn="l" defTabSz="914400" rtl="0" eaLnBrk="1" latinLnBrk="0" hangingPunct="1">
+              <a:lnSpc>
+                <a:spcPct val="90000"/>
+              </a:lnSpc>
+              <a:spcBef>
+                <a:spcPts val="500"/>
+              </a:spcBef>
+              <a:buFont typeface="Arial" panose="020B0604020202020204" pitchFamily="34" charset="0"/>
+              <a:buChar char="•"/>
+              <a:defRPr sz="2000" kern="1200">
+                <a:solidFill>
+                  <a:schemeClr val="tx1"/>
+                </a:solidFill>
+                <a:latin typeface="+mn-lt"/>
+                <a:ea typeface="+mn-ea"/>
+                <a:cs typeface="+mn-cs"/>
+              </a:defRPr>
+            </a:lvl3pPr>
+            <a:lvl4pPr marL="1600200" indent="-228600" algn="l" defTabSz="914400" rtl="0" eaLnBrk="1" latinLnBrk="0" hangingPunct="1">
+              <a:lnSpc>
+                <a:spcPct val="90000"/>
+              </a:lnSpc>
+              <a:spcBef>
+                <a:spcPts val="500"/>
+              </a:spcBef>
+              <a:buFont typeface="Arial" panose="020B0604020202020204" pitchFamily="34" charset="0"/>
+              <a:buChar char="•"/>
+              <a:defRPr sz="1800" kern="1200">
+                <a:solidFill>
+                  <a:schemeClr val="tx1"/>
+                </a:solidFill>
+                <a:latin typeface="+mn-lt"/>
+                <a:ea typeface="+mn-ea"/>
+                <a:cs typeface="+mn-cs"/>
+              </a:defRPr>
+            </a:lvl4pPr>
+            <a:lvl5pPr marL="2057400" indent="-228600" algn="l" defTabSz="914400" rtl="0" eaLnBrk="1" latinLnBrk="0" hangingPunct="1">
+              <a:lnSpc>
+                <a:spcPct val="90000"/>
+              </a:lnSpc>
+              <a:spcBef>
+                <a:spcPts val="500"/>
+              </a:spcBef>
+              <a:buFont typeface="Arial" panose="020B0604020202020204" pitchFamily="34" charset="0"/>
+              <a:buChar char="•"/>
+              <a:defRPr sz="1800" kern="1200">
+                <a:solidFill>
+                  <a:schemeClr val="tx1"/>
+                </a:solidFill>
+                <a:latin typeface="+mn-lt"/>
+                <a:ea typeface="+mn-ea"/>
+                <a:cs typeface="+mn-cs"/>
+              </a:defRPr>
+            </a:lvl5pPr>
+            <a:lvl6pPr marL="2514600" indent="-228600" algn="l" defTabSz="914400" rtl="0" eaLnBrk="1" latinLnBrk="0" hangingPunct="1">
+              <a:lnSpc>
+                <a:spcPct val="90000"/>
+              </a:lnSpc>
+              <a:spcBef>
+                <a:spcPts val="500"/>
+              </a:spcBef>
+              <a:buFont typeface="Arial" panose="020B0604020202020204" pitchFamily="34" charset="0"/>
+              <a:buChar char="•"/>
+              <a:defRPr sz="1800" kern="1200">
+                <a:solidFill>
+                  <a:schemeClr val="tx1"/>
+                </a:solidFill>
+                <a:latin typeface="+mn-lt"/>
+                <a:ea typeface="+mn-ea"/>
+                <a:cs typeface="+mn-cs"/>
+              </a:defRPr>
+            </a:lvl6pPr>
+            <a:lvl7pPr marL="2971800" indent="-228600" algn="l" defTabSz="914400" rtl="0" eaLnBrk="1" latinLnBrk="0" hangingPunct="1">
+              <a:lnSpc>
+                <a:spcPct val="90000"/>
+              </a:lnSpc>
+              <a:spcBef>
+                <a:spcPts val="500"/>
+              </a:spcBef>
+              <a:buFont typeface="Arial" panose="020B0604020202020204" pitchFamily="34" charset="0"/>
+              <a:buChar char="•"/>
+              <a:defRPr sz="1800" kern="1200">
+                <a:solidFill>
+                  <a:schemeClr val="tx1"/>
+                </a:solidFill>
+                <a:latin typeface="+mn-lt"/>
+                <a:ea typeface="+mn-ea"/>
+                <a:cs typeface="+mn-cs"/>
+              </a:defRPr>
+            </a:lvl7pPr>
+            <a:lvl8pPr marL="3429000" indent="-228600" algn="l" defTabSz="914400" rtl="0" eaLnBrk="1" latinLnBrk="0" hangingPunct="1">
+              <a:lnSpc>
+                <a:spcPct val="90000"/>
+              </a:lnSpc>
+              <a:spcBef>
+                <a:spcPts val="500"/>
+              </a:spcBef>
+              <a:buFont typeface="Arial" panose="020B0604020202020204" pitchFamily="34" charset="0"/>
+              <a:buChar char="•"/>
+              <a:defRPr sz="1800" kern="1200">
+                <a:solidFill>
+                  <a:schemeClr val="tx1"/>
+                </a:solidFill>
+                <a:latin typeface="+mn-lt"/>
+                <a:ea typeface="+mn-ea"/>
+                <a:cs typeface="+mn-cs"/>
+              </a:defRPr>
+            </a:lvl8pPr>
+            <a:lvl9pPr marL="3886200" indent="-228600" algn="l" defTabSz="914400" rtl="0" eaLnBrk="1" latinLnBrk="0" hangingPunct="1">
+              <a:lnSpc>
+                <a:spcPct val="90000"/>
+              </a:lnSpc>
+              <a:spcBef>
+                <a:spcPts val="500"/>
+              </a:spcBef>
+              <a:buFont typeface="Arial" panose="020B0604020202020204" pitchFamily="34" charset="0"/>
+              <a:buChar char="•"/>
+              <a:defRPr sz="1800" kern="1200">
+                <a:solidFill>
+                  <a:schemeClr val="tx1"/>
+                </a:solidFill>
+                <a:latin typeface="+mn-lt"/>
+                <a:ea typeface="+mn-ea"/>
+                <a:cs typeface="+mn-cs"/>
+              </a:defRPr>
+            </a:lvl9pPr>
+          </a:lstStyle>
+          <a:p>
+            <a:pPr marL="0" indent="0">
+              <a:buFont typeface="Arial" panose="020B0604020202020204" pitchFamily="34" charset="0"/>
+              <a:buNone/>
+            </a:pPr>
+            <a:r>
+              <a:rPr lang="tr-TR" sz="2400" b="1" u="sng" dirty="0">
+                <a:solidFill>
+                  <a:srgbClr val="5B636F"/>
+                </a:solidFill>
+                <a:latin typeface="Poppins" panose="00000500000000000000" pitchFamily="2" charset="0"/>
+                <a:cs typeface="Poppins" panose="00000500000000000000" pitchFamily="2" charset="0"/>
+              </a:rPr>
+              <a:t>Admin Side</a:t>
+            </a:r>
+            <a:endParaRPr lang="en-US" sz="2400" b="1" u="sng" dirty="0"/>
+          </a:p>
+        </p:txBody>
+      </p:sp>
+      <p:pic>
+        <p:nvPicPr>
+          <p:cNvPr id="6" name="Picture 5">
+            <a:extLst>
+              <a:ext uri="{FF2B5EF4-FFF2-40B4-BE49-F238E27FC236}">
+                <a16:creationId xmlns:a16="http://schemas.microsoft.com/office/drawing/2014/main" id="{E0F8FB88-F1E7-120D-606D-C5596A31A952}"/>
+              </a:ext>
+            </a:extLst>
+          </p:cNvPr>
+          <p:cNvPicPr>
+            <a:picLocks noChangeAspect="1"/>
+          </p:cNvPicPr>
+          <p:nvPr/>
+        </p:nvPicPr>
+        <p:blipFill>
+          <a:blip r:embed="rId3"/>
+          <a:stretch>
+            <a:fillRect/>
+          </a:stretch>
+        </p:blipFill>
+        <p:spPr>
+          <a:xfrm>
+            <a:off x="6096001" y="2555574"/>
+            <a:ext cx="2085975" cy="742950"/>
+          </a:xfrm>
+          <a:prstGeom prst="rect">
+            <a:avLst/>
+          </a:prstGeom>
+        </p:spPr>
+      </p:pic>
+      <p:pic>
+        <p:nvPicPr>
+          <p:cNvPr id="9" name="Picture 8">
+            <a:extLst>
+              <a:ext uri="{FF2B5EF4-FFF2-40B4-BE49-F238E27FC236}">
+                <a16:creationId xmlns:a16="http://schemas.microsoft.com/office/drawing/2014/main" id="{D7E0150D-A073-AE45-E424-DF806A47058F}"/>
+              </a:ext>
+            </a:extLst>
+          </p:cNvPr>
+          <p:cNvPicPr>
+            <a:picLocks noChangeAspect="1"/>
+          </p:cNvPicPr>
+          <p:nvPr/>
+        </p:nvPicPr>
+        <p:blipFill>
+          <a:blip r:embed="rId4"/>
+          <a:stretch>
+            <a:fillRect/>
+          </a:stretch>
+        </p:blipFill>
+        <p:spPr>
+          <a:xfrm>
+            <a:off x="6072188" y="3490763"/>
+            <a:ext cx="2133600" cy="838200"/>
+          </a:xfrm>
+          <a:prstGeom prst="rect">
+            <a:avLst/>
+          </a:prstGeom>
+        </p:spPr>
+      </p:pic>
+      <p:sp>
+        <p:nvSpPr>
+          <p:cNvPr id="10" name="Content Placeholder 2">
+            <a:extLst>
+              <a:ext uri="{FF2B5EF4-FFF2-40B4-BE49-F238E27FC236}">
+                <a16:creationId xmlns:a16="http://schemas.microsoft.com/office/drawing/2014/main" id="{41252B90-6812-B9F8-C51D-D859589D18B9}"/>
+              </a:ext>
+            </a:extLst>
+          </p:cNvPr>
+          <p:cNvSpPr txBox="1">
+            <a:spLocks/>
+          </p:cNvSpPr>
+          <p:nvPr/>
+        </p:nvSpPr>
+        <p:spPr>
+          <a:xfrm>
+            <a:off x="8389024" y="3778398"/>
+            <a:ext cx="2664690" cy="410705"/>
+          </a:xfrm>
+          <a:prstGeom prst="rect">
+            <a:avLst/>
+          </a:prstGeom>
+        </p:spPr>
+        <p:txBody>
+          <a:bodyPr vert="horz" lIns="91440" tIns="45720" rIns="91440" bIns="45720" rtlCol="0">
             <a:normAutofit/>
           </a:bodyPr>
-          <a:lstStyle/>
-          <a:p>
-            <a:r>
-              <a:rPr lang="en-GB" sz="1800" dirty="0">
-                <a:solidFill>
-                  <a:srgbClr val="5B636F"/>
-                </a:solidFill>
-                <a:latin typeface="Poppins" panose="00000500000000000000" pitchFamily="2" charset="0"/>
-                <a:cs typeface="Poppins" panose="00000500000000000000" pitchFamily="2" charset="0"/>
-              </a:rPr>
-              <a:t>Paragraph text Poppins 18 Regular #5B636F</a:t>
+          <a:lstStyle>
+            <a:lvl1pPr marL="228600" indent="-228600" algn="l" defTabSz="914400" rtl="0" eaLnBrk="1" latinLnBrk="0" hangingPunct="1">
+              <a:lnSpc>
+                <a:spcPct val="90000"/>
+              </a:lnSpc>
+              <a:spcBef>
+                <a:spcPts val="1000"/>
+              </a:spcBef>
+              <a:buFont typeface="Arial" panose="020B0604020202020204" pitchFamily="34" charset="0"/>
+              <a:buChar char="•"/>
+              <a:defRPr sz="2800" kern="1200">
+                <a:solidFill>
+                  <a:schemeClr val="tx1"/>
+                </a:solidFill>
+                <a:latin typeface="+mn-lt"/>
+                <a:ea typeface="+mn-ea"/>
+                <a:cs typeface="+mn-cs"/>
+              </a:defRPr>
+            </a:lvl1pPr>
+            <a:lvl2pPr marL="685800" indent="-228600" algn="l" defTabSz="914400" rtl="0" eaLnBrk="1" latinLnBrk="0" hangingPunct="1">
+              <a:lnSpc>
+                <a:spcPct val="90000"/>
+              </a:lnSpc>
+              <a:spcBef>
+                <a:spcPts val="500"/>
+              </a:spcBef>
+              <a:buFont typeface="Arial" panose="020B0604020202020204" pitchFamily="34" charset="0"/>
+              <a:buChar char="•"/>
+              <a:defRPr sz="2400" kern="1200">
+                <a:solidFill>
+                  <a:schemeClr val="tx1"/>
+                </a:solidFill>
+                <a:latin typeface="+mn-lt"/>
+                <a:ea typeface="+mn-ea"/>
+                <a:cs typeface="+mn-cs"/>
+              </a:defRPr>
+            </a:lvl2pPr>
+            <a:lvl3pPr marL="1143000" indent="-228600" algn="l" defTabSz="914400" rtl="0" eaLnBrk="1" latinLnBrk="0" hangingPunct="1">
+              <a:lnSpc>
+                <a:spcPct val="90000"/>
+              </a:lnSpc>
+              <a:spcBef>
+                <a:spcPts val="500"/>
+              </a:spcBef>
+              <a:buFont typeface="Arial" panose="020B0604020202020204" pitchFamily="34" charset="0"/>
+              <a:buChar char="•"/>
+              <a:defRPr sz="2000" kern="1200">
+                <a:solidFill>
+                  <a:schemeClr val="tx1"/>
+                </a:solidFill>
+                <a:latin typeface="+mn-lt"/>
+                <a:ea typeface="+mn-ea"/>
+                <a:cs typeface="+mn-cs"/>
+              </a:defRPr>
+            </a:lvl3pPr>
+            <a:lvl4pPr marL="1600200" indent="-228600" algn="l" defTabSz="914400" rtl="0" eaLnBrk="1" latinLnBrk="0" hangingPunct="1">
+              <a:lnSpc>
+                <a:spcPct val="90000"/>
+              </a:lnSpc>
+              <a:spcBef>
+                <a:spcPts val="500"/>
+              </a:spcBef>
+              <a:buFont typeface="Arial" panose="020B0604020202020204" pitchFamily="34" charset="0"/>
+              <a:buChar char="•"/>
+              <a:defRPr sz="1800" kern="1200">
+                <a:solidFill>
+                  <a:schemeClr val="tx1"/>
+                </a:solidFill>
+                <a:latin typeface="+mn-lt"/>
+                <a:ea typeface="+mn-ea"/>
+                <a:cs typeface="+mn-cs"/>
+              </a:defRPr>
+            </a:lvl4pPr>
+            <a:lvl5pPr marL="2057400" indent="-228600" algn="l" defTabSz="914400" rtl="0" eaLnBrk="1" latinLnBrk="0" hangingPunct="1">
+              <a:lnSpc>
+                <a:spcPct val="90000"/>
+              </a:lnSpc>
+              <a:spcBef>
+                <a:spcPts val="500"/>
+              </a:spcBef>
+              <a:buFont typeface="Arial" panose="020B0604020202020204" pitchFamily="34" charset="0"/>
+              <a:buChar char="•"/>
+              <a:defRPr sz="1800" kern="1200">
+                <a:solidFill>
+                  <a:schemeClr val="tx1"/>
+                </a:solidFill>
+                <a:latin typeface="+mn-lt"/>
+                <a:ea typeface="+mn-ea"/>
+                <a:cs typeface="+mn-cs"/>
+              </a:defRPr>
+            </a:lvl5pPr>
+            <a:lvl6pPr marL="2514600" indent="-228600" algn="l" defTabSz="914400" rtl="0" eaLnBrk="1" latinLnBrk="0" hangingPunct="1">
+              <a:lnSpc>
+                <a:spcPct val="90000"/>
+              </a:lnSpc>
+              <a:spcBef>
+                <a:spcPts val="500"/>
+              </a:spcBef>
+              <a:buFont typeface="Arial" panose="020B0604020202020204" pitchFamily="34" charset="0"/>
+              <a:buChar char="•"/>
+              <a:defRPr sz="1800" kern="1200">
+                <a:solidFill>
+                  <a:schemeClr val="tx1"/>
+                </a:solidFill>
+                <a:latin typeface="+mn-lt"/>
+                <a:ea typeface="+mn-ea"/>
+                <a:cs typeface="+mn-cs"/>
+              </a:defRPr>
+            </a:lvl6pPr>
+            <a:lvl7pPr marL="2971800" indent="-228600" algn="l" defTabSz="914400" rtl="0" eaLnBrk="1" latinLnBrk="0" hangingPunct="1">
+              <a:lnSpc>
+                <a:spcPct val="90000"/>
+              </a:lnSpc>
+              <a:spcBef>
+                <a:spcPts val="500"/>
+              </a:spcBef>
+              <a:buFont typeface="Arial" panose="020B0604020202020204" pitchFamily="34" charset="0"/>
+              <a:buChar char="•"/>
+              <a:defRPr sz="1800" kern="1200">
+                <a:solidFill>
+                  <a:schemeClr val="tx1"/>
+                </a:solidFill>
+                <a:latin typeface="+mn-lt"/>
+                <a:ea typeface="+mn-ea"/>
+                <a:cs typeface="+mn-cs"/>
+              </a:defRPr>
+            </a:lvl7pPr>
+            <a:lvl8pPr marL="3429000" indent="-228600" algn="l" defTabSz="914400" rtl="0" eaLnBrk="1" latinLnBrk="0" hangingPunct="1">
+              <a:lnSpc>
+                <a:spcPct val="90000"/>
+              </a:lnSpc>
+              <a:spcBef>
+                <a:spcPts val="500"/>
+              </a:spcBef>
+              <a:buFont typeface="Arial" panose="020B0604020202020204" pitchFamily="34" charset="0"/>
+              <a:buChar char="•"/>
+              <a:defRPr sz="1800" kern="1200">
+                <a:solidFill>
+                  <a:schemeClr val="tx1"/>
+                </a:solidFill>
+                <a:latin typeface="+mn-lt"/>
+                <a:ea typeface="+mn-ea"/>
+                <a:cs typeface="+mn-cs"/>
+              </a:defRPr>
+            </a:lvl8pPr>
+            <a:lvl9pPr marL="3886200" indent="-228600" algn="l" defTabSz="914400" rtl="0" eaLnBrk="1" latinLnBrk="0" hangingPunct="1">
+              <a:lnSpc>
+                <a:spcPct val="90000"/>
+              </a:lnSpc>
+              <a:spcBef>
+                <a:spcPts val="500"/>
+              </a:spcBef>
+              <a:buFont typeface="Arial" panose="020B0604020202020204" pitchFamily="34" charset="0"/>
+              <a:buChar char="•"/>
+              <a:defRPr sz="1800" kern="1200">
+                <a:solidFill>
+                  <a:schemeClr val="tx1"/>
+                </a:solidFill>
+                <a:latin typeface="+mn-lt"/>
+                <a:ea typeface="+mn-ea"/>
+                <a:cs typeface="+mn-cs"/>
+              </a:defRPr>
+            </a:lvl9pPr>
+          </a:lstStyle>
+          <a:p>
+            <a:pPr marL="0" indent="0">
+              <a:buFont typeface="Arial" panose="020B0604020202020204" pitchFamily="34" charset="0"/>
+              <a:buNone/>
+            </a:pPr>
+            <a:r>
+              <a:rPr lang="tr-TR" sz="1800" dirty="0">
+                <a:solidFill>
+                  <a:srgbClr val="5B636F"/>
+                </a:solidFill>
+                <a:latin typeface="Poppins" panose="00000500000000000000" pitchFamily="2" charset="0"/>
+                <a:cs typeface="Poppins" panose="00000500000000000000" pitchFamily="2" charset="0"/>
+              </a:rPr>
+              <a:t>(commercial-only)</a:t>
+            </a:r>
+            <a:endParaRPr lang="en-US" sz="1800" dirty="0"/>
+          </a:p>
+        </p:txBody>
+      </p:sp>
+      <p:pic>
+        <p:nvPicPr>
+          <p:cNvPr id="12" name="Picture 11">
+            <a:extLst>
+              <a:ext uri="{FF2B5EF4-FFF2-40B4-BE49-F238E27FC236}">
+                <a16:creationId xmlns:a16="http://schemas.microsoft.com/office/drawing/2014/main" id="{8EAD3591-FC18-F3E8-977C-46478A3D5E8A}"/>
+              </a:ext>
+            </a:extLst>
+          </p:cNvPr>
+          <p:cNvPicPr>
+            <a:picLocks noChangeAspect="1"/>
+          </p:cNvPicPr>
+          <p:nvPr/>
+        </p:nvPicPr>
+        <p:blipFill>
+          <a:blip r:embed="rId5"/>
+          <a:stretch>
+            <a:fillRect/>
+          </a:stretch>
+        </p:blipFill>
+        <p:spPr>
+          <a:xfrm>
+            <a:off x="6096000" y="4646766"/>
+            <a:ext cx="2781300" cy="809625"/>
+          </a:xfrm>
+          <a:prstGeom prst="rect">
+            <a:avLst/>
+          </a:prstGeom>
+        </p:spPr>
+      </p:pic>
+      <p:sp>
+        <p:nvSpPr>
+          <p:cNvPr id="14" name="Content Placeholder 2">
+            <a:extLst>
+              <a:ext uri="{FF2B5EF4-FFF2-40B4-BE49-F238E27FC236}">
+                <a16:creationId xmlns:a16="http://schemas.microsoft.com/office/drawing/2014/main" id="{C179FCDC-BE54-8069-3DDC-6A39A7497763}"/>
+              </a:ext>
+            </a:extLst>
+          </p:cNvPr>
+          <p:cNvSpPr txBox="1">
+            <a:spLocks/>
+          </p:cNvSpPr>
+          <p:nvPr/>
+        </p:nvSpPr>
+        <p:spPr>
+          <a:xfrm>
+            <a:off x="8877299" y="4907191"/>
+            <a:ext cx="2870415" cy="410705"/>
+          </a:xfrm>
+          <a:prstGeom prst="rect">
+            <a:avLst/>
+          </a:prstGeom>
+        </p:spPr>
+        <p:txBody>
+          <a:bodyPr vert="horz" lIns="91440" tIns="45720" rIns="91440" bIns="45720" rtlCol="0">
+            <a:normAutofit fontScale="92500"/>
+          </a:bodyPr>
+          <a:lstStyle>
+            <a:lvl1pPr marL="228600" indent="-228600" algn="l" defTabSz="914400" rtl="0" eaLnBrk="1" latinLnBrk="0" hangingPunct="1">
+              <a:lnSpc>
+                <a:spcPct val="90000"/>
+              </a:lnSpc>
+              <a:spcBef>
+                <a:spcPts val="1000"/>
+              </a:spcBef>
+              <a:buFont typeface="Arial" panose="020B0604020202020204" pitchFamily="34" charset="0"/>
+              <a:buChar char="•"/>
+              <a:defRPr sz="2800" kern="1200">
+                <a:solidFill>
+                  <a:schemeClr val="tx1"/>
+                </a:solidFill>
+                <a:latin typeface="+mn-lt"/>
+                <a:ea typeface="+mn-ea"/>
+                <a:cs typeface="+mn-cs"/>
+              </a:defRPr>
+            </a:lvl1pPr>
+            <a:lvl2pPr marL="685800" indent="-228600" algn="l" defTabSz="914400" rtl="0" eaLnBrk="1" latinLnBrk="0" hangingPunct="1">
+              <a:lnSpc>
+                <a:spcPct val="90000"/>
+              </a:lnSpc>
+              <a:spcBef>
+                <a:spcPts val="500"/>
+              </a:spcBef>
+              <a:buFont typeface="Arial" panose="020B0604020202020204" pitchFamily="34" charset="0"/>
+              <a:buChar char="•"/>
+              <a:defRPr sz="2400" kern="1200">
+                <a:solidFill>
+                  <a:schemeClr val="tx1"/>
+                </a:solidFill>
+                <a:latin typeface="+mn-lt"/>
+                <a:ea typeface="+mn-ea"/>
+                <a:cs typeface="+mn-cs"/>
+              </a:defRPr>
+            </a:lvl2pPr>
+            <a:lvl3pPr marL="1143000" indent="-228600" algn="l" defTabSz="914400" rtl="0" eaLnBrk="1" latinLnBrk="0" hangingPunct="1">
+              <a:lnSpc>
+                <a:spcPct val="90000"/>
+              </a:lnSpc>
+              <a:spcBef>
+                <a:spcPts val="500"/>
+              </a:spcBef>
+              <a:buFont typeface="Arial" panose="020B0604020202020204" pitchFamily="34" charset="0"/>
+              <a:buChar char="•"/>
+              <a:defRPr sz="2000" kern="1200">
+                <a:solidFill>
+                  <a:schemeClr val="tx1"/>
+                </a:solidFill>
+                <a:latin typeface="+mn-lt"/>
+                <a:ea typeface="+mn-ea"/>
+                <a:cs typeface="+mn-cs"/>
+              </a:defRPr>
+            </a:lvl3pPr>
+            <a:lvl4pPr marL="1600200" indent="-228600" algn="l" defTabSz="914400" rtl="0" eaLnBrk="1" latinLnBrk="0" hangingPunct="1">
+              <a:lnSpc>
+                <a:spcPct val="90000"/>
+              </a:lnSpc>
+              <a:spcBef>
+                <a:spcPts val="500"/>
+              </a:spcBef>
+              <a:buFont typeface="Arial" panose="020B0604020202020204" pitchFamily="34" charset="0"/>
+              <a:buChar char="•"/>
+              <a:defRPr sz="1800" kern="1200">
+                <a:solidFill>
+                  <a:schemeClr val="tx1"/>
+                </a:solidFill>
+                <a:latin typeface="+mn-lt"/>
+                <a:ea typeface="+mn-ea"/>
+                <a:cs typeface="+mn-cs"/>
+              </a:defRPr>
+            </a:lvl4pPr>
+            <a:lvl5pPr marL="2057400" indent="-228600" algn="l" defTabSz="914400" rtl="0" eaLnBrk="1" latinLnBrk="0" hangingPunct="1">
+              <a:lnSpc>
+                <a:spcPct val="90000"/>
+              </a:lnSpc>
+              <a:spcBef>
+                <a:spcPts val="500"/>
+              </a:spcBef>
+              <a:buFont typeface="Arial" panose="020B0604020202020204" pitchFamily="34" charset="0"/>
+              <a:buChar char="•"/>
+              <a:defRPr sz="1800" kern="1200">
+                <a:solidFill>
+                  <a:schemeClr val="tx1"/>
+                </a:solidFill>
+                <a:latin typeface="+mn-lt"/>
+                <a:ea typeface="+mn-ea"/>
+                <a:cs typeface="+mn-cs"/>
+              </a:defRPr>
+            </a:lvl5pPr>
+            <a:lvl6pPr marL="2514600" indent="-228600" algn="l" defTabSz="914400" rtl="0" eaLnBrk="1" latinLnBrk="0" hangingPunct="1">
+              <a:lnSpc>
+                <a:spcPct val="90000"/>
+              </a:lnSpc>
+              <a:spcBef>
+                <a:spcPts val="500"/>
+              </a:spcBef>
+              <a:buFont typeface="Arial" panose="020B0604020202020204" pitchFamily="34" charset="0"/>
+              <a:buChar char="•"/>
+              <a:defRPr sz="1800" kern="1200">
+                <a:solidFill>
+                  <a:schemeClr val="tx1"/>
+                </a:solidFill>
+                <a:latin typeface="+mn-lt"/>
+                <a:ea typeface="+mn-ea"/>
+                <a:cs typeface="+mn-cs"/>
+              </a:defRPr>
+            </a:lvl6pPr>
+            <a:lvl7pPr marL="2971800" indent="-228600" algn="l" defTabSz="914400" rtl="0" eaLnBrk="1" latinLnBrk="0" hangingPunct="1">
+              <a:lnSpc>
+                <a:spcPct val="90000"/>
+              </a:lnSpc>
+              <a:spcBef>
+                <a:spcPts val="500"/>
+              </a:spcBef>
+              <a:buFont typeface="Arial" panose="020B0604020202020204" pitchFamily="34" charset="0"/>
+              <a:buChar char="•"/>
+              <a:defRPr sz="1800" kern="1200">
+                <a:solidFill>
+                  <a:schemeClr val="tx1"/>
+                </a:solidFill>
+                <a:latin typeface="+mn-lt"/>
+                <a:ea typeface="+mn-ea"/>
+                <a:cs typeface="+mn-cs"/>
+              </a:defRPr>
+            </a:lvl7pPr>
+            <a:lvl8pPr marL="3429000" indent="-228600" algn="l" defTabSz="914400" rtl="0" eaLnBrk="1" latinLnBrk="0" hangingPunct="1">
+              <a:lnSpc>
+                <a:spcPct val="90000"/>
+              </a:lnSpc>
+              <a:spcBef>
+                <a:spcPts val="500"/>
+              </a:spcBef>
+              <a:buFont typeface="Arial" panose="020B0604020202020204" pitchFamily="34" charset="0"/>
+              <a:buChar char="•"/>
+              <a:defRPr sz="1800" kern="1200">
+                <a:solidFill>
+                  <a:schemeClr val="tx1"/>
+                </a:solidFill>
+                <a:latin typeface="+mn-lt"/>
+                <a:ea typeface="+mn-ea"/>
+                <a:cs typeface="+mn-cs"/>
+              </a:defRPr>
+            </a:lvl8pPr>
+            <a:lvl9pPr marL="3886200" indent="-228600" algn="l" defTabSz="914400" rtl="0" eaLnBrk="1" latinLnBrk="0" hangingPunct="1">
+              <a:lnSpc>
+                <a:spcPct val="90000"/>
+              </a:lnSpc>
+              <a:spcBef>
+                <a:spcPts val="500"/>
+              </a:spcBef>
+              <a:buFont typeface="Arial" panose="020B0604020202020204" pitchFamily="34" charset="0"/>
+              <a:buChar char="•"/>
+              <a:defRPr sz="1800" kern="1200">
+                <a:solidFill>
+                  <a:schemeClr val="tx1"/>
+                </a:solidFill>
+                <a:latin typeface="+mn-lt"/>
+                <a:ea typeface="+mn-ea"/>
+                <a:cs typeface="+mn-cs"/>
+              </a:defRPr>
+            </a:lvl9pPr>
+          </a:lstStyle>
+          <a:p>
+            <a:pPr marL="0" indent="0">
+              <a:buFont typeface="Arial" panose="020B0604020202020204" pitchFamily="34" charset="0"/>
+              <a:buNone/>
+            </a:pPr>
+            <a:r>
+              <a:rPr lang="tr-TR" sz="1800" dirty="0">
+                <a:solidFill>
+                  <a:srgbClr val="5B636F"/>
+                </a:solidFill>
+                <a:latin typeface="Poppins" panose="00000500000000000000" pitchFamily="2" charset="0"/>
+                <a:cs typeface="Poppins" panose="00000500000000000000" pitchFamily="2" charset="0"/>
+              </a:rPr>
+              <a:t>(commercial </a:t>
+            </a:r>
+            <a:r>
+              <a:rPr lang="tr-TR" sz="1800" b="1" dirty="0">
+                <a:solidFill>
+                  <a:srgbClr val="5B636F"/>
+                </a:solidFill>
+                <a:latin typeface="Poppins" panose="00000500000000000000" pitchFamily="2" charset="0"/>
+                <a:cs typeface="Poppins" panose="00000500000000000000" pitchFamily="2" charset="0"/>
+              </a:rPr>
+              <a:t>roadmap</a:t>
+            </a:r>
+            <a:r>
+              <a:rPr lang="tr-TR" sz="1800" dirty="0">
+                <a:solidFill>
+                  <a:srgbClr val="5B636F"/>
+                </a:solidFill>
+                <a:latin typeface="Poppins" panose="00000500000000000000" pitchFamily="2" charset="0"/>
+                <a:cs typeface="Poppins" panose="00000500000000000000" pitchFamily="2" charset="0"/>
+              </a:rPr>
+              <a:t>)</a:t>
             </a:r>
             <a:endParaRPr lang="en-US" sz="1800" dirty="0"/>
           </a:p>
@@ -3763,7 +4529,7 @@
         <p:spPr>
           <a:xfrm>
             <a:off x="714375" y="695325"/>
-            <a:ext cx="7289175" cy="584775"/>
+            <a:ext cx="9666429" cy="584775"/>
           </a:xfrm>
           <a:prstGeom prst="rect">
             <a:avLst/>
@@ -3777,20 +4543,14 @@
           <a:lstStyle/>
           <a:p>
             <a:r>
-              <a:rPr lang="en-GB" sz="3200" b="1" dirty="0">
+              <a:rPr lang="tr-TR" sz="3200" b="1" dirty="0">
                 <a:solidFill>
                   <a:srgbClr val="292D33"/>
                 </a:solidFill>
                 <a:latin typeface="Lexend" pitchFamily="2" charset="0"/>
               </a:rPr>
-              <a:t>TITLE: LEXEND 32 BOLD #292D33</a:t>
-            </a:r>
-            <a:endParaRPr lang="tr-TR" sz="3200" b="1" dirty="0">
-              <a:solidFill>
-                <a:srgbClr val="292D33"/>
-              </a:solidFill>
-              <a:latin typeface="Lexend" pitchFamily="2" charset="0"/>
-            </a:endParaRPr>
+              <a:t>ABP CMS Kit: Long Term Roadmap / Backlog</a:t>
+            </a:r>
           </a:p>
         </p:txBody>
       </p:sp>
@@ -3823,16 +4583,136 @@
           <a:lstStyle/>
           <a:p>
             <a:r>
-              <a:rPr lang="en-GB" sz="1800" dirty="0">
-                <a:solidFill>
-                  <a:srgbClr val="5B636F"/>
-                </a:solidFill>
-                <a:latin typeface="Poppins" panose="00000500000000000000" pitchFamily="2" charset="0"/>
-                <a:cs typeface="Poppins" panose="00000500000000000000" pitchFamily="2" charset="0"/>
-              </a:rPr>
-              <a:t>Paragraph text Poppins 18 Regular #5B636F</a:t>
+              <a:rPr lang="tr-TR" sz="1800" dirty="0">
+                <a:solidFill>
+                  <a:srgbClr val="5B636F"/>
+                </a:solidFill>
+                <a:latin typeface="Poppins" panose="00000500000000000000" pitchFamily="2" charset="0"/>
+                <a:cs typeface="Poppins" panose="00000500000000000000" pitchFamily="2" charset="0"/>
+              </a:rPr>
+              <a:t>Improvements on the existing features</a:t>
             </a:r>
             <a:endParaRPr lang="en-US" sz="1800" dirty="0"/>
+          </a:p>
+          <a:p>
+            <a:r>
+              <a:rPr lang="tr-TR" sz="1800" dirty="0">
+                <a:solidFill>
+                  <a:srgbClr val="5B636F"/>
+                </a:solidFill>
+                <a:latin typeface="Poppins" panose="00000500000000000000" pitchFamily="2" charset="0"/>
+                <a:cs typeface="Poppins" panose="00000500000000000000" pitchFamily="2" charset="0"/>
+              </a:rPr>
+              <a:t>Angular UI for CMS Kit Pro</a:t>
+            </a:r>
+          </a:p>
+          <a:p>
+            <a:r>
+              <a:rPr lang="tr-TR" sz="1800" dirty="0">
+                <a:solidFill>
+                  <a:srgbClr val="5B636F"/>
+                </a:solidFill>
+                <a:latin typeface="Poppins" panose="00000500000000000000" pitchFamily="2" charset="0"/>
+                <a:cs typeface="Poppins" panose="00000500000000000000" pitchFamily="2" charset="0"/>
+              </a:rPr>
+              <a:t>RSS Feed System</a:t>
+            </a:r>
+          </a:p>
+          <a:p>
+            <a:r>
+              <a:rPr lang="tr-TR" sz="1800" dirty="0">
+                <a:solidFill>
+                  <a:srgbClr val="5B636F"/>
+                </a:solidFill>
+                <a:latin typeface="Poppins" panose="00000500000000000000" pitchFamily="2" charset="0"/>
+                <a:cs typeface="Poppins" panose="00000500000000000000" pitchFamily="2" charset="0"/>
+              </a:rPr>
+              <a:t>FAQ</a:t>
+            </a:r>
+          </a:p>
+          <a:p>
+            <a:r>
+              <a:rPr lang="tr-TR" sz="1800" dirty="0">
+                <a:solidFill>
+                  <a:srgbClr val="5B636F"/>
+                </a:solidFill>
+                <a:latin typeface="Poppins" panose="00000500000000000000" pitchFamily="2" charset="0"/>
+                <a:cs typeface="Poppins" panose="00000500000000000000" pitchFamily="2" charset="0"/>
+              </a:rPr>
+              <a:t>Feature Voting</a:t>
+            </a:r>
+          </a:p>
+          <a:p>
+            <a:r>
+              <a:rPr lang="tr-TR" sz="1800" dirty="0">
+                <a:solidFill>
+                  <a:srgbClr val="5B636F"/>
+                </a:solidFill>
+                <a:latin typeface="Poppins" panose="00000500000000000000" pitchFamily="2" charset="0"/>
+                <a:cs typeface="Poppins" panose="00000500000000000000" pitchFamily="2" charset="0"/>
+              </a:rPr>
+              <a:t>Social Media Feeds</a:t>
+            </a:r>
+          </a:p>
+          <a:p>
+            <a:r>
+              <a:rPr lang="tr-TR" sz="1800" dirty="0">
+                <a:solidFill>
+                  <a:srgbClr val="5B636F"/>
+                </a:solidFill>
+                <a:latin typeface="Poppins" panose="00000500000000000000" pitchFamily="2" charset="0"/>
+                <a:cs typeface="Poppins" panose="00000500000000000000" pitchFamily="2" charset="0"/>
+              </a:rPr>
+              <a:t>Media (Video/Image) Gallery</a:t>
+            </a:r>
+          </a:p>
+          <a:p>
+            <a:r>
+              <a:rPr lang="tr-TR" sz="1800" dirty="0">
+                <a:solidFill>
+                  <a:srgbClr val="5B636F"/>
+                </a:solidFill>
+                <a:latin typeface="Poppins" panose="00000500000000000000" pitchFamily="2" charset="0"/>
+                <a:cs typeface="Poppins" panose="00000500000000000000" pitchFamily="2" charset="0"/>
+              </a:rPr>
+              <a:t>Multi-Lingual Content Support</a:t>
+            </a:r>
+          </a:p>
+          <a:p>
+            <a:r>
+              <a:rPr lang="tr-TR" sz="1800" dirty="0">
+                <a:solidFill>
+                  <a:srgbClr val="5B636F"/>
+                </a:solidFill>
+                <a:latin typeface="Poppins" panose="00000500000000000000" pitchFamily="2" charset="0"/>
+                <a:cs typeface="Poppins" panose="00000500000000000000" pitchFamily="2" charset="0"/>
+              </a:rPr>
+              <a:t>Content versioning</a:t>
+            </a:r>
+          </a:p>
+          <a:p>
+            <a:r>
+              <a:rPr lang="tr-TR" sz="1800" dirty="0">
+                <a:solidFill>
+                  <a:srgbClr val="5B636F"/>
+                </a:solidFill>
+                <a:latin typeface="Poppins" panose="00000500000000000000" pitchFamily="2" charset="0"/>
+                <a:cs typeface="Poppins" panose="00000500000000000000" pitchFamily="2" charset="0"/>
+              </a:rPr>
+              <a:t>Content (post/page) templates</a:t>
+            </a:r>
+          </a:p>
+          <a:p>
+            <a:r>
+              <a:rPr lang="tr-TR" sz="1800" dirty="0">
+                <a:solidFill>
+                  <a:srgbClr val="5B636F"/>
+                </a:solidFill>
+                <a:latin typeface="Poppins" panose="00000500000000000000" pitchFamily="2" charset="0"/>
+                <a:cs typeface="Poppins" panose="00000500000000000000" pitchFamily="2" charset="0"/>
+              </a:rPr>
+              <a:t>A simple Workflow to publish contents</a:t>
+            </a:r>
           </a:p>
         </p:txBody>
       </p:sp>
@@ -3880,138 +4760,6 @@
           <a:chExt cx="0" cy="0"/>
         </a:xfrm>
       </p:grpSpPr>
-      <p:sp>
-        <p:nvSpPr>
-          <p:cNvPr id="8" name="Metin kutusu 7">
-            <a:extLst>
-              <a:ext uri="{FF2B5EF4-FFF2-40B4-BE49-F238E27FC236}">
-                <a16:creationId xmlns:a16="http://schemas.microsoft.com/office/drawing/2014/main" id="{29D82957-8FD0-49FF-B99F-7F7BB3AB2C9F}"/>
-              </a:ext>
-            </a:extLst>
-          </p:cNvPr>
-          <p:cNvSpPr txBox="1"/>
-          <p:nvPr/>
-        </p:nvSpPr>
-        <p:spPr>
-          <a:xfrm>
-            <a:off x="714375" y="695325"/>
-            <a:ext cx="7289175" cy="584775"/>
-          </a:xfrm>
-          <a:prstGeom prst="rect">
-            <a:avLst/>
-          </a:prstGeom>
-          <a:noFill/>
-        </p:spPr>
-        <p:txBody>
-          <a:bodyPr wrap="none" rtlCol="0">
-            <a:spAutoFit/>
-          </a:bodyPr>
-          <a:lstStyle/>
-          <a:p>
-            <a:r>
-              <a:rPr lang="en-GB" sz="3200" b="1" dirty="0">
-                <a:solidFill>
-                  <a:srgbClr val="292D33"/>
-                </a:solidFill>
-                <a:latin typeface="Lexend" pitchFamily="2" charset="0"/>
-              </a:rPr>
-              <a:t>TITLE: LEXEND 32 BOLD #292D33</a:t>
-            </a:r>
-            <a:endParaRPr lang="tr-TR" sz="3200" b="1" dirty="0">
-              <a:solidFill>
-                <a:srgbClr val="292D33"/>
-              </a:solidFill>
-              <a:latin typeface="Lexend" pitchFamily="2" charset="0"/>
-            </a:endParaRPr>
-          </a:p>
-        </p:txBody>
-      </p:sp>
-      <p:sp>
-        <p:nvSpPr>
-          <p:cNvPr id="3" name="Content Placeholder 2">
-            <a:extLst>
-              <a:ext uri="{FF2B5EF4-FFF2-40B4-BE49-F238E27FC236}">
-                <a16:creationId xmlns:a16="http://schemas.microsoft.com/office/drawing/2014/main" id="{38E3475F-B2DC-C5D6-FE0E-7C46ED4D1709}"/>
-              </a:ext>
-            </a:extLst>
-          </p:cNvPr>
-          <p:cNvSpPr>
-            <a:spLocks noGrp="1"/>
-          </p:cNvSpPr>
-          <p:nvPr>
-            <p:ph idx="1"/>
-          </p:nvPr>
-        </p:nvSpPr>
-        <p:spPr>
-          <a:xfrm>
-            <a:off x="714374" y="1472339"/>
-            <a:ext cx="10824114" cy="4285281"/>
-          </a:xfrm>
-        </p:spPr>
-        <p:txBody>
-          <a:bodyPr>
-            <a:normAutofit/>
-          </a:bodyPr>
-          <a:lstStyle/>
-          <a:p>
-            <a:r>
-              <a:rPr lang="en-GB" sz="1800" dirty="0">
-                <a:solidFill>
-                  <a:srgbClr val="5B636F"/>
-                </a:solidFill>
-                <a:latin typeface="Poppins" panose="00000500000000000000" pitchFamily="2" charset="0"/>
-                <a:cs typeface="Poppins" panose="00000500000000000000" pitchFamily="2" charset="0"/>
-              </a:rPr>
-              <a:t>Paragraph text Poppins 18 Regular #5B636F</a:t>
-            </a:r>
-            <a:endParaRPr lang="en-US" sz="1800" dirty="0"/>
-          </a:p>
-        </p:txBody>
-      </p:sp>
-    </p:spTree>
-    <p:extLst>
-      <p:ext uri="{BB962C8B-B14F-4D97-AF65-F5344CB8AC3E}">
-        <p14:creationId xmlns:p14="http://schemas.microsoft.com/office/powerpoint/2010/main" val="3840181669"/>
-      </p:ext>
-    </p:extLst>
-  </p:cSld>
-  <p:clrMapOvr>
-    <a:masterClrMapping/>
-  </p:clrMapOvr>
-</p:sld>
-</file>
-
-<file path=ppt/slides/slide13.xml><?xml version="1.0" encoding="utf-8"?>
-<p:sld xmlns:a="http://schemas.openxmlformats.org/drawingml/2006/main" xmlns:r="http://schemas.openxmlformats.org/officeDocument/2006/relationships" xmlns:p="http://schemas.openxmlformats.org/presentationml/2006/main">
-  <p:cSld>
-    <p:bg>
-      <p:bgPr>
-        <a:blipFill dpi="0" rotWithShape="1">
-          <a:blip r:embed="rId2">
-            <a:lum/>
-          </a:blip>
-          <a:srcRect/>
-          <a:stretch>
-            <a:fillRect/>
-          </a:stretch>
-        </a:blipFill>
-        <a:effectLst/>
-      </p:bgPr>
-    </p:bg>
-    <p:spTree>
-      <p:nvGrpSpPr>
-        <p:cNvPr id="1" name=""/>
-        <p:cNvGrpSpPr/>
-        <p:nvPr/>
-      </p:nvGrpSpPr>
-      <p:grpSpPr>
-        <a:xfrm>
-          <a:off x="0" y="0"/>
-          <a:ext cx="0" cy="0"/>
-          <a:chOff x="0" y="0"/>
-          <a:chExt cx="0" cy="0"/>
-        </a:xfrm>
-      </p:grpSpPr>
       <p:pic>
         <p:nvPicPr>
           <p:cNvPr id="7" name="Resim 6">
@@ -4315,7 +5063,7 @@
                 <a:latin typeface="Poppins" panose="00000500000000000000" pitchFamily="2" charset="0"/>
                 <a:cs typeface="Poppins" panose="00000500000000000000" pitchFamily="2" charset="0"/>
               </a:rPr>
-              <a:t>web applications.</a:t>
+              <a:t>web applications</a:t>
             </a:r>
           </a:p>
           <a:p>
@@ -5531,7 +6279,7 @@
           <a:lstStyle/>
           <a:p>
             <a:r>
-              <a:rPr lang="tr-TR" sz="2400" dirty="0">
+              <a:rPr lang="tr-TR" sz="1800" dirty="0">
                 <a:solidFill>
                   <a:srgbClr val="5B636F"/>
                 </a:solidFill>
@@ -5877,6 +6625,46 @@
                 <a:cs typeface="Poppins" panose="00000500000000000000" pitchFamily="2" charset="0"/>
               </a:rPr>
               <a:t> (coming soon)</a:t>
+            </a:r>
+            <a:br>
+              <a:rPr lang="tr-TR" sz="1800" dirty="0">
+                <a:solidFill>
+                  <a:srgbClr val="5B636F"/>
+                </a:solidFill>
+                <a:latin typeface="Poppins" panose="00000500000000000000" pitchFamily="2" charset="0"/>
+                <a:cs typeface="Poppins" panose="00000500000000000000" pitchFamily="2" charset="0"/>
+              </a:rPr>
+            </a:br>
+            <a:r>
+              <a:rPr lang="tr-TR" sz="1200" dirty="0">
+                <a:solidFill>
+                  <a:srgbClr val="5B636F"/>
+                </a:solidFill>
+                <a:latin typeface="Poppins" panose="00000500000000000000" pitchFamily="2" charset="0"/>
+                <a:cs typeface="Poppins" panose="00000500000000000000" pitchFamily="2" charset="0"/>
+              </a:rPr>
+              <a:t>Example: </a:t>
+            </a:r>
+            <a:r>
+              <a:rPr lang="tr-TR" sz="1200" dirty="0">
+                <a:solidFill>
+                  <a:srgbClr val="5B636F"/>
+                </a:solidFill>
+                <a:latin typeface="Poppins" panose="00000500000000000000" pitchFamily="2" charset="0"/>
+                <a:cs typeface="Poppins" panose="00000500000000000000" pitchFamily="2" charset="0"/>
+                <a:hlinkClick r:id="rId7"/>
+              </a:rPr>
+              <a:t>https://docs.abp.io/en/commercial/7.4/modules/cms-kit/page-feedback</a:t>
+            </a:r>
+            <a:r>
+              <a:rPr lang="tr-TR" sz="1200" dirty="0">
+                <a:solidFill>
+                  <a:srgbClr val="5B636F"/>
+                </a:solidFill>
+                <a:latin typeface="Poppins" panose="00000500000000000000" pitchFamily="2" charset="0"/>
+                <a:cs typeface="Poppins" panose="00000500000000000000" pitchFamily="2" charset="0"/>
+              </a:rPr>
+              <a:t> </a:t>
             </a:r>
             <a:endParaRPr lang="en-US" sz="1800" dirty="0"/>
           </a:p>
@@ -6070,7 +6858,7 @@
         <p:spPr>
           <a:xfrm>
             <a:off x="714375" y="695325"/>
-            <a:ext cx="7289175" cy="584775"/>
+            <a:ext cx="5498621" cy="954107"/>
           </a:xfrm>
           <a:prstGeom prst="rect">
             <a:avLst/>
@@ -6084,13 +6872,68 @@
           <a:lstStyle/>
           <a:p>
             <a:r>
-              <a:rPr lang="en-GB" sz="3200" b="1" dirty="0">
+              <a:rPr lang="tr-TR" sz="3200" b="1" dirty="0">
                 <a:solidFill>
                   <a:srgbClr val="292D33"/>
                 </a:solidFill>
                 <a:latin typeface="Lexend" pitchFamily="2" charset="0"/>
               </a:rPr>
-              <a:t>TITLE: LEXEND 32 BOLD #292D33</a:t>
+              <a:t>ABP CMS Kit: Installation</a:t>
+            </a:r>
+            <a:br>
+              <a:rPr lang="tr-TR" sz="3200" b="1" dirty="0">
+                <a:solidFill>
+                  <a:srgbClr val="292D33"/>
+                </a:solidFill>
+                <a:latin typeface="Lexend" pitchFamily="2" charset="0"/>
+              </a:rPr>
+            </a:br>
+            <a:r>
+              <a:rPr lang="tr-TR" sz="2400" dirty="0">
+                <a:solidFill>
+                  <a:schemeClr val="accent1">
+                    <a:lumMod val="60000"/>
+                    <a:lumOff val="40000"/>
+                  </a:schemeClr>
+                </a:solidFill>
+                <a:latin typeface="Poppins" panose="00000500000000000000" pitchFamily="2" charset="0"/>
+                <a:cs typeface="Poppins" panose="00000500000000000000" pitchFamily="2" charset="0"/>
+                <a:hlinkClick r:id="rId3"/>
+              </a:rPr>
+              <a:t>https://</a:t>
+            </a:r>
+            <a:r>
+              <a:rPr lang="en-GB" sz="2400" b="1" dirty="0">
+                <a:solidFill>
+                  <a:srgbClr val="5B636F"/>
+                </a:solidFill>
+                <a:latin typeface="Poppins" panose="00000500000000000000" pitchFamily="2" charset="0"/>
+                <a:cs typeface="Poppins" panose="00000500000000000000" pitchFamily="2" charset="0"/>
+                <a:hlinkClick r:id="rId3"/>
+              </a:rPr>
+              <a:t>abp.io/</a:t>
+            </a:r>
+            <a:r>
+              <a:rPr lang="en-GB" sz="2400" b="1" dirty="0" err="1">
+                <a:solidFill>
+                  <a:srgbClr val="5B636F"/>
+                </a:solidFill>
+                <a:latin typeface="Poppins" panose="00000500000000000000" pitchFamily="2" charset="0"/>
+                <a:cs typeface="Poppins" panose="00000500000000000000" pitchFamily="2" charset="0"/>
+                <a:hlinkClick r:id="rId3"/>
+              </a:rPr>
+              <a:t>cms</a:t>
+            </a:r>
+            <a:r>
+              <a:rPr lang="en-GB" sz="2400" b="1" dirty="0">
+                <a:solidFill>
+                  <a:srgbClr val="5B636F"/>
+                </a:solidFill>
+                <a:latin typeface="Poppins" panose="00000500000000000000" pitchFamily="2" charset="0"/>
+                <a:cs typeface="Poppins" panose="00000500000000000000" pitchFamily="2" charset="0"/>
+                <a:hlinkClick r:id="rId3"/>
+              </a:rPr>
+              <a:t>-kit</a:t>
             </a:r>
             <a:endParaRPr lang="tr-TR" sz="3200" b="1" dirty="0">
               <a:solidFill>
@@ -6101,48 +6944,96 @@
           </a:p>
         </p:txBody>
       </p:sp>
-      <p:sp>
-        <p:nvSpPr>
-          <p:cNvPr id="3" name="Content Placeholder 2">
-            <a:extLst>
-              <a:ext uri="{FF2B5EF4-FFF2-40B4-BE49-F238E27FC236}">
-                <a16:creationId xmlns:a16="http://schemas.microsoft.com/office/drawing/2014/main" id="{38E3475F-B2DC-C5D6-FE0E-7C46ED4D1709}"/>
-              </a:ext>
-            </a:extLst>
-          </p:cNvPr>
-          <p:cNvSpPr>
-            <a:spLocks noGrp="1"/>
-          </p:cNvSpPr>
-          <p:nvPr>
-            <p:ph idx="1"/>
-          </p:nvPr>
-        </p:nvSpPr>
+      <p:pic>
+        <p:nvPicPr>
+          <p:cNvPr id="4" name="Picture 3">
+            <a:extLst>
+              <a:ext uri="{FF2B5EF4-FFF2-40B4-BE49-F238E27FC236}">
+                <a16:creationId xmlns:a16="http://schemas.microsoft.com/office/drawing/2014/main" id="{4BF09097-519D-8942-4309-97976B7B88C0}"/>
+              </a:ext>
+            </a:extLst>
+          </p:cNvPr>
+          <p:cNvPicPr>
+            <a:picLocks noChangeAspect="1"/>
+          </p:cNvPicPr>
+          <p:nvPr/>
+        </p:nvPicPr>
+        <p:blipFill>
+          <a:blip r:embed="rId4"/>
+          <a:stretch>
+            <a:fillRect/>
+          </a:stretch>
+        </p:blipFill>
         <p:spPr>
           <a:xfrm>
-            <a:off x="714374" y="1472339"/>
-            <a:ext cx="10824114" cy="4285281"/>
+            <a:off x="714375" y="1951649"/>
+            <a:ext cx="4895850" cy="742950"/>
           </a:xfrm>
+          <a:prstGeom prst="rect">
+            <a:avLst/>
+          </a:prstGeom>
         </p:spPr>
-        <p:txBody>
-          <a:bodyPr>
-            <a:normAutofit/>
-          </a:bodyPr>
-          <a:lstStyle/>
-          <a:p>
-            <a:r>
-              <a:rPr lang="en-GB" sz="1800" dirty="0">
-                <a:solidFill>
-                  <a:srgbClr val="5B636F"/>
-                </a:solidFill>
-                <a:latin typeface="Poppins" panose="00000500000000000000" pitchFamily="2" charset="0"/>
-                <a:cs typeface="Poppins" panose="00000500000000000000" pitchFamily="2" charset="0"/>
-              </a:rPr>
-              <a:t>Paragraph text Poppins 18 Regular #5B636F</a:t>
-            </a:r>
-            <a:endParaRPr lang="en-US" sz="1800" dirty="0"/>
-          </a:p>
-        </p:txBody>
-      </p:sp>
+      </p:pic>
+      <p:pic>
+        <p:nvPicPr>
+          <p:cNvPr id="6" name="Picture 5">
+            <a:extLst>
+              <a:ext uri="{FF2B5EF4-FFF2-40B4-BE49-F238E27FC236}">
+                <a16:creationId xmlns:a16="http://schemas.microsoft.com/office/drawing/2014/main" id="{9C393A83-2218-A3B6-0EC6-6FAADDFC1120}"/>
+              </a:ext>
+            </a:extLst>
+          </p:cNvPr>
+          <p:cNvPicPr>
+            <a:picLocks noChangeAspect="1"/>
+          </p:cNvPicPr>
+          <p:nvPr/>
+        </p:nvPicPr>
+        <p:blipFill>
+          <a:blip r:embed="rId5"/>
+          <a:stretch>
+            <a:fillRect/>
+          </a:stretch>
+        </p:blipFill>
+        <p:spPr>
+          <a:xfrm>
+            <a:off x="714375" y="2694599"/>
+            <a:ext cx="4895850" cy="1381125"/>
+          </a:xfrm>
+          <a:prstGeom prst="rect">
+            <a:avLst/>
+          </a:prstGeom>
+        </p:spPr>
+      </p:pic>
+      <p:pic>
+        <p:nvPicPr>
+          <p:cNvPr id="9" name="Picture 8">
+            <a:extLst>
+              <a:ext uri="{FF2B5EF4-FFF2-40B4-BE49-F238E27FC236}">
+                <a16:creationId xmlns:a16="http://schemas.microsoft.com/office/drawing/2014/main" id="{2862060E-42F5-6C6B-3B96-8F23CD1D114E}"/>
+              </a:ext>
+            </a:extLst>
+          </p:cNvPr>
+          <p:cNvPicPr>
+            <a:picLocks noChangeAspect="1"/>
+          </p:cNvPicPr>
+          <p:nvPr/>
+        </p:nvPicPr>
+        <p:blipFill>
+          <a:blip r:embed="rId6"/>
+          <a:stretch>
+            <a:fillRect/>
+          </a:stretch>
+        </p:blipFill>
+        <p:spPr>
+          <a:xfrm>
+            <a:off x="714375" y="4075724"/>
+            <a:ext cx="4895850" cy="1552575"/>
+          </a:xfrm>
+          <a:prstGeom prst="rect">
+            <a:avLst/>
+          </a:prstGeom>
+        </p:spPr>
+      </p:pic>
     </p:spTree>
     <p:extLst>
       <p:ext uri="{BB962C8B-B14F-4D97-AF65-F5344CB8AC3E}">

--- a/2023-09-28 ABP CMS Kit/ABP CMS Kit.pptx
+++ b/2023-09-28 ABP CMS Kit/ABP CMS Kit.pptx
@@ -4726,6 +4726,707 @@
   <p:clrMapOvr>
     <a:masterClrMapping/>
   </p:clrMapOvr>
+  <p:timing>
+    <p:tnLst>
+      <p:par>
+        <p:cTn id="1" dur="indefinite" restart="never" nodeType="tmRoot">
+          <p:childTnLst>
+            <p:seq concurrent="1" nextAc="seek">
+              <p:cTn id="2" dur="indefinite" nodeType="mainSeq">
+                <p:childTnLst>
+                  <p:par>
+                    <p:cTn id="3" fill="hold">
+                      <p:stCondLst>
+                        <p:cond delay="indefinite"/>
+                      </p:stCondLst>
+                      <p:childTnLst>
+                        <p:par>
+                          <p:cTn id="4" fill="hold">
+                            <p:stCondLst>
+                              <p:cond delay="0"/>
+                            </p:stCondLst>
+                            <p:childTnLst>
+                              <p:par>
+                                <p:cTn id="5" presetID="10" presetClass="entr" presetSubtype="0" fill="hold" nodeType="clickEffect">
+                                  <p:stCondLst>
+                                    <p:cond delay="0"/>
+                                  </p:stCondLst>
+                                  <p:childTnLst>
+                                    <p:set>
+                                      <p:cBhvr>
+                                        <p:cTn id="6" dur="1" fill="hold">
+                                          <p:stCondLst>
+                                            <p:cond delay="0"/>
+                                          </p:stCondLst>
+                                        </p:cTn>
+                                        <p:tgtEl>
+                                          <p:spTgt spid="3">
+                                            <p:txEl>
+                                              <p:pRg st="0" end="0"/>
+                                            </p:txEl>
+                                          </p:spTgt>
+                                        </p:tgtEl>
+                                        <p:attrNameLst>
+                                          <p:attrName>style.visibility</p:attrName>
+                                        </p:attrNameLst>
+                                      </p:cBhvr>
+                                      <p:to>
+                                        <p:strVal val="visible"/>
+                                      </p:to>
+                                    </p:set>
+                                    <p:animEffect transition="in" filter="fade">
+                                      <p:cBhvr>
+                                        <p:cTn id="7" dur="500"/>
+                                        <p:tgtEl>
+                                          <p:spTgt spid="3">
+                                            <p:txEl>
+                                              <p:pRg st="0" end="0"/>
+                                            </p:txEl>
+                                          </p:spTgt>
+                                        </p:tgtEl>
+                                      </p:cBhvr>
+                                    </p:animEffect>
+                                  </p:childTnLst>
+                                </p:cTn>
+                              </p:par>
+                            </p:childTnLst>
+                          </p:cTn>
+                        </p:par>
+                      </p:childTnLst>
+                    </p:cTn>
+                  </p:par>
+                  <p:par>
+                    <p:cTn id="8" fill="hold">
+                      <p:stCondLst>
+                        <p:cond delay="indefinite"/>
+                      </p:stCondLst>
+                      <p:childTnLst>
+                        <p:par>
+                          <p:cTn id="9" fill="hold">
+                            <p:stCondLst>
+                              <p:cond delay="0"/>
+                            </p:stCondLst>
+                            <p:childTnLst>
+                              <p:par>
+                                <p:cTn id="10" presetID="10" presetClass="entr" presetSubtype="0" fill="hold" nodeType="clickEffect">
+                                  <p:stCondLst>
+                                    <p:cond delay="0"/>
+                                  </p:stCondLst>
+                                  <p:childTnLst>
+                                    <p:set>
+                                      <p:cBhvr>
+                                        <p:cTn id="11" dur="1" fill="hold">
+                                          <p:stCondLst>
+                                            <p:cond delay="0"/>
+                                          </p:stCondLst>
+                                        </p:cTn>
+                                        <p:tgtEl>
+                                          <p:spTgt spid="3">
+                                            <p:txEl>
+                                              <p:pRg st="1" end="1"/>
+                                            </p:txEl>
+                                          </p:spTgt>
+                                        </p:tgtEl>
+                                        <p:attrNameLst>
+                                          <p:attrName>style.visibility</p:attrName>
+                                        </p:attrNameLst>
+                                      </p:cBhvr>
+                                      <p:to>
+                                        <p:strVal val="visible"/>
+                                      </p:to>
+                                    </p:set>
+                                    <p:animEffect transition="in" filter="fade">
+                                      <p:cBhvr>
+                                        <p:cTn id="12" dur="500"/>
+                                        <p:tgtEl>
+                                          <p:spTgt spid="3">
+                                            <p:txEl>
+                                              <p:pRg st="1" end="1"/>
+                                            </p:txEl>
+                                          </p:spTgt>
+                                        </p:tgtEl>
+                                      </p:cBhvr>
+                                    </p:animEffect>
+                                  </p:childTnLst>
+                                </p:cTn>
+                              </p:par>
+                            </p:childTnLst>
+                          </p:cTn>
+                        </p:par>
+                      </p:childTnLst>
+                    </p:cTn>
+                  </p:par>
+                  <p:par>
+                    <p:cTn id="13" fill="hold">
+                      <p:stCondLst>
+                        <p:cond delay="indefinite"/>
+                      </p:stCondLst>
+                      <p:childTnLst>
+                        <p:par>
+                          <p:cTn id="14" fill="hold">
+                            <p:stCondLst>
+                              <p:cond delay="0"/>
+                            </p:stCondLst>
+                            <p:childTnLst>
+                              <p:par>
+                                <p:cTn id="15" presetID="10" presetClass="entr" presetSubtype="0" fill="hold" nodeType="clickEffect">
+                                  <p:stCondLst>
+                                    <p:cond delay="0"/>
+                                  </p:stCondLst>
+                                  <p:childTnLst>
+                                    <p:set>
+                                      <p:cBhvr>
+                                        <p:cTn id="16" dur="1" fill="hold">
+                                          <p:stCondLst>
+                                            <p:cond delay="0"/>
+                                          </p:stCondLst>
+                                        </p:cTn>
+                                        <p:tgtEl>
+                                          <p:spTgt spid="3">
+                                            <p:txEl>
+                                              <p:pRg st="2" end="2"/>
+                                            </p:txEl>
+                                          </p:spTgt>
+                                        </p:tgtEl>
+                                        <p:attrNameLst>
+                                          <p:attrName>style.visibility</p:attrName>
+                                        </p:attrNameLst>
+                                      </p:cBhvr>
+                                      <p:to>
+                                        <p:strVal val="visible"/>
+                                      </p:to>
+                                    </p:set>
+                                    <p:animEffect transition="in" filter="fade">
+                                      <p:cBhvr>
+                                        <p:cTn id="17" dur="500"/>
+                                        <p:tgtEl>
+                                          <p:spTgt spid="3">
+                                            <p:txEl>
+                                              <p:pRg st="2" end="2"/>
+                                            </p:txEl>
+                                          </p:spTgt>
+                                        </p:tgtEl>
+                                      </p:cBhvr>
+                                    </p:animEffect>
+                                  </p:childTnLst>
+                                </p:cTn>
+                              </p:par>
+                            </p:childTnLst>
+                          </p:cTn>
+                        </p:par>
+                      </p:childTnLst>
+                    </p:cTn>
+                  </p:par>
+                  <p:par>
+                    <p:cTn id="18" fill="hold">
+                      <p:stCondLst>
+                        <p:cond delay="indefinite"/>
+                      </p:stCondLst>
+                      <p:childTnLst>
+                        <p:par>
+                          <p:cTn id="19" fill="hold">
+                            <p:stCondLst>
+                              <p:cond delay="0"/>
+                            </p:stCondLst>
+                            <p:childTnLst>
+                              <p:par>
+                                <p:cTn id="20" presetID="10" presetClass="entr" presetSubtype="0" fill="hold" nodeType="clickEffect">
+                                  <p:stCondLst>
+                                    <p:cond delay="0"/>
+                                  </p:stCondLst>
+                                  <p:childTnLst>
+                                    <p:set>
+                                      <p:cBhvr>
+                                        <p:cTn id="21" dur="1" fill="hold">
+                                          <p:stCondLst>
+                                            <p:cond delay="0"/>
+                                          </p:stCondLst>
+                                        </p:cTn>
+                                        <p:tgtEl>
+                                          <p:spTgt spid="3">
+                                            <p:txEl>
+                                              <p:pRg st="3" end="3"/>
+                                            </p:txEl>
+                                          </p:spTgt>
+                                        </p:tgtEl>
+                                        <p:attrNameLst>
+                                          <p:attrName>style.visibility</p:attrName>
+                                        </p:attrNameLst>
+                                      </p:cBhvr>
+                                      <p:to>
+                                        <p:strVal val="visible"/>
+                                      </p:to>
+                                    </p:set>
+                                    <p:animEffect transition="in" filter="fade">
+                                      <p:cBhvr>
+                                        <p:cTn id="22" dur="500"/>
+                                        <p:tgtEl>
+                                          <p:spTgt spid="3">
+                                            <p:txEl>
+                                              <p:pRg st="3" end="3"/>
+                                            </p:txEl>
+                                          </p:spTgt>
+                                        </p:tgtEl>
+                                      </p:cBhvr>
+                                    </p:animEffect>
+                                  </p:childTnLst>
+                                </p:cTn>
+                              </p:par>
+                            </p:childTnLst>
+                          </p:cTn>
+                        </p:par>
+                      </p:childTnLst>
+                    </p:cTn>
+                  </p:par>
+                  <p:par>
+                    <p:cTn id="23" fill="hold">
+                      <p:stCondLst>
+                        <p:cond delay="indefinite"/>
+                      </p:stCondLst>
+                      <p:childTnLst>
+                        <p:par>
+                          <p:cTn id="24" fill="hold">
+                            <p:stCondLst>
+                              <p:cond delay="0"/>
+                            </p:stCondLst>
+                            <p:childTnLst>
+                              <p:par>
+                                <p:cTn id="25" presetID="10" presetClass="entr" presetSubtype="0" fill="hold" nodeType="clickEffect">
+                                  <p:stCondLst>
+                                    <p:cond delay="0"/>
+                                  </p:stCondLst>
+                                  <p:childTnLst>
+                                    <p:set>
+                                      <p:cBhvr>
+                                        <p:cTn id="26" dur="1" fill="hold">
+                                          <p:stCondLst>
+                                            <p:cond delay="0"/>
+                                          </p:stCondLst>
+                                        </p:cTn>
+                                        <p:tgtEl>
+                                          <p:spTgt spid="3">
+                                            <p:txEl>
+                                              <p:pRg st="4" end="4"/>
+                                            </p:txEl>
+                                          </p:spTgt>
+                                        </p:tgtEl>
+                                        <p:attrNameLst>
+                                          <p:attrName>style.visibility</p:attrName>
+                                        </p:attrNameLst>
+                                      </p:cBhvr>
+                                      <p:to>
+                                        <p:strVal val="visible"/>
+                                      </p:to>
+                                    </p:set>
+                                    <p:animEffect transition="in" filter="fade">
+                                      <p:cBhvr>
+                                        <p:cTn id="27" dur="500"/>
+                                        <p:tgtEl>
+                                          <p:spTgt spid="3">
+                                            <p:txEl>
+                                              <p:pRg st="4" end="4"/>
+                                            </p:txEl>
+                                          </p:spTgt>
+                                        </p:tgtEl>
+                                      </p:cBhvr>
+                                    </p:animEffect>
+                                  </p:childTnLst>
+                                </p:cTn>
+                              </p:par>
+                            </p:childTnLst>
+                          </p:cTn>
+                        </p:par>
+                      </p:childTnLst>
+                    </p:cTn>
+                  </p:par>
+                  <p:par>
+                    <p:cTn id="28" fill="hold">
+                      <p:stCondLst>
+                        <p:cond delay="indefinite"/>
+                      </p:stCondLst>
+                      <p:childTnLst>
+                        <p:par>
+                          <p:cTn id="29" fill="hold">
+                            <p:stCondLst>
+                              <p:cond delay="0"/>
+                            </p:stCondLst>
+                            <p:childTnLst>
+                              <p:par>
+                                <p:cTn id="30" presetID="10" presetClass="entr" presetSubtype="0" fill="hold" nodeType="clickEffect">
+                                  <p:stCondLst>
+                                    <p:cond delay="0"/>
+                                  </p:stCondLst>
+                                  <p:childTnLst>
+                                    <p:set>
+                                      <p:cBhvr>
+                                        <p:cTn id="31" dur="1" fill="hold">
+                                          <p:stCondLst>
+                                            <p:cond delay="0"/>
+                                          </p:stCondLst>
+                                        </p:cTn>
+                                        <p:tgtEl>
+                                          <p:spTgt spid="3">
+                                            <p:txEl>
+                                              <p:pRg st="5" end="5"/>
+                                            </p:txEl>
+                                          </p:spTgt>
+                                        </p:tgtEl>
+                                        <p:attrNameLst>
+                                          <p:attrName>style.visibility</p:attrName>
+                                        </p:attrNameLst>
+                                      </p:cBhvr>
+                                      <p:to>
+                                        <p:strVal val="visible"/>
+                                      </p:to>
+                                    </p:set>
+                                    <p:animEffect transition="in" filter="fade">
+                                      <p:cBhvr>
+                                        <p:cTn id="32" dur="500"/>
+                                        <p:tgtEl>
+                                          <p:spTgt spid="3">
+                                            <p:txEl>
+                                              <p:pRg st="5" end="5"/>
+                                            </p:txEl>
+                                          </p:spTgt>
+                                        </p:tgtEl>
+                                      </p:cBhvr>
+                                    </p:animEffect>
+                                  </p:childTnLst>
+                                </p:cTn>
+                              </p:par>
+                            </p:childTnLst>
+                          </p:cTn>
+                        </p:par>
+                      </p:childTnLst>
+                    </p:cTn>
+                  </p:par>
+                  <p:par>
+                    <p:cTn id="33" fill="hold">
+                      <p:stCondLst>
+                        <p:cond delay="indefinite"/>
+                      </p:stCondLst>
+                      <p:childTnLst>
+                        <p:par>
+                          <p:cTn id="34" fill="hold">
+                            <p:stCondLst>
+                              <p:cond delay="0"/>
+                            </p:stCondLst>
+                            <p:childTnLst>
+                              <p:par>
+                                <p:cTn id="35" presetID="10" presetClass="entr" presetSubtype="0" fill="hold" nodeType="clickEffect">
+                                  <p:stCondLst>
+                                    <p:cond delay="0"/>
+                                  </p:stCondLst>
+                                  <p:childTnLst>
+                                    <p:set>
+                                      <p:cBhvr>
+                                        <p:cTn id="36" dur="1" fill="hold">
+                                          <p:stCondLst>
+                                            <p:cond delay="0"/>
+                                          </p:stCondLst>
+                                        </p:cTn>
+                                        <p:tgtEl>
+                                          <p:spTgt spid="3">
+                                            <p:txEl>
+                                              <p:pRg st="6" end="6"/>
+                                            </p:txEl>
+                                          </p:spTgt>
+                                        </p:tgtEl>
+                                        <p:attrNameLst>
+                                          <p:attrName>style.visibility</p:attrName>
+                                        </p:attrNameLst>
+                                      </p:cBhvr>
+                                      <p:to>
+                                        <p:strVal val="visible"/>
+                                      </p:to>
+                                    </p:set>
+                                    <p:animEffect transition="in" filter="fade">
+                                      <p:cBhvr>
+                                        <p:cTn id="37" dur="500"/>
+                                        <p:tgtEl>
+                                          <p:spTgt spid="3">
+                                            <p:txEl>
+                                              <p:pRg st="6" end="6"/>
+                                            </p:txEl>
+                                          </p:spTgt>
+                                        </p:tgtEl>
+                                      </p:cBhvr>
+                                    </p:animEffect>
+                                  </p:childTnLst>
+                                </p:cTn>
+                              </p:par>
+                            </p:childTnLst>
+                          </p:cTn>
+                        </p:par>
+                      </p:childTnLst>
+                    </p:cTn>
+                  </p:par>
+                  <p:par>
+                    <p:cTn id="38" fill="hold">
+                      <p:stCondLst>
+                        <p:cond delay="indefinite"/>
+                      </p:stCondLst>
+                      <p:childTnLst>
+                        <p:par>
+                          <p:cTn id="39" fill="hold">
+                            <p:stCondLst>
+                              <p:cond delay="0"/>
+                            </p:stCondLst>
+                            <p:childTnLst>
+                              <p:par>
+                                <p:cTn id="40" presetID="10" presetClass="entr" presetSubtype="0" fill="hold" nodeType="clickEffect">
+                                  <p:stCondLst>
+                                    <p:cond delay="0"/>
+                                  </p:stCondLst>
+                                  <p:childTnLst>
+                                    <p:set>
+                                      <p:cBhvr>
+                                        <p:cTn id="41" dur="1" fill="hold">
+                                          <p:stCondLst>
+                                            <p:cond delay="0"/>
+                                          </p:stCondLst>
+                                        </p:cTn>
+                                        <p:tgtEl>
+                                          <p:spTgt spid="3">
+                                            <p:txEl>
+                                              <p:pRg st="7" end="7"/>
+                                            </p:txEl>
+                                          </p:spTgt>
+                                        </p:tgtEl>
+                                        <p:attrNameLst>
+                                          <p:attrName>style.visibility</p:attrName>
+                                        </p:attrNameLst>
+                                      </p:cBhvr>
+                                      <p:to>
+                                        <p:strVal val="visible"/>
+                                      </p:to>
+                                    </p:set>
+                                    <p:animEffect transition="in" filter="fade">
+                                      <p:cBhvr>
+                                        <p:cTn id="42" dur="500"/>
+                                        <p:tgtEl>
+                                          <p:spTgt spid="3">
+                                            <p:txEl>
+                                              <p:pRg st="7" end="7"/>
+                                            </p:txEl>
+                                          </p:spTgt>
+                                        </p:tgtEl>
+                                      </p:cBhvr>
+                                    </p:animEffect>
+                                  </p:childTnLst>
+                                </p:cTn>
+                              </p:par>
+                            </p:childTnLst>
+                          </p:cTn>
+                        </p:par>
+                      </p:childTnLst>
+                    </p:cTn>
+                  </p:par>
+                  <p:par>
+                    <p:cTn id="43" fill="hold">
+                      <p:stCondLst>
+                        <p:cond delay="indefinite"/>
+                      </p:stCondLst>
+                      <p:childTnLst>
+                        <p:par>
+                          <p:cTn id="44" fill="hold">
+                            <p:stCondLst>
+                              <p:cond delay="0"/>
+                            </p:stCondLst>
+                            <p:childTnLst>
+                              <p:par>
+                                <p:cTn id="45" presetID="10" presetClass="entr" presetSubtype="0" fill="hold" nodeType="clickEffect">
+                                  <p:stCondLst>
+                                    <p:cond delay="0"/>
+                                  </p:stCondLst>
+                                  <p:childTnLst>
+                                    <p:set>
+                                      <p:cBhvr>
+                                        <p:cTn id="46" dur="1" fill="hold">
+                                          <p:stCondLst>
+                                            <p:cond delay="0"/>
+                                          </p:stCondLst>
+                                        </p:cTn>
+                                        <p:tgtEl>
+                                          <p:spTgt spid="3">
+                                            <p:txEl>
+                                              <p:pRg st="8" end="8"/>
+                                            </p:txEl>
+                                          </p:spTgt>
+                                        </p:tgtEl>
+                                        <p:attrNameLst>
+                                          <p:attrName>style.visibility</p:attrName>
+                                        </p:attrNameLst>
+                                      </p:cBhvr>
+                                      <p:to>
+                                        <p:strVal val="visible"/>
+                                      </p:to>
+                                    </p:set>
+                                    <p:animEffect transition="in" filter="fade">
+                                      <p:cBhvr>
+                                        <p:cTn id="47" dur="500"/>
+                                        <p:tgtEl>
+                                          <p:spTgt spid="3">
+                                            <p:txEl>
+                                              <p:pRg st="8" end="8"/>
+                                            </p:txEl>
+                                          </p:spTgt>
+                                        </p:tgtEl>
+                                      </p:cBhvr>
+                                    </p:animEffect>
+                                  </p:childTnLst>
+                                </p:cTn>
+                              </p:par>
+                            </p:childTnLst>
+                          </p:cTn>
+                        </p:par>
+                      </p:childTnLst>
+                    </p:cTn>
+                  </p:par>
+                  <p:par>
+                    <p:cTn id="48" fill="hold">
+                      <p:stCondLst>
+                        <p:cond delay="indefinite"/>
+                      </p:stCondLst>
+                      <p:childTnLst>
+                        <p:par>
+                          <p:cTn id="49" fill="hold">
+                            <p:stCondLst>
+                              <p:cond delay="0"/>
+                            </p:stCondLst>
+                            <p:childTnLst>
+                              <p:par>
+                                <p:cTn id="50" presetID="10" presetClass="entr" presetSubtype="0" fill="hold" nodeType="clickEffect">
+                                  <p:stCondLst>
+                                    <p:cond delay="0"/>
+                                  </p:stCondLst>
+                                  <p:childTnLst>
+                                    <p:set>
+                                      <p:cBhvr>
+                                        <p:cTn id="51" dur="1" fill="hold">
+                                          <p:stCondLst>
+                                            <p:cond delay="0"/>
+                                          </p:stCondLst>
+                                        </p:cTn>
+                                        <p:tgtEl>
+                                          <p:spTgt spid="3">
+                                            <p:txEl>
+                                              <p:pRg st="9" end="9"/>
+                                            </p:txEl>
+                                          </p:spTgt>
+                                        </p:tgtEl>
+                                        <p:attrNameLst>
+                                          <p:attrName>style.visibility</p:attrName>
+                                        </p:attrNameLst>
+                                      </p:cBhvr>
+                                      <p:to>
+                                        <p:strVal val="visible"/>
+                                      </p:to>
+                                    </p:set>
+                                    <p:animEffect transition="in" filter="fade">
+                                      <p:cBhvr>
+                                        <p:cTn id="52" dur="500"/>
+                                        <p:tgtEl>
+                                          <p:spTgt spid="3">
+                                            <p:txEl>
+                                              <p:pRg st="9" end="9"/>
+                                            </p:txEl>
+                                          </p:spTgt>
+                                        </p:tgtEl>
+                                      </p:cBhvr>
+                                    </p:animEffect>
+                                  </p:childTnLst>
+                                </p:cTn>
+                              </p:par>
+                            </p:childTnLst>
+                          </p:cTn>
+                        </p:par>
+                      </p:childTnLst>
+                    </p:cTn>
+                  </p:par>
+                  <p:par>
+                    <p:cTn id="53" fill="hold">
+                      <p:stCondLst>
+                        <p:cond delay="indefinite"/>
+                      </p:stCondLst>
+                      <p:childTnLst>
+                        <p:par>
+                          <p:cTn id="54" fill="hold">
+                            <p:stCondLst>
+                              <p:cond delay="0"/>
+                            </p:stCondLst>
+                            <p:childTnLst>
+                              <p:par>
+                                <p:cTn id="55" presetID="10" presetClass="entr" presetSubtype="0" fill="hold" nodeType="clickEffect">
+                                  <p:stCondLst>
+                                    <p:cond delay="0"/>
+                                  </p:stCondLst>
+                                  <p:childTnLst>
+                                    <p:set>
+                                      <p:cBhvr>
+                                        <p:cTn id="56" dur="1" fill="hold">
+                                          <p:stCondLst>
+                                            <p:cond delay="0"/>
+                                          </p:stCondLst>
+                                        </p:cTn>
+                                        <p:tgtEl>
+                                          <p:spTgt spid="3">
+                                            <p:txEl>
+                                              <p:pRg st="10" end="10"/>
+                                            </p:txEl>
+                                          </p:spTgt>
+                                        </p:tgtEl>
+                                        <p:attrNameLst>
+                                          <p:attrName>style.visibility</p:attrName>
+                                        </p:attrNameLst>
+                                      </p:cBhvr>
+                                      <p:to>
+                                        <p:strVal val="visible"/>
+                                      </p:to>
+                                    </p:set>
+                                    <p:animEffect transition="in" filter="fade">
+                                      <p:cBhvr>
+                                        <p:cTn id="57" dur="500"/>
+                                        <p:tgtEl>
+                                          <p:spTgt spid="3">
+                                            <p:txEl>
+                                              <p:pRg st="10" end="10"/>
+                                            </p:txEl>
+                                          </p:spTgt>
+                                        </p:tgtEl>
+                                      </p:cBhvr>
+                                    </p:animEffect>
+                                  </p:childTnLst>
+                                </p:cTn>
+                              </p:par>
+                            </p:childTnLst>
+                          </p:cTn>
+                        </p:par>
+                      </p:childTnLst>
+                    </p:cTn>
+                  </p:par>
+                </p:childTnLst>
+              </p:cTn>
+              <p:prevCondLst>
+                <p:cond evt="onPrev" delay="0">
+                  <p:tgtEl>
+                    <p:sldTgt/>
+                  </p:tgtEl>
+                </p:cond>
+              </p:prevCondLst>
+              <p:nextCondLst>
+                <p:cond evt="onNext" delay="0">
+                  <p:tgtEl>
+                    <p:sldTgt/>
+                  </p:tgtEl>
+                </p:cond>
+              </p:nextCondLst>
+            </p:seq>
+          </p:childTnLst>
+        </p:cTn>
+      </p:par>
+    </p:tnLst>
+  </p:timing>
 </p:sld>
 </file>
 
@@ -5145,6 +5846,158 @@
   <p:clrMapOvr>
     <a:masterClrMapping/>
   </p:clrMapOvr>
+  <p:timing>
+    <p:tnLst>
+      <p:par>
+        <p:cTn id="1" dur="indefinite" restart="never" nodeType="tmRoot">
+          <p:childTnLst>
+            <p:seq concurrent="1" nextAc="seek">
+              <p:cTn id="2" dur="indefinite" nodeType="mainSeq">
+                <p:childTnLst>
+                  <p:par>
+                    <p:cTn id="3" fill="hold">
+                      <p:stCondLst>
+                        <p:cond delay="indefinite"/>
+                      </p:stCondLst>
+                      <p:childTnLst>
+                        <p:par>
+                          <p:cTn id="4" fill="hold">
+                            <p:stCondLst>
+                              <p:cond delay="0"/>
+                            </p:stCondLst>
+                            <p:childTnLst>
+                              <p:par>
+                                <p:cTn id="5" presetID="10" presetClass="entr" presetSubtype="0" fill="hold" nodeType="clickEffect">
+                                  <p:stCondLst>
+                                    <p:cond delay="0"/>
+                                  </p:stCondLst>
+                                  <p:childTnLst>
+                                    <p:set>
+                                      <p:cBhvr>
+                                        <p:cTn id="6" dur="1" fill="hold">
+                                          <p:stCondLst>
+                                            <p:cond delay="0"/>
+                                          </p:stCondLst>
+                                        </p:cTn>
+                                        <p:tgtEl>
+                                          <p:spTgt spid="3">
+                                            <p:txEl>
+                                              <p:pRg st="1" end="1"/>
+                                            </p:txEl>
+                                          </p:spTgt>
+                                        </p:tgtEl>
+                                        <p:attrNameLst>
+                                          <p:attrName>style.visibility</p:attrName>
+                                        </p:attrNameLst>
+                                      </p:cBhvr>
+                                      <p:to>
+                                        <p:strVal val="visible"/>
+                                      </p:to>
+                                    </p:set>
+                                    <p:animEffect transition="in" filter="fade">
+                                      <p:cBhvr>
+                                        <p:cTn id="7" dur="500"/>
+                                        <p:tgtEl>
+                                          <p:spTgt spid="3">
+                                            <p:txEl>
+                                              <p:pRg st="1" end="1"/>
+                                            </p:txEl>
+                                          </p:spTgt>
+                                        </p:tgtEl>
+                                      </p:cBhvr>
+                                    </p:animEffect>
+                                  </p:childTnLst>
+                                </p:cTn>
+                              </p:par>
+                            </p:childTnLst>
+                          </p:cTn>
+                        </p:par>
+                      </p:childTnLst>
+                    </p:cTn>
+                  </p:par>
+                  <p:par>
+                    <p:cTn id="8" fill="hold">
+                      <p:stCondLst>
+                        <p:cond delay="indefinite"/>
+                      </p:stCondLst>
+                      <p:childTnLst>
+                        <p:par>
+                          <p:cTn id="9" fill="hold">
+                            <p:stCondLst>
+                              <p:cond delay="0"/>
+                            </p:stCondLst>
+                            <p:childTnLst>
+                              <p:par>
+                                <p:cTn id="10" presetID="10" presetClass="entr" presetSubtype="0" fill="hold" nodeType="clickEffect">
+                                  <p:stCondLst>
+                                    <p:cond delay="0"/>
+                                  </p:stCondLst>
+                                  <p:childTnLst>
+                                    <p:set>
+                                      <p:cBhvr>
+                                        <p:cTn id="11" dur="1" fill="hold">
+                                          <p:stCondLst>
+                                            <p:cond delay="0"/>
+                                          </p:stCondLst>
+                                        </p:cTn>
+                                        <p:tgtEl>
+                                          <p:spTgt spid="3">
+                                            <p:txEl>
+                                              <p:pRg st="3" end="3"/>
+                                            </p:txEl>
+                                          </p:spTgt>
+                                        </p:tgtEl>
+                                        <p:attrNameLst>
+                                          <p:attrName>style.visibility</p:attrName>
+                                        </p:attrNameLst>
+                                      </p:cBhvr>
+                                      <p:to>
+                                        <p:strVal val="visible"/>
+                                      </p:to>
+                                    </p:set>
+                                    <p:animEffect transition="in" filter="fade">
+                                      <p:cBhvr>
+                                        <p:cTn id="12" dur="500"/>
+                                        <p:tgtEl>
+                                          <p:spTgt spid="3">
+                                            <p:txEl>
+                                              <p:pRg st="3" end="3"/>
+                                            </p:txEl>
+                                          </p:spTgt>
+                                        </p:tgtEl>
+                                      </p:cBhvr>
+                                    </p:animEffect>
+                                  </p:childTnLst>
+                                </p:cTn>
+                              </p:par>
+                            </p:childTnLst>
+                          </p:cTn>
+                        </p:par>
+                      </p:childTnLst>
+                    </p:cTn>
+                  </p:par>
+                </p:childTnLst>
+              </p:cTn>
+              <p:prevCondLst>
+                <p:cond evt="onPrev" delay="0">
+                  <p:tgtEl>
+                    <p:sldTgt/>
+                  </p:tgtEl>
+                </p:cond>
+              </p:prevCondLst>
+              <p:nextCondLst>
+                <p:cond evt="onNext" delay="0">
+                  <p:tgtEl>
+                    <p:sldTgt/>
+                  </p:tgtEl>
+                </p:cond>
+              </p:nextCondLst>
+            </p:seq>
+          </p:childTnLst>
+        </p:cTn>
+      </p:par>
+    </p:tnLst>
+  </p:timing>
 </p:sld>
 </file>
 
@@ -5352,6 +6205,158 @@
   <p:clrMapOvr>
     <a:masterClrMapping/>
   </p:clrMapOvr>
+  <p:timing>
+    <p:tnLst>
+      <p:par>
+        <p:cTn id="1" dur="indefinite" restart="never" nodeType="tmRoot">
+          <p:childTnLst>
+            <p:seq concurrent="1" nextAc="seek">
+              <p:cTn id="2" dur="indefinite" nodeType="mainSeq">
+                <p:childTnLst>
+                  <p:par>
+                    <p:cTn id="3" fill="hold">
+                      <p:stCondLst>
+                        <p:cond delay="indefinite"/>
+                      </p:stCondLst>
+                      <p:childTnLst>
+                        <p:par>
+                          <p:cTn id="4" fill="hold">
+                            <p:stCondLst>
+                              <p:cond delay="0"/>
+                            </p:stCondLst>
+                            <p:childTnLst>
+                              <p:par>
+                                <p:cTn id="5" presetID="10" presetClass="entr" presetSubtype="0" fill="hold" nodeType="clickEffect">
+                                  <p:stCondLst>
+                                    <p:cond delay="0"/>
+                                  </p:stCondLst>
+                                  <p:childTnLst>
+                                    <p:set>
+                                      <p:cBhvr>
+                                        <p:cTn id="6" dur="1" fill="hold">
+                                          <p:stCondLst>
+                                            <p:cond delay="0"/>
+                                          </p:stCondLst>
+                                        </p:cTn>
+                                        <p:tgtEl>
+                                          <p:spTgt spid="3">
+                                            <p:txEl>
+                                              <p:pRg st="0" end="0"/>
+                                            </p:txEl>
+                                          </p:spTgt>
+                                        </p:tgtEl>
+                                        <p:attrNameLst>
+                                          <p:attrName>style.visibility</p:attrName>
+                                        </p:attrNameLst>
+                                      </p:cBhvr>
+                                      <p:to>
+                                        <p:strVal val="visible"/>
+                                      </p:to>
+                                    </p:set>
+                                    <p:animEffect transition="in" filter="fade">
+                                      <p:cBhvr>
+                                        <p:cTn id="7" dur="500"/>
+                                        <p:tgtEl>
+                                          <p:spTgt spid="3">
+                                            <p:txEl>
+                                              <p:pRg st="0" end="0"/>
+                                            </p:txEl>
+                                          </p:spTgt>
+                                        </p:tgtEl>
+                                      </p:cBhvr>
+                                    </p:animEffect>
+                                  </p:childTnLst>
+                                </p:cTn>
+                              </p:par>
+                            </p:childTnLst>
+                          </p:cTn>
+                        </p:par>
+                      </p:childTnLst>
+                    </p:cTn>
+                  </p:par>
+                  <p:par>
+                    <p:cTn id="8" fill="hold">
+                      <p:stCondLst>
+                        <p:cond delay="indefinite"/>
+                      </p:stCondLst>
+                      <p:childTnLst>
+                        <p:par>
+                          <p:cTn id="9" fill="hold">
+                            <p:stCondLst>
+                              <p:cond delay="0"/>
+                            </p:stCondLst>
+                            <p:childTnLst>
+                              <p:par>
+                                <p:cTn id="10" presetID="10" presetClass="entr" presetSubtype="0" fill="hold" nodeType="clickEffect">
+                                  <p:stCondLst>
+                                    <p:cond delay="0"/>
+                                  </p:stCondLst>
+                                  <p:childTnLst>
+                                    <p:set>
+                                      <p:cBhvr>
+                                        <p:cTn id="11" dur="1" fill="hold">
+                                          <p:stCondLst>
+                                            <p:cond delay="0"/>
+                                          </p:stCondLst>
+                                        </p:cTn>
+                                        <p:tgtEl>
+                                          <p:spTgt spid="3">
+                                            <p:txEl>
+                                              <p:pRg st="1" end="1"/>
+                                            </p:txEl>
+                                          </p:spTgt>
+                                        </p:tgtEl>
+                                        <p:attrNameLst>
+                                          <p:attrName>style.visibility</p:attrName>
+                                        </p:attrNameLst>
+                                      </p:cBhvr>
+                                      <p:to>
+                                        <p:strVal val="visible"/>
+                                      </p:to>
+                                    </p:set>
+                                    <p:animEffect transition="in" filter="fade">
+                                      <p:cBhvr>
+                                        <p:cTn id="12" dur="500"/>
+                                        <p:tgtEl>
+                                          <p:spTgt spid="3">
+                                            <p:txEl>
+                                              <p:pRg st="1" end="1"/>
+                                            </p:txEl>
+                                          </p:spTgt>
+                                        </p:tgtEl>
+                                      </p:cBhvr>
+                                    </p:animEffect>
+                                  </p:childTnLst>
+                                </p:cTn>
+                              </p:par>
+                            </p:childTnLst>
+                          </p:cTn>
+                        </p:par>
+                      </p:childTnLst>
+                    </p:cTn>
+                  </p:par>
+                </p:childTnLst>
+              </p:cTn>
+              <p:prevCondLst>
+                <p:cond evt="onPrev" delay="0">
+                  <p:tgtEl>
+                    <p:sldTgt/>
+                  </p:tgtEl>
+                </p:cond>
+              </p:prevCondLst>
+              <p:nextCondLst>
+                <p:cond evt="onNext" delay="0">
+                  <p:tgtEl>
+                    <p:sldTgt/>
+                  </p:tgtEl>
+                </p:cond>
+              </p:nextCondLst>
+            </p:seq>
+          </p:childTnLst>
+        </p:cTn>
+      </p:par>
+    </p:tnLst>
+  </p:timing>
 </p:sld>
 </file>
 
@@ -5574,6 +6579,262 @@
   <p:clrMapOvr>
     <a:masterClrMapping/>
   </p:clrMapOvr>
+  <p:timing>
+    <p:tnLst>
+      <p:par>
+        <p:cTn id="1" dur="indefinite" restart="never" nodeType="tmRoot">
+          <p:childTnLst>
+            <p:seq concurrent="1" nextAc="seek">
+              <p:cTn id="2" dur="indefinite" nodeType="mainSeq">
+                <p:childTnLst>
+                  <p:par>
+                    <p:cTn id="3" fill="hold">
+                      <p:stCondLst>
+                        <p:cond delay="indefinite"/>
+                      </p:stCondLst>
+                      <p:childTnLst>
+                        <p:par>
+                          <p:cTn id="4" fill="hold">
+                            <p:stCondLst>
+                              <p:cond delay="0"/>
+                            </p:stCondLst>
+                            <p:childTnLst>
+                              <p:par>
+                                <p:cTn id="5" presetID="10" presetClass="entr" presetSubtype="0" fill="hold" nodeType="clickEffect">
+                                  <p:stCondLst>
+                                    <p:cond delay="0"/>
+                                  </p:stCondLst>
+                                  <p:childTnLst>
+                                    <p:set>
+                                      <p:cBhvr>
+                                        <p:cTn id="6" dur="1" fill="hold">
+                                          <p:stCondLst>
+                                            <p:cond delay="0"/>
+                                          </p:stCondLst>
+                                        </p:cTn>
+                                        <p:tgtEl>
+                                          <p:spTgt spid="3">
+                                            <p:txEl>
+                                              <p:pRg st="0" end="0"/>
+                                            </p:txEl>
+                                          </p:spTgt>
+                                        </p:tgtEl>
+                                        <p:attrNameLst>
+                                          <p:attrName>style.visibility</p:attrName>
+                                        </p:attrNameLst>
+                                      </p:cBhvr>
+                                      <p:to>
+                                        <p:strVal val="visible"/>
+                                      </p:to>
+                                    </p:set>
+                                    <p:animEffect transition="in" filter="fade">
+                                      <p:cBhvr>
+                                        <p:cTn id="7" dur="500"/>
+                                        <p:tgtEl>
+                                          <p:spTgt spid="3">
+                                            <p:txEl>
+                                              <p:pRg st="0" end="0"/>
+                                            </p:txEl>
+                                          </p:spTgt>
+                                        </p:tgtEl>
+                                      </p:cBhvr>
+                                    </p:animEffect>
+                                  </p:childTnLst>
+                                </p:cTn>
+                              </p:par>
+                            </p:childTnLst>
+                          </p:cTn>
+                        </p:par>
+                      </p:childTnLst>
+                    </p:cTn>
+                  </p:par>
+                  <p:par>
+                    <p:cTn id="8" fill="hold">
+                      <p:stCondLst>
+                        <p:cond delay="indefinite"/>
+                      </p:stCondLst>
+                      <p:childTnLst>
+                        <p:par>
+                          <p:cTn id="9" fill="hold">
+                            <p:stCondLst>
+                              <p:cond delay="0"/>
+                            </p:stCondLst>
+                            <p:childTnLst>
+                              <p:par>
+                                <p:cTn id="10" presetID="10" presetClass="entr" presetSubtype="0" fill="hold" nodeType="clickEffect">
+                                  <p:stCondLst>
+                                    <p:cond delay="0"/>
+                                  </p:stCondLst>
+                                  <p:childTnLst>
+                                    <p:set>
+                                      <p:cBhvr>
+                                        <p:cTn id="11" dur="1" fill="hold">
+                                          <p:stCondLst>
+                                            <p:cond delay="0"/>
+                                          </p:stCondLst>
+                                        </p:cTn>
+                                        <p:tgtEl>
+                                          <p:spTgt spid="3">
+                                            <p:txEl>
+                                              <p:pRg st="1" end="1"/>
+                                            </p:txEl>
+                                          </p:spTgt>
+                                        </p:tgtEl>
+                                        <p:attrNameLst>
+                                          <p:attrName>style.visibility</p:attrName>
+                                        </p:attrNameLst>
+                                      </p:cBhvr>
+                                      <p:to>
+                                        <p:strVal val="visible"/>
+                                      </p:to>
+                                    </p:set>
+                                    <p:animEffect transition="in" filter="fade">
+                                      <p:cBhvr>
+                                        <p:cTn id="12" dur="500"/>
+                                        <p:tgtEl>
+                                          <p:spTgt spid="3">
+                                            <p:txEl>
+                                              <p:pRg st="1" end="1"/>
+                                            </p:txEl>
+                                          </p:spTgt>
+                                        </p:tgtEl>
+                                      </p:cBhvr>
+                                    </p:animEffect>
+                                  </p:childTnLst>
+                                </p:cTn>
+                              </p:par>
+                            </p:childTnLst>
+                          </p:cTn>
+                        </p:par>
+                      </p:childTnLst>
+                    </p:cTn>
+                  </p:par>
+                  <p:par>
+                    <p:cTn id="13" fill="hold">
+                      <p:stCondLst>
+                        <p:cond delay="indefinite"/>
+                      </p:stCondLst>
+                      <p:childTnLst>
+                        <p:par>
+                          <p:cTn id="14" fill="hold">
+                            <p:stCondLst>
+                              <p:cond delay="0"/>
+                            </p:stCondLst>
+                            <p:childTnLst>
+                              <p:par>
+                                <p:cTn id="15" presetID="10" presetClass="entr" presetSubtype="0" fill="hold" nodeType="clickEffect">
+                                  <p:stCondLst>
+                                    <p:cond delay="0"/>
+                                  </p:stCondLst>
+                                  <p:childTnLst>
+                                    <p:set>
+                                      <p:cBhvr>
+                                        <p:cTn id="16" dur="1" fill="hold">
+                                          <p:stCondLst>
+                                            <p:cond delay="0"/>
+                                          </p:stCondLst>
+                                        </p:cTn>
+                                        <p:tgtEl>
+                                          <p:spTgt spid="3">
+                                            <p:txEl>
+                                              <p:pRg st="2" end="2"/>
+                                            </p:txEl>
+                                          </p:spTgt>
+                                        </p:tgtEl>
+                                        <p:attrNameLst>
+                                          <p:attrName>style.visibility</p:attrName>
+                                        </p:attrNameLst>
+                                      </p:cBhvr>
+                                      <p:to>
+                                        <p:strVal val="visible"/>
+                                      </p:to>
+                                    </p:set>
+                                    <p:animEffect transition="in" filter="fade">
+                                      <p:cBhvr>
+                                        <p:cTn id="17" dur="500"/>
+                                        <p:tgtEl>
+                                          <p:spTgt spid="3">
+                                            <p:txEl>
+                                              <p:pRg st="2" end="2"/>
+                                            </p:txEl>
+                                          </p:spTgt>
+                                        </p:tgtEl>
+                                      </p:cBhvr>
+                                    </p:animEffect>
+                                  </p:childTnLst>
+                                </p:cTn>
+                              </p:par>
+                              <p:par>
+                                <p:cTn id="18" presetID="10" presetClass="entr" presetSubtype="0" fill="hold" nodeType="withEffect">
+                                  <p:stCondLst>
+                                    <p:cond delay="0"/>
+                                  </p:stCondLst>
+                                  <p:childTnLst>
+                                    <p:set>
+                                      <p:cBhvr>
+                                        <p:cTn id="19" dur="1" fill="hold">
+                                          <p:stCondLst>
+                                            <p:cond delay="0"/>
+                                          </p:stCondLst>
+                                        </p:cTn>
+                                        <p:tgtEl>
+                                          <p:spTgt spid="3">
+                                            <p:txEl>
+                                              <p:pRg st="3" end="3"/>
+                                            </p:txEl>
+                                          </p:spTgt>
+                                        </p:tgtEl>
+                                        <p:attrNameLst>
+                                          <p:attrName>style.visibility</p:attrName>
+                                        </p:attrNameLst>
+                                      </p:cBhvr>
+                                      <p:to>
+                                        <p:strVal val="visible"/>
+                                      </p:to>
+                                    </p:set>
+                                    <p:animEffect transition="in" filter="fade">
+                                      <p:cBhvr>
+                                        <p:cTn id="20" dur="500"/>
+                                        <p:tgtEl>
+                                          <p:spTgt spid="3">
+                                            <p:txEl>
+                                              <p:pRg st="3" end="3"/>
+                                            </p:txEl>
+                                          </p:spTgt>
+                                        </p:tgtEl>
+                                      </p:cBhvr>
+                                    </p:animEffect>
+                                  </p:childTnLst>
+                                </p:cTn>
+                              </p:par>
+                            </p:childTnLst>
+                          </p:cTn>
+                        </p:par>
+                      </p:childTnLst>
+                    </p:cTn>
+                  </p:par>
+                </p:childTnLst>
+              </p:cTn>
+              <p:prevCondLst>
+                <p:cond evt="onPrev" delay="0">
+                  <p:tgtEl>
+                    <p:sldTgt/>
+                  </p:tgtEl>
+                </p:cond>
+              </p:prevCondLst>
+              <p:nextCondLst>
+                <p:cond evt="onNext" delay="0">
+                  <p:tgtEl>
+                    <p:sldTgt/>
+                  </p:tgtEl>
+                </p:cond>
+              </p:nextCondLst>
+            </p:seq>
+          </p:childTnLst>
+        </p:cTn>
+      </p:par>
+    </p:tnLst>
+  </p:timing>
 </p:sld>
 </file>
 
@@ -5735,7 +6996,7 @@
                   </a:schemeClr>
                 </a:solidFill>
               </a:rPr>
-              <a:t>: Manage your application’s main menu on the fly.</a:t>
+              <a:t>: Manage your application’s main menu on the fly</a:t>
             </a:r>
           </a:p>
           <a:p>
@@ -5756,7 +7017,7 @@
                   </a:schemeClr>
                 </a:solidFill>
               </a:rPr>
-              <a:t>: Tag any kind of content, like a blog post.</a:t>
+              <a:t>: Tag any kind of content, like a blog post</a:t>
             </a:r>
           </a:p>
           <a:p>
@@ -5777,7 +7038,7 @@
                   </a:schemeClr>
                 </a:solidFill>
               </a:rPr>
-              <a:t>: Allow users to comment and discuss in your application.</a:t>
+              <a:t>: Allow users to comment and discuss in your application</a:t>
             </a:r>
           </a:p>
           <a:p>
@@ -5798,7 +7059,7 @@
                   </a:schemeClr>
                 </a:solidFill>
               </a:rPr>
-              <a:t>: Allow users to react to your contents using simple smileys.</a:t>
+              <a:t>: Allow users to react to your contents using simple smileys</a:t>
             </a:r>
           </a:p>
           <a:p>
@@ -5861,7 +7122,7 @@
                   </a:schemeClr>
                 </a:solidFill>
               </a:rPr>
-              <a:t>: Build widgets and use it in dynamic contents, like blog posts.</a:t>
+              <a:t>: Build widgets and use it in dynamic contents, like blog posts</a:t>
             </a:r>
           </a:p>
         </p:txBody>
@@ -5876,6 +7137,585 @@
   <p:clrMapOvr>
     <a:masterClrMapping/>
   </p:clrMapOvr>
+  <p:timing>
+    <p:tnLst>
+      <p:par>
+        <p:cTn id="1" dur="indefinite" restart="never" nodeType="tmRoot">
+          <p:childTnLst>
+            <p:seq concurrent="1" nextAc="seek">
+              <p:cTn id="2" dur="indefinite" nodeType="mainSeq">
+                <p:childTnLst>
+                  <p:par>
+                    <p:cTn id="3" fill="hold">
+                      <p:stCondLst>
+                        <p:cond delay="indefinite"/>
+                      </p:stCondLst>
+                      <p:childTnLst>
+                        <p:par>
+                          <p:cTn id="4" fill="hold">
+                            <p:stCondLst>
+                              <p:cond delay="0"/>
+                            </p:stCondLst>
+                            <p:childTnLst>
+                              <p:par>
+                                <p:cTn id="5" presetID="10" presetClass="entr" presetSubtype="0" fill="hold" nodeType="clickEffect">
+                                  <p:stCondLst>
+                                    <p:cond delay="0"/>
+                                  </p:stCondLst>
+                                  <p:childTnLst>
+                                    <p:set>
+                                      <p:cBhvr>
+                                        <p:cTn id="6" dur="1" fill="hold">
+                                          <p:stCondLst>
+                                            <p:cond delay="0"/>
+                                          </p:stCondLst>
+                                        </p:cTn>
+                                        <p:tgtEl>
+                                          <p:spTgt spid="3">
+                                            <p:txEl>
+                                              <p:pRg st="0" end="0"/>
+                                            </p:txEl>
+                                          </p:spTgt>
+                                        </p:tgtEl>
+                                        <p:attrNameLst>
+                                          <p:attrName>style.visibility</p:attrName>
+                                        </p:attrNameLst>
+                                      </p:cBhvr>
+                                      <p:to>
+                                        <p:strVal val="visible"/>
+                                      </p:to>
+                                    </p:set>
+                                    <p:animEffect transition="in" filter="fade">
+                                      <p:cBhvr>
+                                        <p:cTn id="7" dur="500"/>
+                                        <p:tgtEl>
+                                          <p:spTgt spid="3">
+                                            <p:txEl>
+                                              <p:pRg st="0" end="0"/>
+                                            </p:txEl>
+                                          </p:spTgt>
+                                        </p:tgtEl>
+                                      </p:cBhvr>
+                                    </p:animEffect>
+                                  </p:childTnLst>
+                                </p:cTn>
+                              </p:par>
+                            </p:childTnLst>
+                          </p:cTn>
+                        </p:par>
+                      </p:childTnLst>
+                    </p:cTn>
+                  </p:par>
+                  <p:par>
+                    <p:cTn id="8" fill="hold">
+                      <p:stCondLst>
+                        <p:cond delay="indefinite"/>
+                      </p:stCondLst>
+                      <p:childTnLst>
+                        <p:par>
+                          <p:cTn id="9" fill="hold">
+                            <p:stCondLst>
+                              <p:cond delay="0"/>
+                            </p:stCondLst>
+                            <p:childTnLst>
+                              <p:par>
+                                <p:cTn id="10" presetID="10" presetClass="entr" presetSubtype="0" fill="hold" nodeType="clickEffect">
+                                  <p:stCondLst>
+                                    <p:cond delay="0"/>
+                                  </p:stCondLst>
+                                  <p:childTnLst>
+                                    <p:set>
+                                      <p:cBhvr>
+                                        <p:cTn id="11" dur="1" fill="hold">
+                                          <p:stCondLst>
+                                            <p:cond delay="0"/>
+                                          </p:stCondLst>
+                                        </p:cTn>
+                                        <p:tgtEl>
+                                          <p:spTgt spid="3">
+                                            <p:txEl>
+                                              <p:pRg st="1" end="1"/>
+                                            </p:txEl>
+                                          </p:spTgt>
+                                        </p:tgtEl>
+                                        <p:attrNameLst>
+                                          <p:attrName>style.visibility</p:attrName>
+                                        </p:attrNameLst>
+                                      </p:cBhvr>
+                                      <p:to>
+                                        <p:strVal val="visible"/>
+                                      </p:to>
+                                    </p:set>
+                                    <p:animEffect transition="in" filter="fade">
+                                      <p:cBhvr>
+                                        <p:cTn id="12" dur="500"/>
+                                        <p:tgtEl>
+                                          <p:spTgt spid="3">
+                                            <p:txEl>
+                                              <p:pRg st="1" end="1"/>
+                                            </p:txEl>
+                                          </p:spTgt>
+                                        </p:tgtEl>
+                                      </p:cBhvr>
+                                    </p:animEffect>
+                                  </p:childTnLst>
+                                </p:cTn>
+                              </p:par>
+                            </p:childTnLst>
+                          </p:cTn>
+                        </p:par>
+                      </p:childTnLst>
+                    </p:cTn>
+                  </p:par>
+                  <p:par>
+                    <p:cTn id="13" fill="hold">
+                      <p:stCondLst>
+                        <p:cond delay="indefinite"/>
+                      </p:stCondLst>
+                      <p:childTnLst>
+                        <p:par>
+                          <p:cTn id="14" fill="hold">
+                            <p:stCondLst>
+                              <p:cond delay="0"/>
+                            </p:stCondLst>
+                            <p:childTnLst>
+                              <p:par>
+                                <p:cTn id="15" presetID="10" presetClass="entr" presetSubtype="0" fill="hold" nodeType="clickEffect">
+                                  <p:stCondLst>
+                                    <p:cond delay="0"/>
+                                  </p:stCondLst>
+                                  <p:childTnLst>
+                                    <p:set>
+                                      <p:cBhvr>
+                                        <p:cTn id="16" dur="1" fill="hold">
+                                          <p:stCondLst>
+                                            <p:cond delay="0"/>
+                                          </p:stCondLst>
+                                        </p:cTn>
+                                        <p:tgtEl>
+                                          <p:spTgt spid="3">
+                                            <p:txEl>
+                                              <p:pRg st="2" end="2"/>
+                                            </p:txEl>
+                                          </p:spTgt>
+                                        </p:tgtEl>
+                                        <p:attrNameLst>
+                                          <p:attrName>style.visibility</p:attrName>
+                                        </p:attrNameLst>
+                                      </p:cBhvr>
+                                      <p:to>
+                                        <p:strVal val="visible"/>
+                                      </p:to>
+                                    </p:set>
+                                    <p:animEffect transition="in" filter="fade">
+                                      <p:cBhvr>
+                                        <p:cTn id="17" dur="500"/>
+                                        <p:tgtEl>
+                                          <p:spTgt spid="3">
+                                            <p:txEl>
+                                              <p:pRg st="2" end="2"/>
+                                            </p:txEl>
+                                          </p:spTgt>
+                                        </p:tgtEl>
+                                      </p:cBhvr>
+                                    </p:animEffect>
+                                  </p:childTnLst>
+                                </p:cTn>
+                              </p:par>
+                            </p:childTnLst>
+                          </p:cTn>
+                        </p:par>
+                      </p:childTnLst>
+                    </p:cTn>
+                  </p:par>
+                  <p:par>
+                    <p:cTn id="18" fill="hold">
+                      <p:stCondLst>
+                        <p:cond delay="indefinite"/>
+                      </p:stCondLst>
+                      <p:childTnLst>
+                        <p:par>
+                          <p:cTn id="19" fill="hold">
+                            <p:stCondLst>
+                              <p:cond delay="0"/>
+                            </p:stCondLst>
+                            <p:childTnLst>
+                              <p:par>
+                                <p:cTn id="20" presetID="10" presetClass="entr" presetSubtype="0" fill="hold" nodeType="clickEffect">
+                                  <p:stCondLst>
+                                    <p:cond delay="0"/>
+                                  </p:stCondLst>
+                                  <p:childTnLst>
+                                    <p:set>
+                                      <p:cBhvr>
+                                        <p:cTn id="21" dur="1" fill="hold">
+                                          <p:stCondLst>
+                                            <p:cond delay="0"/>
+                                          </p:stCondLst>
+                                        </p:cTn>
+                                        <p:tgtEl>
+                                          <p:spTgt spid="3">
+                                            <p:txEl>
+                                              <p:pRg st="3" end="3"/>
+                                            </p:txEl>
+                                          </p:spTgt>
+                                        </p:tgtEl>
+                                        <p:attrNameLst>
+                                          <p:attrName>style.visibility</p:attrName>
+                                        </p:attrNameLst>
+                                      </p:cBhvr>
+                                      <p:to>
+                                        <p:strVal val="visible"/>
+                                      </p:to>
+                                    </p:set>
+                                    <p:animEffect transition="in" filter="fade">
+                                      <p:cBhvr>
+                                        <p:cTn id="22" dur="500"/>
+                                        <p:tgtEl>
+                                          <p:spTgt spid="3">
+                                            <p:txEl>
+                                              <p:pRg st="3" end="3"/>
+                                            </p:txEl>
+                                          </p:spTgt>
+                                        </p:tgtEl>
+                                      </p:cBhvr>
+                                    </p:animEffect>
+                                  </p:childTnLst>
+                                </p:cTn>
+                              </p:par>
+                            </p:childTnLst>
+                          </p:cTn>
+                        </p:par>
+                      </p:childTnLst>
+                    </p:cTn>
+                  </p:par>
+                  <p:par>
+                    <p:cTn id="23" fill="hold">
+                      <p:stCondLst>
+                        <p:cond delay="indefinite"/>
+                      </p:stCondLst>
+                      <p:childTnLst>
+                        <p:par>
+                          <p:cTn id="24" fill="hold">
+                            <p:stCondLst>
+                              <p:cond delay="0"/>
+                            </p:stCondLst>
+                            <p:childTnLst>
+                              <p:par>
+                                <p:cTn id="25" presetID="10" presetClass="entr" presetSubtype="0" fill="hold" nodeType="clickEffect">
+                                  <p:stCondLst>
+                                    <p:cond delay="0"/>
+                                  </p:stCondLst>
+                                  <p:childTnLst>
+                                    <p:set>
+                                      <p:cBhvr>
+                                        <p:cTn id="26" dur="1" fill="hold">
+                                          <p:stCondLst>
+                                            <p:cond delay="0"/>
+                                          </p:stCondLst>
+                                        </p:cTn>
+                                        <p:tgtEl>
+                                          <p:spTgt spid="3">
+                                            <p:txEl>
+                                              <p:pRg st="4" end="4"/>
+                                            </p:txEl>
+                                          </p:spTgt>
+                                        </p:tgtEl>
+                                        <p:attrNameLst>
+                                          <p:attrName>style.visibility</p:attrName>
+                                        </p:attrNameLst>
+                                      </p:cBhvr>
+                                      <p:to>
+                                        <p:strVal val="visible"/>
+                                      </p:to>
+                                    </p:set>
+                                    <p:animEffect transition="in" filter="fade">
+                                      <p:cBhvr>
+                                        <p:cTn id="27" dur="500"/>
+                                        <p:tgtEl>
+                                          <p:spTgt spid="3">
+                                            <p:txEl>
+                                              <p:pRg st="4" end="4"/>
+                                            </p:txEl>
+                                          </p:spTgt>
+                                        </p:tgtEl>
+                                      </p:cBhvr>
+                                    </p:animEffect>
+                                  </p:childTnLst>
+                                </p:cTn>
+                              </p:par>
+                            </p:childTnLst>
+                          </p:cTn>
+                        </p:par>
+                      </p:childTnLst>
+                    </p:cTn>
+                  </p:par>
+                  <p:par>
+                    <p:cTn id="28" fill="hold">
+                      <p:stCondLst>
+                        <p:cond delay="indefinite"/>
+                      </p:stCondLst>
+                      <p:childTnLst>
+                        <p:par>
+                          <p:cTn id="29" fill="hold">
+                            <p:stCondLst>
+                              <p:cond delay="0"/>
+                            </p:stCondLst>
+                            <p:childTnLst>
+                              <p:par>
+                                <p:cTn id="30" presetID="10" presetClass="entr" presetSubtype="0" fill="hold" nodeType="clickEffect">
+                                  <p:stCondLst>
+                                    <p:cond delay="0"/>
+                                  </p:stCondLst>
+                                  <p:childTnLst>
+                                    <p:set>
+                                      <p:cBhvr>
+                                        <p:cTn id="31" dur="1" fill="hold">
+                                          <p:stCondLst>
+                                            <p:cond delay="0"/>
+                                          </p:stCondLst>
+                                        </p:cTn>
+                                        <p:tgtEl>
+                                          <p:spTgt spid="3">
+                                            <p:txEl>
+                                              <p:pRg st="5" end="5"/>
+                                            </p:txEl>
+                                          </p:spTgt>
+                                        </p:tgtEl>
+                                        <p:attrNameLst>
+                                          <p:attrName>style.visibility</p:attrName>
+                                        </p:attrNameLst>
+                                      </p:cBhvr>
+                                      <p:to>
+                                        <p:strVal val="visible"/>
+                                      </p:to>
+                                    </p:set>
+                                    <p:animEffect transition="in" filter="fade">
+                                      <p:cBhvr>
+                                        <p:cTn id="32" dur="500"/>
+                                        <p:tgtEl>
+                                          <p:spTgt spid="3">
+                                            <p:txEl>
+                                              <p:pRg st="5" end="5"/>
+                                            </p:txEl>
+                                          </p:spTgt>
+                                        </p:tgtEl>
+                                      </p:cBhvr>
+                                    </p:animEffect>
+                                  </p:childTnLst>
+                                </p:cTn>
+                              </p:par>
+                            </p:childTnLst>
+                          </p:cTn>
+                        </p:par>
+                      </p:childTnLst>
+                    </p:cTn>
+                  </p:par>
+                  <p:par>
+                    <p:cTn id="33" fill="hold">
+                      <p:stCondLst>
+                        <p:cond delay="indefinite"/>
+                      </p:stCondLst>
+                      <p:childTnLst>
+                        <p:par>
+                          <p:cTn id="34" fill="hold">
+                            <p:stCondLst>
+                              <p:cond delay="0"/>
+                            </p:stCondLst>
+                            <p:childTnLst>
+                              <p:par>
+                                <p:cTn id="35" presetID="10" presetClass="entr" presetSubtype="0" fill="hold" nodeType="clickEffect">
+                                  <p:stCondLst>
+                                    <p:cond delay="0"/>
+                                  </p:stCondLst>
+                                  <p:childTnLst>
+                                    <p:set>
+                                      <p:cBhvr>
+                                        <p:cTn id="36" dur="1" fill="hold">
+                                          <p:stCondLst>
+                                            <p:cond delay="0"/>
+                                          </p:stCondLst>
+                                        </p:cTn>
+                                        <p:tgtEl>
+                                          <p:spTgt spid="3">
+                                            <p:txEl>
+                                              <p:pRg st="6" end="6"/>
+                                            </p:txEl>
+                                          </p:spTgt>
+                                        </p:tgtEl>
+                                        <p:attrNameLst>
+                                          <p:attrName>style.visibility</p:attrName>
+                                        </p:attrNameLst>
+                                      </p:cBhvr>
+                                      <p:to>
+                                        <p:strVal val="visible"/>
+                                      </p:to>
+                                    </p:set>
+                                    <p:animEffect transition="in" filter="fade">
+                                      <p:cBhvr>
+                                        <p:cTn id="37" dur="500"/>
+                                        <p:tgtEl>
+                                          <p:spTgt spid="3">
+                                            <p:txEl>
+                                              <p:pRg st="6" end="6"/>
+                                            </p:txEl>
+                                          </p:spTgt>
+                                        </p:tgtEl>
+                                      </p:cBhvr>
+                                    </p:animEffect>
+                                  </p:childTnLst>
+                                </p:cTn>
+                              </p:par>
+                            </p:childTnLst>
+                          </p:cTn>
+                        </p:par>
+                      </p:childTnLst>
+                    </p:cTn>
+                  </p:par>
+                  <p:par>
+                    <p:cTn id="38" fill="hold">
+                      <p:stCondLst>
+                        <p:cond delay="indefinite"/>
+                      </p:stCondLst>
+                      <p:childTnLst>
+                        <p:par>
+                          <p:cTn id="39" fill="hold">
+                            <p:stCondLst>
+                              <p:cond delay="0"/>
+                            </p:stCondLst>
+                            <p:childTnLst>
+                              <p:par>
+                                <p:cTn id="40" presetID="10" presetClass="entr" presetSubtype="0" fill="hold" nodeType="clickEffect">
+                                  <p:stCondLst>
+                                    <p:cond delay="0"/>
+                                  </p:stCondLst>
+                                  <p:childTnLst>
+                                    <p:set>
+                                      <p:cBhvr>
+                                        <p:cTn id="41" dur="1" fill="hold">
+                                          <p:stCondLst>
+                                            <p:cond delay="0"/>
+                                          </p:stCondLst>
+                                        </p:cTn>
+                                        <p:tgtEl>
+                                          <p:spTgt spid="3">
+                                            <p:txEl>
+                                              <p:pRg st="7" end="7"/>
+                                            </p:txEl>
+                                          </p:spTgt>
+                                        </p:tgtEl>
+                                        <p:attrNameLst>
+                                          <p:attrName>style.visibility</p:attrName>
+                                        </p:attrNameLst>
+                                      </p:cBhvr>
+                                      <p:to>
+                                        <p:strVal val="visible"/>
+                                      </p:to>
+                                    </p:set>
+                                    <p:animEffect transition="in" filter="fade">
+                                      <p:cBhvr>
+                                        <p:cTn id="42" dur="500"/>
+                                        <p:tgtEl>
+                                          <p:spTgt spid="3">
+                                            <p:txEl>
+                                              <p:pRg st="7" end="7"/>
+                                            </p:txEl>
+                                          </p:spTgt>
+                                        </p:tgtEl>
+                                      </p:cBhvr>
+                                    </p:animEffect>
+                                  </p:childTnLst>
+                                </p:cTn>
+                              </p:par>
+                            </p:childTnLst>
+                          </p:cTn>
+                        </p:par>
+                      </p:childTnLst>
+                    </p:cTn>
+                  </p:par>
+                  <p:par>
+                    <p:cTn id="43" fill="hold">
+                      <p:stCondLst>
+                        <p:cond delay="indefinite"/>
+                      </p:stCondLst>
+                      <p:childTnLst>
+                        <p:par>
+                          <p:cTn id="44" fill="hold">
+                            <p:stCondLst>
+                              <p:cond delay="0"/>
+                            </p:stCondLst>
+                            <p:childTnLst>
+                              <p:par>
+                                <p:cTn id="45" presetID="10" presetClass="entr" presetSubtype="0" fill="hold" nodeType="clickEffect">
+                                  <p:stCondLst>
+                                    <p:cond delay="0"/>
+                                  </p:stCondLst>
+                                  <p:childTnLst>
+                                    <p:set>
+                                      <p:cBhvr>
+                                        <p:cTn id="46" dur="1" fill="hold">
+                                          <p:stCondLst>
+                                            <p:cond delay="0"/>
+                                          </p:stCondLst>
+                                        </p:cTn>
+                                        <p:tgtEl>
+                                          <p:spTgt spid="3">
+                                            <p:txEl>
+                                              <p:pRg st="8" end="8"/>
+                                            </p:txEl>
+                                          </p:spTgt>
+                                        </p:tgtEl>
+                                        <p:attrNameLst>
+                                          <p:attrName>style.visibility</p:attrName>
+                                        </p:attrNameLst>
+                                      </p:cBhvr>
+                                      <p:to>
+                                        <p:strVal val="visible"/>
+                                      </p:to>
+                                    </p:set>
+                                    <p:animEffect transition="in" filter="fade">
+                                      <p:cBhvr>
+                                        <p:cTn id="47" dur="500"/>
+                                        <p:tgtEl>
+                                          <p:spTgt spid="3">
+                                            <p:txEl>
+                                              <p:pRg st="8" end="8"/>
+                                            </p:txEl>
+                                          </p:spTgt>
+                                        </p:tgtEl>
+                                      </p:cBhvr>
+                                    </p:animEffect>
+                                  </p:childTnLst>
+                                </p:cTn>
+                              </p:par>
+                            </p:childTnLst>
+                          </p:cTn>
+                        </p:par>
+                      </p:childTnLst>
+                    </p:cTn>
+                  </p:par>
+                </p:childTnLst>
+              </p:cTn>
+              <p:prevCondLst>
+                <p:cond evt="onPrev" delay="0">
+                  <p:tgtEl>
+                    <p:sldTgt/>
+                  </p:tgtEl>
+                </p:cond>
+              </p:prevCondLst>
+              <p:nextCondLst>
+                <p:cond evt="onNext" delay="0">
+                  <p:tgtEl>
+                    <p:sldTgt/>
+                  </p:tgtEl>
+                </p:cond>
+              </p:nextCondLst>
+            </p:seq>
+          </p:childTnLst>
+        </p:cTn>
+      </p:par>
+    </p:tnLst>
+  </p:timing>
 </p:sld>
 </file>
 
@@ -6017,7 +7857,7 @@
                 <a:latin typeface="Poppins" panose="00000500000000000000" pitchFamily="2" charset="0"/>
                 <a:cs typeface="Poppins" panose="00000500000000000000" pitchFamily="2" charset="0"/>
               </a:rPr>
-              <a:t>: Easily add a «contact us» form to your website.</a:t>
+              <a:t>: Easily add a «contact us» form to your website</a:t>
             </a:r>
           </a:p>
           <a:p>
@@ -6108,7 +7948,7 @@
                 <a:latin typeface="Poppins" panose="00000500000000000000" pitchFamily="2" charset="0"/>
                 <a:cs typeface="Poppins" panose="00000500000000000000" pitchFamily="2" charset="0"/>
               </a:rPr>
-              <a:t>: Create quick polls for your users.</a:t>
+              <a:t>: Create quick polls for your users</a:t>
             </a:r>
           </a:p>
           <a:p>
@@ -6176,6 +8016,341 @@
   <p:clrMapOvr>
     <a:masterClrMapping/>
   </p:clrMapOvr>
+  <p:timing>
+    <p:tnLst>
+      <p:par>
+        <p:cTn id="1" dur="indefinite" restart="never" nodeType="tmRoot">
+          <p:childTnLst>
+            <p:seq concurrent="1" nextAc="seek">
+              <p:cTn id="2" dur="indefinite" nodeType="mainSeq">
+                <p:childTnLst>
+                  <p:par>
+                    <p:cTn id="3" fill="hold">
+                      <p:stCondLst>
+                        <p:cond delay="indefinite"/>
+                      </p:stCondLst>
+                      <p:childTnLst>
+                        <p:par>
+                          <p:cTn id="4" fill="hold">
+                            <p:stCondLst>
+                              <p:cond delay="0"/>
+                            </p:stCondLst>
+                            <p:childTnLst>
+                              <p:par>
+                                <p:cTn id="5" presetID="10" presetClass="entr" presetSubtype="0" fill="hold" nodeType="clickEffect">
+                                  <p:stCondLst>
+                                    <p:cond delay="0"/>
+                                  </p:stCondLst>
+                                  <p:childTnLst>
+                                    <p:set>
+                                      <p:cBhvr>
+                                        <p:cTn id="6" dur="1" fill="hold">
+                                          <p:stCondLst>
+                                            <p:cond delay="0"/>
+                                          </p:stCondLst>
+                                        </p:cTn>
+                                        <p:tgtEl>
+                                          <p:spTgt spid="3">
+                                            <p:txEl>
+                                              <p:pRg st="0" end="0"/>
+                                            </p:txEl>
+                                          </p:spTgt>
+                                        </p:tgtEl>
+                                        <p:attrNameLst>
+                                          <p:attrName>style.visibility</p:attrName>
+                                        </p:attrNameLst>
+                                      </p:cBhvr>
+                                      <p:to>
+                                        <p:strVal val="visible"/>
+                                      </p:to>
+                                    </p:set>
+                                    <p:animEffect transition="in" filter="fade">
+                                      <p:cBhvr>
+                                        <p:cTn id="7" dur="500"/>
+                                        <p:tgtEl>
+                                          <p:spTgt spid="3">
+                                            <p:txEl>
+                                              <p:pRg st="0" end="0"/>
+                                            </p:txEl>
+                                          </p:spTgt>
+                                        </p:tgtEl>
+                                      </p:cBhvr>
+                                    </p:animEffect>
+                                  </p:childTnLst>
+                                </p:cTn>
+                              </p:par>
+                            </p:childTnLst>
+                          </p:cTn>
+                        </p:par>
+                      </p:childTnLst>
+                    </p:cTn>
+                  </p:par>
+                  <p:par>
+                    <p:cTn id="8" fill="hold">
+                      <p:stCondLst>
+                        <p:cond delay="indefinite"/>
+                      </p:stCondLst>
+                      <p:childTnLst>
+                        <p:par>
+                          <p:cTn id="9" fill="hold">
+                            <p:stCondLst>
+                              <p:cond delay="0"/>
+                            </p:stCondLst>
+                            <p:childTnLst>
+                              <p:par>
+                                <p:cTn id="10" presetID="10" presetClass="entr" presetSubtype="0" fill="hold" nodeType="clickEffect">
+                                  <p:stCondLst>
+                                    <p:cond delay="0"/>
+                                  </p:stCondLst>
+                                  <p:childTnLst>
+                                    <p:set>
+                                      <p:cBhvr>
+                                        <p:cTn id="11" dur="1" fill="hold">
+                                          <p:stCondLst>
+                                            <p:cond delay="0"/>
+                                          </p:stCondLst>
+                                        </p:cTn>
+                                        <p:tgtEl>
+                                          <p:spTgt spid="3">
+                                            <p:txEl>
+                                              <p:pRg st="1" end="1"/>
+                                            </p:txEl>
+                                          </p:spTgt>
+                                        </p:tgtEl>
+                                        <p:attrNameLst>
+                                          <p:attrName>style.visibility</p:attrName>
+                                        </p:attrNameLst>
+                                      </p:cBhvr>
+                                      <p:to>
+                                        <p:strVal val="visible"/>
+                                      </p:to>
+                                    </p:set>
+                                    <p:animEffect transition="in" filter="fade">
+                                      <p:cBhvr>
+                                        <p:cTn id="12" dur="500"/>
+                                        <p:tgtEl>
+                                          <p:spTgt spid="3">
+                                            <p:txEl>
+                                              <p:pRg st="1" end="1"/>
+                                            </p:txEl>
+                                          </p:spTgt>
+                                        </p:tgtEl>
+                                      </p:cBhvr>
+                                    </p:animEffect>
+                                  </p:childTnLst>
+                                </p:cTn>
+                              </p:par>
+                            </p:childTnLst>
+                          </p:cTn>
+                        </p:par>
+                      </p:childTnLst>
+                    </p:cTn>
+                  </p:par>
+                  <p:par>
+                    <p:cTn id="13" fill="hold">
+                      <p:stCondLst>
+                        <p:cond delay="indefinite"/>
+                      </p:stCondLst>
+                      <p:childTnLst>
+                        <p:par>
+                          <p:cTn id="14" fill="hold">
+                            <p:stCondLst>
+                              <p:cond delay="0"/>
+                            </p:stCondLst>
+                            <p:childTnLst>
+                              <p:par>
+                                <p:cTn id="15" presetID="10" presetClass="entr" presetSubtype="0" fill="hold" nodeType="clickEffect">
+                                  <p:stCondLst>
+                                    <p:cond delay="0"/>
+                                  </p:stCondLst>
+                                  <p:childTnLst>
+                                    <p:set>
+                                      <p:cBhvr>
+                                        <p:cTn id="16" dur="1" fill="hold">
+                                          <p:stCondLst>
+                                            <p:cond delay="0"/>
+                                          </p:stCondLst>
+                                        </p:cTn>
+                                        <p:tgtEl>
+                                          <p:spTgt spid="3">
+                                            <p:txEl>
+                                              <p:pRg st="2" end="2"/>
+                                            </p:txEl>
+                                          </p:spTgt>
+                                        </p:tgtEl>
+                                        <p:attrNameLst>
+                                          <p:attrName>style.visibility</p:attrName>
+                                        </p:attrNameLst>
+                                      </p:cBhvr>
+                                      <p:to>
+                                        <p:strVal val="visible"/>
+                                      </p:to>
+                                    </p:set>
+                                    <p:animEffect transition="in" filter="fade">
+                                      <p:cBhvr>
+                                        <p:cTn id="17" dur="500"/>
+                                        <p:tgtEl>
+                                          <p:spTgt spid="3">
+                                            <p:txEl>
+                                              <p:pRg st="2" end="2"/>
+                                            </p:txEl>
+                                          </p:spTgt>
+                                        </p:tgtEl>
+                                      </p:cBhvr>
+                                    </p:animEffect>
+                                  </p:childTnLst>
+                                </p:cTn>
+                              </p:par>
+                            </p:childTnLst>
+                          </p:cTn>
+                        </p:par>
+                      </p:childTnLst>
+                    </p:cTn>
+                  </p:par>
+                  <p:par>
+                    <p:cTn id="18" fill="hold">
+                      <p:stCondLst>
+                        <p:cond delay="indefinite"/>
+                      </p:stCondLst>
+                      <p:childTnLst>
+                        <p:par>
+                          <p:cTn id="19" fill="hold">
+                            <p:stCondLst>
+                              <p:cond delay="0"/>
+                            </p:stCondLst>
+                            <p:childTnLst>
+                              <p:par>
+                                <p:cTn id="20" presetID="10" presetClass="entr" presetSubtype="0" fill="hold" nodeType="clickEffect">
+                                  <p:stCondLst>
+                                    <p:cond delay="0"/>
+                                  </p:stCondLst>
+                                  <p:childTnLst>
+                                    <p:set>
+                                      <p:cBhvr>
+                                        <p:cTn id="21" dur="1" fill="hold">
+                                          <p:stCondLst>
+                                            <p:cond delay="0"/>
+                                          </p:stCondLst>
+                                        </p:cTn>
+                                        <p:tgtEl>
+                                          <p:spTgt spid="3">
+                                            <p:txEl>
+                                              <p:pRg st="3" end="3"/>
+                                            </p:txEl>
+                                          </p:spTgt>
+                                        </p:tgtEl>
+                                        <p:attrNameLst>
+                                          <p:attrName>style.visibility</p:attrName>
+                                        </p:attrNameLst>
+                                      </p:cBhvr>
+                                      <p:to>
+                                        <p:strVal val="visible"/>
+                                      </p:to>
+                                    </p:set>
+                                    <p:animEffect transition="in" filter="fade">
+                                      <p:cBhvr>
+                                        <p:cTn id="22" dur="500"/>
+                                        <p:tgtEl>
+                                          <p:spTgt spid="3">
+                                            <p:txEl>
+                                              <p:pRg st="3" end="3"/>
+                                            </p:txEl>
+                                          </p:spTgt>
+                                        </p:tgtEl>
+                                      </p:cBhvr>
+                                    </p:animEffect>
+                                  </p:childTnLst>
+                                </p:cTn>
+                              </p:par>
+                            </p:childTnLst>
+                          </p:cTn>
+                        </p:par>
+                      </p:childTnLst>
+                    </p:cTn>
+                  </p:par>
+                  <p:par>
+                    <p:cTn id="23" fill="hold">
+                      <p:stCondLst>
+                        <p:cond delay="indefinite"/>
+                      </p:stCondLst>
+                      <p:childTnLst>
+                        <p:par>
+                          <p:cTn id="24" fill="hold">
+                            <p:stCondLst>
+                              <p:cond delay="0"/>
+                            </p:stCondLst>
+                            <p:childTnLst>
+                              <p:par>
+                                <p:cTn id="25" presetID="10" presetClass="entr" presetSubtype="0" fill="hold" nodeType="clickEffect">
+                                  <p:stCondLst>
+                                    <p:cond delay="0"/>
+                                  </p:stCondLst>
+                                  <p:childTnLst>
+                                    <p:set>
+                                      <p:cBhvr>
+                                        <p:cTn id="26" dur="1" fill="hold">
+                                          <p:stCondLst>
+                                            <p:cond delay="0"/>
+                                          </p:stCondLst>
+                                        </p:cTn>
+                                        <p:tgtEl>
+                                          <p:spTgt spid="3">
+                                            <p:txEl>
+                                              <p:pRg st="4" end="4"/>
+                                            </p:txEl>
+                                          </p:spTgt>
+                                        </p:tgtEl>
+                                        <p:attrNameLst>
+                                          <p:attrName>style.visibility</p:attrName>
+                                        </p:attrNameLst>
+                                      </p:cBhvr>
+                                      <p:to>
+                                        <p:strVal val="visible"/>
+                                      </p:to>
+                                    </p:set>
+                                    <p:animEffect transition="in" filter="fade">
+                                      <p:cBhvr>
+                                        <p:cTn id="27" dur="500"/>
+                                        <p:tgtEl>
+                                          <p:spTgt spid="3">
+                                            <p:txEl>
+                                              <p:pRg st="4" end="4"/>
+                                            </p:txEl>
+                                          </p:spTgt>
+                                        </p:tgtEl>
+                                      </p:cBhvr>
+                                    </p:animEffect>
+                                  </p:childTnLst>
+                                </p:cTn>
+                              </p:par>
+                            </p:childTnLst>
+                          </p:cTn>
+                        </p:par>
+                      </p:childTnLst>
+                    </p:cTn>
+                  </p:par>
+                </p:childTnLst>
+              </p:cTn>
+              <p:prevCondLst>
+                <p:cond evt="onPrev" delay="0">
+                  <p:tgtEl>
+                    <p:sldTgt/>
+                  </p:tgtEl>
+                </p:cond>
+              </p:prevCondLst>
+              <p:nextCondLst>
+                <p:cond evt="onNext" delay="0">
+                  <p:tgtEl>
+                    <p:sldTgt/>
+                  </p:tgtEl>
+                </p:cond>
+              </p:nextCondLst>
+            </p:seq>
+          </p:childTnLst>
+        </p:cTn>
+      </p:par>
+    </p:tnLst>
+  </p:timing>
 </p:sld>
 </file>
 
@@ -7044,6 +9219,195 @@
   <p:clrMapOvr>
     <a:masterClrMapping/>
   </p:clrMapOvr>
+  <p:timing>
+    <p:tnLst>
+      <p:par>
+        <p:cTn id="1" dur="indefinite" restart="never" nodeType="tmRoot">
+          <p:childTnLst>
+            <p:seq concurrent="1" nextAc="seek">
+              <p:cTn id="2" dur="indefinite" nodeType="mainSeq">
+                <p:childTnLst>
+                  <p:par>
+                    <p:cTn id="3" fill="hold">
+                      <p:stCondLst>
+                        <p:cond delay="indefinite"/>
+                      </p:stCondLst>
+                      <p:childTnLst>
+                        <p:par>
+                          <p:cTn id="4" fill="hold">
+                            <p:stCondLst>
+                              <p:cond delay="0"/>
+                            </p:stCondLst>
+                            <p:childTnLst>
+                              <p:par>
+                                <p:cTn id="5" presetID="10" presetClass="entr" presetSubtype="0" fill="hold" nodeType="clickEffect">
+                                  <p:stCondLst>
+                                    <p:cond delay="0"/>
+                                  </p:stCondLst>
+                                  <p:childTnLst>
+                                    <p:set>
+                                      <p:cBhvr>
+                                        <p:cTn id="6" dur="1" fill="hold">
+                                          <p:stCondLst>
+                                            <p:cond delay="0"/>
+                                          </p:stCondLst>
+                                        </p:cTn>
+                                        <p:tgtEl>
+                                          <p:spTgt spid="4"/>
+                                        </p:tgtEl>
+                                        <p:attrNameLst>
+                                          <p:attrName>style.visibility</p:attrName>
+                                        </p:attrNameLst>
+                                      </p:cBhvr>
+                                      <p:to>
+                                        <p:strVal val="visible"/>
+                                      </p:to>
+                                    </p:set>
+                                    <p:animEffect transition="in" filter="fade">
+                                      <p:cBhvr>
+                                        <p:cTn id="7" dur="500"/>
+                                        <p:tgtEl>
+                                          <p:spTgt spid="4"/>
+                                        </p:tgtEl>
+                                      </p:cBhvr>
+                                    </p:animEffect>
+                                  </p:childTnLst>
+                                </p:cTn>
+                              </p:par>
+                            </p:childTnLst>
+                          </p:cTn>
+                        </p:par>
+                      </p:childTnLst>
+                    </p:cTn>
+                  </p:par>
+                  <p:par>
+                    <p:cTn id="8" fill="hold">
+                      <p:stCondLst>
+                        <p:cond delay="indefinite"/>
+                      </p:stCondLst>
+                      <p:childTnLst>
+                        <p:par>
+                          <p:cTn id="9" fill="hold">
+                            <p:stCondLst>
+                              <p:cond delay="0"/>
+                            </p:stCondLst>
+                            <p:childTnLst>
+                              <p:par>
+                                <p:cTn id="10" presetID="10" presetClass="entr" presetSubtype="0" fill="hold" nodeType="clickEffect">
+                                  <p:stCondLst>
+                                    <p:cond delay="0"/>
+                                  </p:stCondLst>
+                                  <p:childTnLst>
+                                    <p:set>
+                                      <p:cBhvr>
+                                        <p:cTn id="11" dur="1" fill="hold">
+                                          <p:stCondLst>
+                                            <p:cond delay="0"/>
+                                          </p:stCondLst>
+                                        </p:cTn>
+                                        <p:tgtEl>
+                                          <p:spTgt spid="6"/>
+                                        </p:tgtEl>
+                                        <p:attrNameLst>
+                                          <p:attrName>style.visibility</p:attrName>
+                                        </p:attrNameLst>
+                                      </p:cBhvr>
+                                      <p:to>
+                                        <p:strVal val="visible"/>
+                                      </p:to>
+                                    </p:set>
+                                    <p:animEffect transition="in" filter="fade">
+                                      <p:cBhvr>
+                                        <p:cTn id="12" dur="500"/>
+                                        <p:tgtEl>
+                                          <p:spTgt spid="6"/>
+                                        </p:tgtEl>
+                                      </p:cBhvr>
+                                    </p:animEffect>
+                                  </p:childTnLst>
+                                </p:cTn>
+                              </p:par>
+                            </p:childTnLst>
+                          </p:cTn>
+                        </p:par>
+                      </p:childTnLst>
+                    </p:cTn>
+                  </p:par>
+                  <p:par>
+                    <p:cTn id="13" fill="hold">
+                      <p:stCondLst>
+                        <p:cond delay="indefinite"/>
+                      </p:stCondLst>
+                      <p:childTnLst>
+                        <p:par>
+                          <p:cTn id="14" fill="hold">
+                            <p:stCondLst>
+                              <p:cond delay="0"/>
+                            </p:stCondLst>
+                            <p:childTnLst>
+                              <p:par>
+                                <p:cTn id="15" presetID="10" presetClass="entr" presetSubtype="0" fill="hold" nodeType="clickEffect">
+                                  <p:stCondLst>
+                                    <p:cond delay="0"/>
+                                  </p:stCondLst>
+                                  <p:childTnLst>
+                                    <p:set>
+                                      <p:cBhvr>
+                                        <p:cTn id="16" dur="1" fill="hold">
+                                          <p:stCondLst>
+                                            <p:cond delay="0"/>
+                                          </p:stCondLst>
+                                        </p:cTn>
+                                        <p:tgtEl>
+                                          <p:spTgt spid="9"/>
+                                        </p:tgtEl>
+                                        <p:attrNameLst>
+                                          <p:attrName>style.visibility</p:attrName>
+                                        </p:attrNameLst>
+                                      </p:cBhvr>
+                                      <p:to>
+                                        <p:strVal val="visible"/>
+                                      </p:to>
+                                    </p:set>
+                                    <p:animEffect transition="in" filter="fade">
+                                      <p:cBhvr>
+                                        <p:cTn id="17" dur="500"/>
+                                        <p:tgtEl>
+                                          <p:spTgt spid="9"/>
+                                        </p:tgtEl>
+                                      </p:cBhvr>
+                                    </p:animEffect>
+                                  </p:childTnLst>
+                                </p:cTn>
+                              </p:par>
+                            </p:childTnLst>
+                          </p:cTn>
+                        </p:par>
+                      </p:childTnLst>
+                    </p:cTn>
+                  </p:par>
+                </p:childTnLst>
+              </p:cTn>
+              <p:prevCondLst>
+                <p:cond evt="onPrev" delay="0">
+                  <p:tgtEl>
+                    <p:sldTgt/>
+                  </p:tgtEl>
+                </p:cond>
+              </p:prevCondLst>
+              <p:nextCondLst>
+                <p:cond evt="onNext" delay="0">
+                  <p:tgtEl>
+                    <p:sldTgt/>
+                  </p:tgtEl>
+                </p:cond>
+              </p:nextCondLst>
+            </p:seq>
+          </p:childTnLst>
+        </p:cTn>
+      </p:par>
+    </p:tnLst>
+  </p:timing>
 </p:sld>
 </file>
 

--- a/2023-09-28 ABP CMS Kit/ABP CMS Kit.pptx
+++ b/2023-09-28 ABP CMS Kit/ABP CMS Kit.pptx
@@ -270,7 +270,7 @@
           <a:p>
             <a:fld id="{62164A38-496E-4635-AD4D-E4F60A7AA5BC}" type="datetimeFigureOut">
               <a:rPr lang="tr-TR" smtClean="0"/>
-              <a:t>17.09.2023</a:t>
+              <a:t>21.09.2023</a:t>
             </a:fld>
             <a:endParaRPr lang="tr-TR"/>
           </a:p>
@@ -468,7 +468,7 @@
           <a:p>
             <a:fld id="{62164A38-496E-4635-AD4D-E4F60A7AA5BC}" type="datetimeFigureOut">
               <a:rPr lang="tr-TR" smtClean="0"/>
-              <a:t>17.09.2023</a:t>
+              <a:t>21.09.2023</a:t>
             </a:fld>
             <a:endParaRPr lang="tr-TR"/>
           </a:p>
@@ -676,7 +676,7 @@
           <a:p>
             <a:fld id="{62164A38-496E-4635-AD4D-E4F60A7AA5BC}" type="datetimeFigureOut">
               <a:rPr lang="tr-TR" smtClean="0"/>
-              <a:t>17.09.2023</a:t>
+              <a:t>21.09.2023</a:t>
             </a:fld>
             <a:endParaRPr lang="tr-TR"/>
           </a:p>
@@ -874,7 +874,7 @@
           <a:p>
             <a:fld id="{62164A38-496E-4635-AD4D-E4F60A7AA5BC}" type="datetimeFigureOut">
               <a:rPr lang="tr-TR" smtClean="0"/>
-              <a:t>17.09.2023</a:t>
+              <a:t>21.09.2023</a:t>
             </a:fld>
             <a:endParaRPr lang="tr-TR"/>
           </a:p>
@@ -1149,7 +1149,7 @@
           <a:p>
             <a:fld id="{62164A38-496E-4635-AD4D-E4F60A7AA5BC}" type="datetimeFigureOut">
               <a:rPr lang="tr-TR" smtClean="0"/>
-              <a:t>17.09.2023</a:t>
+              <a:t>21.09.2023</a:t>
             </a:fld>
             <a:endParaRPr lang="tr-TR"/>
           </a:p>
@@ -1414,7 +1414,7 @@
           <a:p>
             <a:fld id="{62164A38-496E-4635-AD4D-E4F60A7AA5BC}" type="datetimeFigureOut">
               <a:rPr lang="tr-TR" smtClean="0"/>
-              <a:t>17.09.2023</a:t>
+              <a:t>21.09.2023</a:t>
             </a:fld>
             <a:endParaRPr lang="tr-TR"/>
           </a:p>
@@ -1826,7 +1826,7 @@
           <a:p>
             <a:fld id="{62164A38-496E-4635-AD4D-E4F60A7AA5BC}" type="datetimeFigureOut">
               <a:rPr lang="tr-TR" smtClean="0"/>
-              <a:t>17.09.2023</a:t>
+              <a:t>21.09.2023</a:t>
             </a:fld>
             <a:endParaRPr lang="tr-TR"/>
           </a:p>
@@ -1967,7 +1967,7 @@
           <a:p>
             <a:fld id="{62164A38-496E-4635-AD4D-E4F60A7AA5BC}" type="datetimeFigureOut">
               <a:rPr lang="tr-TR" smtClean="0"/>
-              <a:t>17.09.2023</a:t>
+              <a:t>21.09.2023</a:t>
             </a:fld>
             <a:endParaRPr lang="tr-TR"/>
           </a:p>
@@ -2080,7 +2080,7 @@
           <a:p>
             <a:fld id="{62164A38-496E-4635-AD4D-E4F60A7AA5BC}" type="datetimeFigureOut">
               <a:rPr lang="tr-TR" smtClean="0"/>
-              <a:t>17.09.2023</a:t>
+              <a:t>21.09.2023</a:t>
             </a:fld>
             <a:endParaRPr lang="tr-TR"/>
           </a:p>
@@ -2391,7 +2391,7 @@
           <a:p>
             <a:fld id="{62164A38-496E-4635-AD4D-E4F60A7AA5BC}" type="datetimeFigureOut">
               <a:rPr lang="tr-TR" smtClean="0"/>
-              <a:t>17.09.2023</a:t>
+              <a:t>21.09.2023</a:t>
             </a:fld>
             <a:endParaRPr lang="tr-TR"/>
           </a:p>
@@ -2679,7 +2679,7 @@
           <a:p>
             <a:fld id="{62164A38-496E-4635-AD4D-E4F60A7AA5BC}" type="datetimeFigureOut">
               <a:rPr lang="tr-TR" smtClean="0"/>
-              <a:t>17.09.2023</a:t>
+              <a:t>21.09.2023</a:t>
             </a:fld>
             <a:endParaRPr lang="tr-TR"/>
           </a:p>
@@ -2920,7 +2920,7 @@
           <a:p>
             <a:fld id="{62164A38-496E-4635-AD4D-E4F60A7AA5BC}" type="datetimeFigureOut">
               <a:rPr lang="tr-TR" smtClean="0"/>
-              <a:t>17.09.2023</a:t>
+              <a:t>21.09.2023</a:t>
             </a:fld>
             <a:endParaRPr lang="tr-TR"/>
           </a:p>

--- a/2023-09-28 ABP CMS Kit/ABP CMS Kit.pptx
+++ b/2023-09-28 ABP CMS Kit/ABP CMS Kit.pptx
@@ -270,7 +270,7 @@
           <a:p>
             <a:fld id="{62164A38-496E-4635-AD4D-E4F60A7AA5BC}" type="datetimeFigureOut">
               <a:rPr lang="tr-TR" smtClean="0"/>
-              <a:t>21.09.2023</a:t>
+              <a:t>28.09.2023</a:t>
             </a:fld>
             <a:endParaRPr lang="tr-TR"/>
           </a:p>
@@ -468,7 +468,7 @@
           <a:p>
             <a:fld id="{62164A38-496E-4635-AD4D-E4F60A7AA5BC}" type="datetimeFigureOut">
               <a:rPr lang="tr-TR" smtClean="0"/>
-              <a:t>21.09.2023</a:t>
+              <a:t>28.09.2023</a:t>
             </a:fld>
             <a:endParaRPr lang="tr-TR"/>
           </a:p>
@@ -676,7 +676,7 @@
           <a:p>
             <a:fld id="{62164A38-496E-4635-AD4D-E4F60A7AA5BC}" type="datetimeFigureOut">
               <a:rPr lang="tr-TR" smtClean="0"/>
-              <a:t>21.09.2023</a:t>
+              <a:t>28.09.2023</a:t>
             </a:fld>
             <a:endParaRPr lang="tr-TR"/>
           </a:p>
@@ -874,7 +874,7 @@
           <a:p>
             <a:fld id="{62164A38-496E-4635-AD4D-E4F60A7AA5BC}" type="datetimeFigureOut">
               <a:rPr lang="tr-TR" smtClean="0"/>
-              <a:t>21.09.2023</a:t>
+              <a:t>28.09.2023</a:t>
             </a:fld>
             <a:endParaRPr lang="tr-TR"/>
           </a:p>
@@ -1149,7 +1149,7 @@
           <a:p>
             <a:fld id="{62164A38-496E-4635-AD4D-E4F60A7AA5BC}" type="datetimeFigureOut">
               <a:rPr lang="tr-TR" smtClean="0"/>
-              <a:t>21.09.2023</a:t>
+              <a:t>28.09.2023</a:t>
             </a:fld>
             <a:endParaRPr lang="tr-TR"/>
           </a:p>
@@ -1414,7 +1414,7 @@
           <a:p>
             <a:fld id="{62164A38-496E-4635-AD4D-E4F60A7AA5BC}" type="datetimeFigureOut">
               <a:rPr lang="tr-TR" smtClean="0"/>
-              <a:t>21.09.2023</a:t>
+              <a:t>28.09.2023</a:t>
             </a:fld>
             <a:endParaRPr lang="tr-TR"/>
           </a:p>
@@ -1826,7 +1826,7 @@
           <a:p>
             <a:fld id="{62164A38-496E-4635-AD4D-E4F60A7AA5BC}" type="datetimeFigureOut">
               <a:rPr lang="tr-TR" smtClean="0"/>
-              <a:t>21.09.2023</a:t>
+              <a:t>28.09.2023</a:t>
             </a:fld>
             <a:endParaRPr lang="tr-TR"/>
           </a:p>
@@ -1967,7 +1967,7 @@
           <a:p>
             <a:fld id="{62164A38-496E-4635-AD4D-E4F60A7AA5BC}" type="datetimeFigureOut">
               <a:rPr lang="tr-TR" smtClean="0"/>
-              <a:t>21.09.2023</a:t>
+              <a:t>28.09.2023</a:t>
             </a:fld>
             <a:endParaRPr lang="tr-TR"/>
           </a:p>
@@ -2080,7 +2080,7 @@
           <a:p>
             <a:fld id="{62164A38-496E-4635-AD4D-E4F60A7AA5BC}" type="datetimeFigureOut">
               <a:rPr lang="tr-TR" smtClean="0"/>
-              <a:t>21.09.2023</a:t>
+              <a:t>28.09.2023</a:t>
             </a:fld>
             <a:endParaRPr lang="tr-TR"/>
           </a:p>
@@ -2391,7 +2391,7 @@
           <a:p>
             <a:fld id="{62164A38-496E-4635-AD4D-E4F60A7AA5BC}" type="datetimeFigureOut">
               <a:rPr lang="tr-TR" smtClean="0"/>
-              <a:t>21.09.2023</a:t>
+              <a:t>28.09.2023</a:t>
             </a:fld>
             <a:endParaRPr lang="tr-TR"/>
           </a:p>
@@ -2679,7 +2679,7 @@
           <a:p>
             <a:fld id="{62164A38-496E-4635-AD4D-E4F60A7AA5BC}" type="datetimeFigureOut">
               <a:rPr lang="tr-TR" smtClean="0"/>
-              <a:t>21.09.2023</a:t>
+              <a:t>28.09.2023</a:t>
             </a:fld>
             <a:endParaRPr lang="tr-TR"/>
           </a:p>
@@ -2920,7 +2920,7 @@
           <a:p>
             <a:fld id="{62164A38-496E-4635-AD4D-E4F60A7AA5BC}" type="datetimeFigureOut">
               <a:rPr lang="tr-TR" smtClean="0"/>
-              <a:t>21.09.2023</a:t>
+              <a:t>28.09.2023</a:t>
             </a:fld>
             <a:endParaRPr lang="tr-TR"/>
           </a:p>
@@ -8791,16 +8791,6 @@
               </a:rPr>
               <a:t>Feedback</a:t>
             </a:r>
-            <a:r>
-              <a:rPr lang="tr-TR" sz="1800" dirty="0">
-                <a:solidFill>
-                  <a:srgbClr val="5B636F"/>
-                </a:solidFill>
-                <a:latin typeface="Poppins" panose="00000500000000000000" pitchFamily="2" charset="0"/>
-                <a:cs typeface="Poppins" panose="00000500000000000000" pitchFamily="2" charset="0"/>
-              </a:rPr>
-              <a:t> (coming soon)</a:t>
-            </a:r>
             <a:br>
               <a:rPr lang="tr-TR" sz="1800" dirty="0">
                 <a:solidFill>
@@ -8829,7 +8819,7 @@
                 <a:cs typeface="Poppins" panose="00000500000000000000" pitchFamily="2" charset="0"/>
                 <a:hlinkClick r:id="rId7"/>
               </a:rPr>
-              <a:t>https://docs.abp.io/en/commercial/7.4/modules/cms-kit/page-feedback</a:t>
+              <a:t>https://docs.abp.io/en/abp/latest/API/Dynamic-CSharp-API-Clients</a:t>
             </a:r>
             <a:r>
               <a:rPr lang="tr-TR" sz="1200" dirty="0">

--- a/2023-09-28 ABP CMS Kit/ABP CMS Kit.pptx
+++ b/2023-09-28 ABP CMS Kit/ABP CMS Kit.pptx
@@ -6190,7 +6190,27 @@
                 <a:latin typeface="Poppins" panose="00000500000000000000" pitchFamily="2" charset="0"/>
                 <a:cs typeface="Poppins" panose="00000500000000000000" pitchFamily="2" charset="0"/>
               </a:rPr>
-              <a:t>: share database, code and other resources.</a:t>
+              <a:t>: share database</a:t>
+            </a:r>
+            <a:r>
+              <a:rPr lang="tr-TR">
+                <a:solidFill>
+                  <a:srgbClr val="5B636F"/>
+                </a:solidFill>
+                <a:latin typeface="Poppins" panose="00000500000000000000" pitchFamily="2" charset="0"/>
+                <a:cs typeface="Poppins" panose="00000500000000000000" pitchFamily="2" charset="0"/>
+              </a:rPr>
+              <a:t>, codebase </a:t>
+            </a:r>
+            <a:r>
+              <a:rPr lang="tr-TR" dirty="0">
+                <a:solidFill>
+                  <a:srgbClr val="5B636F"/>
+                </a:solidFill>
+                <a:latin typeface="Poppins" panose="00000500000000000000" pitchFamily="2" charset="0"/>
+                <a:cs typeface="Poppins" panose="00000500000000000000" pitchFamily="2" charset="0"/>
+              </a:rPr>
+              <a:t>and other resources.</a:t>
             </a:r>
           </a:p>
         </p:txBody>

--- a/2023-09-28 ABP CMS Kit/ABP CMS Kit.pptx
+++ b/2023-09-28 ABP CMS Kit/ABP CMS Kit.pptx
@@ -7,10 +7,10 @@
   <p:sldIdLst>
     <p:sldId id="256" r:id="rId2"/>
     <p:sldId id="257" r:id="rId3"/>
-    <p:sldId id="264" r:id="rId4"/>
-    <p:sldId id="265" r:id="rId5"/>
-    <p:sldId id="259" r:id="rId6"/>
-    <p:sldId id="260" r:id="rId7"/>
+    <p:sldId id="259" r:id="rId4"/>
+    <p:sldId id="260" r:id="rId5"/>
+    <p:sldId id="264" r:id="rId6"/>
+    <p:sldId id="265" r:id="rId7"/>
     <p:sldId id="261" r:id="rId8"/>
     <p:sldId id="262" r:id="rId9"/>
     <p:sldId id="263" r:id="rId10"/>
@@ -5764,7 +5764,7 @@
                 <a:latin typeface="Poppins" panose="00000500000000000000" pitchFamily="2" charset="0"/>
                 <a:cs typeface="Poppins" panose="00000500000000000000" pitchFamily="2" charset="0"/>
               </a:rPr>
-              <a:t>web applications</a:t>
+              <a:t>web applications – a set of libraries</a:t>
             </a:r>
           </a:p>
           <a:p>
@@ -6002,863 +6002,6 @@
 </file>
 
 <file path=ppt/slides/slide3.xml><?xml version="1.0" encoding="utf-8"?>
-<p:sld xmlns:a="http://schemas.openxmlformats.org/drawingml/2006/main" xmlns:r="http://schemas.openxmlformats.org/officeDocument/2006/relationships" xmlns:p="http://schemas.openxmlformats.org/presentationml/2006/main">
-  <p:cSld>
-    <p:bg>
-      <p:bgPr>
-        <a:blipFill dpi="0" rotWithShape="1">
-          <a:blip r:embed="rId2">
-            <a:lum/>
-          </a:blip>
-          <a:srcRect/>
-          <a:stretch>
-            <a:fillRect/>
-          </a:stretch>
-        </a:blipFill>
-        <a:effectLst/>
-      </p:bgPr>
-    </p:bg>
-    <p:spTree>
-      <p:nvGrpSpPr>
-        <p:cNvPr id="1" name=""/>
-        <p:cNvGrpSpPr/>
-        <p:nvPr/>
-      </p:nvGrpSpPr>
-      <p:grpSpPr>
-        <a:xfrm>
-          <a:off x="0" y="0"/>
-          <a:ext cx="0" cy="0"/>
-          <a:chOff x="0" y="0"/>
-          <a:chExt cx="0" cy="0"/>
-        </a:xfrm>
-      </p:grpSpPr>
-      <p:sp>
-        <p:nvSpPr>
-          <p:cNvPr id="8" name="Metin kutusu 7">
-            <a:extLst>
-              <a:ext uri="{FF2B5EF4-FFF2-40B4-BE49-F238E27FC236}">
-                <a16:creationId xmlns:a16="http://schemas.microsoft.com/office/drawing/2014/main" id="{29D82957-8FD0-49FF-B99F-7F7BB3AB2C9F}"/>
-              </a:ext>
-            </a:extLst>
-          </p:cNvPr>
-          <p:cNvSpPr txBox="1"/>
-          <p:nvPr/>
-        </p:nvSpPr>
-        <p:spPr>
-          <a:xfrm>
-            <a:off x="714375" y="695325"/>
-            <a:ext cx="4174541" cy="584775"/>
-          </a:xfrm>
-          <a:prstGeom prst="rect">
-            <a:avLst/>
-          </a:prstGeom>
-          <a:noFill/>
-        </p:spPr>
-        <p:txBody>
-          <a:bodyPr wrap="none" rtlCol="0">
-            <a:spAutoFit/>
-          </a:bodyPr>
-          <a:lstStyle/>
-          <a:p>
-            <a:r>
-              <a:rPr lang="tr-TR" sz="3200" b="1" dirty="0">
-                <a:solidFill>
-                  <a:srgbClr val="292D33"/>
-                </a:solidFill>
-                <a:latin typeface="Lexend" pitchFamily="2" charset="0"/>
-              </a:rPr>
-              <a:t>ABP CMS Kit: Why?</a:t>
-            </a:r>
-          </a:p>
-        </p:txBody>
-      </p:sp>
-      <p:sp>
-        <p:nvSpPr>
-          <p:cNvPr id="3" name="Content Placeholder 2">
-            <a:extLst>
-              <a:ext uri="{FF2B5EF4-FFF2-40B4-BE49-F238E27FC236}">
-                <a16:creationId xmlns:a16="http://schemas.microsoft.com/office/drawing/2014/main" id="{38E3475F-B2DC-C5D6-FE0E-7C46ED4D1709}"/>
-              </a:ext>
-            </a:extLst>
-          </p:cNvPr>
-          <p:cNvSpPr>
-            <a:spLocks noGrp="1"/>
-          </p:cNvSpPr>
-          <p:nvPr>
-            <p:ph idx="1"/>
-          </p:nvPr>
-        </p:nvSpPr>
-        <p:spPr>
-          <a:xfrm>
-            <a:off x="714374" y="1472339"/>
-            <a:ext cx="10824114" cy="4285281"/>
-          </a:xfrm>
-        </p:spPr>
-        <p:txBody>
-          <a:bodyPr>
-            <a:normAutofit/>
-          </a:bodyPr>
-          <a:lstStyle/>
-          <a:p>
-            <a:r>
-              <a:rPr lang="tr-TR" dirty="0">
-                <a:solidFill>
-                  <a:srgbClr val="5B636F"/>
-                </a:solidFill>
-                <a:latin typeface="Poppins" panose="00000500000000000000" pitchFamily="2" charset="0"/>
-                <a:cs typeface="Poppins" panose="00000500000000000000" pitchFamily="2" charset="0"/>
-              </a:rPr>
-              <a:t>A </a:t>
-            </a:r>
-            <a:r>
-              <a:rPr lang="tr-TR" b="1" dirty="0">
-                <a:solidFill>
-                  <a:srgbClr val="5B636F"/>
-                </a:solidFill>
-                <a:latin typeface="Poppins" panose="00000500000000000000" pitchFamily="2" charset="0"/>
-                <a:cs typeface="Poppins" panose="00000500000000000000" pitchFamily="2" charset="0"/>
-              </a:rPr>
-              <a:t>custom application </a:t>
-            </a:r>
-            <a:r>
-              <a:rPr lang="tr-TR" dirty="0">
-                <a:solidFill>
-                  <a:srgbClr val="5B636F"/>
-                </a:solidFill>
-                <a:latin typeface="Poppins" panose="00000500000000000000" pitchFamily="2" charset="0"/>
-                <a:cs typeface="Poppins" panose="00000500000000000000" pitchFamily="2" charset="0"/>
-              </a:rPr>
-              <a:t>with CMS features, not a CMS with </a:t>
-            </a:r>
-            <a:r>
-              <a:rPr lang="tr-TR" b="1" dirty="0">
-                <a:solidFill>
-                  <a:srgbClr val="5B636F"/>
-                </a:solidFill>
-                <a:latin typeface="Poppins" panose="00000500000000000000" pitchFamily="2" charset="0"/>
-                <a:cs typeface="Poppins" panose="00000500000000000000" pitchFamily="2" charset="0"/>
-              </a:rPr>
-              <a:t>custom code</a:t>
-            </a:r>
-          </a:p>
-          <a:p>
-            <a:r>
-              <a:rPr lang="tr-TR" dirty="0">
-                <a:solidFill>
-                  <a:srgbClr val="5B636F"/>
-                </a:solidFill>
-                <a:latin typeface="Poppins" panose="00000500000000000000" pitchFamily="2" charset="0"/>
-                <a:cs typeface="Poppins" panose="00000500000000000000" pitchFamily="2" charset="0"/>
-              </a:rPr>
-              <a:t>Fully </a:t>
-            </a:r>
-            <a:r>
-              <a:rPr lang="tr-TR" b="1" dirty="0">
-                <a:solidFill>
-                  <a:srgbClr val="5B636F"/>
-                </a:solidFill>
-                <a:latin typeface="Poppins" panose="00000500000000000000" pitchFamily="2" charset="0"/>
-                <a:cs typeface="Poppins" panose="00000500000000000000" pitchFamily="2" charset="0"/>
-              </a:rPr>
-              <a:t>integrated </a:t>
-            </a:r>
-            <a:r>
-              <a:rPr lang="tr-TR" dirty="0">
-                <a:solidFill>
-                  <a:srgbClr val="5B636F"/>
-                </a:solidFill>
-                <a:latin typeface="Poppins" panose="00000500000000000000" pitchFamily="2" charset="0"/>
-                <a:cs typeface="Poppins" panose="00000500000000000000" pitchFamily="2" charset="0"/>
-              </a:rPr>
-              <a:t>to your </a:t>
-            </a:r>
-            <a:r>
-              <a:rPr lang="tr-TR" b="1" dirty="0">
-                <a:solidFill>
-                  <a:srgbClr val="5B636F"/>
-                </a:solidFill>
-                <a:latin typeface="Poppins" panose="00000500000000000000" pitchFamily="2" charset="0"/>
-                <a:cs typeface="Poppins" panose="00000500000000000000" pitchFamily="2" charset="0"/>
-              </a:rPr>
-              <a:t>solution</a:t>
-            </a:r>
-            <a:r>
-              <a:rPr lang="tr-TR" dirty="0">
-                <a:solidFill>
-                  <a:srgbClr val="5B636F"/>
-                </a:solidFill>
-                <a:latin typeface="Poppins" panose="00000500000000000000" pitchFamily="2" charset="0"/>
-                <a:cs typeface="Poppins" panose="00000500000000000000" pitchFamily="2" charset="0"/>
-              </a:rPr>
-              <a:t>: share database</a:t>
-            </a:r>
-            <a:r>
-              <a:rPr lang="tr-TR">
-                <a:solidFill>
-                  <a:srgbClr val="5B636F"/>
-                </a:solidFill>
-                <a:latin typeface="Poppins" panose="00000500000000000000" pitchFamily="2" charset="0"/>
-                <a:cs typeface="Poppins" panose="00000500000000000000" pitchFamily="2" charset="0"/>
-              </a:rPr>
-              <a:t>, codebase </a:t>
-            </a:r>
-            <a:r>
-              <a:rPr lang="tr-TR" dirty="0">
-                <a:solidFill>
-                  <a:srgbClr val="5B636F"/>
-                </a:solidFill>
-                <a:latin typeface="Poppins" panose="00000500000000000000" pitchFamily="2" charset="0"/>
-                <a:cs typeface="Poppins" panose="00000500000000000000" pitchFamily="2" charset="0"/>
-              </a:rPr>
-              <a:t>and other resources.</a:t>
-            </a:r>
-          </a:p>
-        </p:txBody>
-      </p:sp>
-    </p:spTree>
-    <p:extLst>
-      <p:ext uri="{BB962C8B-B14F-4D97-AF65-F5344CB8AC3E}">
-        <p14:creationId xmlns:p14="http://schemas.microsoft.com/office/powerpoint/2010/main" val="3015477356"/>
-      </p:ext>
-    </p:extLst>
-  </p:cSld>
-  <p:clrMapOvr>
-    <a:masterClrMapping/>
-  </p:clrMapOvr>
-  <p:timing>
-    <p:tnLst>
-      <p:par>
-        <p:cTn id="1" dur="indefinite" restart="never" nodeType="tmRoot">
-          <p:childTnLst>
-            <p:seq concurrent="1" nextAc="seek">
-              <p:cTn id="2" dur="indefinite" nodeType="mainSeq">
-                <p:childTnLst>
-                  <p:par>
-                    <p:cTn id="3" fill="hold">
-                      <p:stCondLst>
-                        <p:cond delay="indefinite"/>
-                      </p:stCondLst>
-                      <p:childTnLst>
-                        <p:par>
-                          <p:cTn id="4" fill="hold">
-                            <p:stCondLst>
-                              <p:cond delay="0"/>
-                            </p:stCondLst>
-                            <p:childTnLst>
-                              <p:par>
-                                <p:cTn id="5" presetID="10" presetClass="entr" presetSubtype="0" fill="hold" nodeType="clickEffect">
-                                  <p:stCondLst>
-                                    <p:cond delay="0"/>
-                                  </p:stCondLst>
-                                  <p:childTnLst>
-                                    <p:set>
-                                      <p:cBhvr>
-                                        <p:cTn id="6" dur="1" fill="hold">
-                                          <p:stCondLst>
-                                            <p:cond delay="0"/>
-                                          </p:stCondLst>
-                                        </p:cTn>
-                                        <p:tgtEl>
-                                          <p:spTgt spid="3">
-                                            <p:txEl>
-                                              <p:pRg st="0" end="0"/>
-                                            </p:txEl>
-                                          </p:spTgt>
-                                        </p:tgtEl>
-                                        <p:attrNameLst>
-                                          <p:attrName>style.visibility</p:attrName>
-                                        </p:attrNameLst>
-                                      </p:cBhvr>
-                                      <p:to>
-                                        <p:strVal val="visible"/>
-                                      </p:to>
-                                    </p:set>
-                                    <p:animEffect transition="in" filter="fade">
-                                      <p:cBhvr>
-                                        <p:cTn id="7" dur="500"/>
-                                        <p:tgtEl>
-                                          <p:spTgt spid="3">
-                                            <p:txEl>
-                                              <p:pRg st="0" end="0"/>
-                                            </p:txEl>
-                                          </p:spTgt>
-                                        </p:tgtEl>
-                                      </p:cBhvr>
-                                    </p:animEffect>
-                                  </p:childTnLst>
-                                </p:cTn>
-                              </p:par>
-                            </p:childTnLst>
-                          </p:cTn>
-                        </p:par>
-                      </p:childTnLst>
-                    </p:cTn>
-                  </p:par>
-                  <p:par>
-                    <p:cTn id="8" fill="hold">
-                      <p:stCondLst>
-                        <p:cond delay="indefinite"/>
-                      </p:stCondLst>
-                      <p:childTnLst>
-                        <p:par>
-                          <p:cTn id="9" fill="hold">
-                            <p:stCondLst>
-                              <p:cond delay="0"/>
-                            </p:stCondLst>
-                            <p:childTnLst>
-                              <p:par>
-                                <p:cTn id="10" presetID="10" presetClass="entr" presetSubtype="0" fill="hold" nodeType="clickEffect">
-                                  <p:stCondLst>
-                                    <p:cond delay="0"/>
-                                  </p:stCondLst>
-                                  <p:childTnLst>
-                                    <p:set>
-                                      <p:cBhvr>
-                                        <p:cTn id="11" dur="1" fill="hold">
-                                          <p:stCondLst>
-                                            <p:cond delay="0"/>
-                                          </p:stCondLst>
-                                        </p:cTn>
-                                        <p:tgtEl>
-                                          <p:spTgt spid="3">
-                                            <p:txEl>
-                                              <p:pRg st="1" end="1"/>
-                                            </p:txEl>
-                                          </p:spTgt>
-                                        </p:tgtEl>
-                                        <p:attrNameLst>
-                                          <p:attrName>style.visibility</p:attrName>
-                                        </p:attrNameLst>
-                                      </p:cBhvr>
-                                      <p:to>
-                                        <p:strVal val="visible"/>
-                                      </p:to>
-                                    </p:set>
-                                    <p:animEffect transition="in" filter="fade">
-                                      <p:cBhvr>
-                                        <p:cTn id="12" dur="500"/>
-                                        <p:tgtEl>
-                                          <p:spTgt spid="3">
-                                            <p:txEl>
-                                              <p:pRg st="1" end="1"/>
-                                            </p:txEl>
-                                          </p:spTgt>
-                                        </p:tgtEl>
-                                      </p:cBhvr>
-                                    </p:animEffect>
-                                  </p:childTnLst>
-                                </p:cTn>
-                              </p:par>
-                            </p:childTnLst>
-                          </p:cTn>
-                        </p:par>
-                      </p:childTnLst>
-                    </p:cTn>
-                  </p:par>
-                </p:childTnLst>
-              </p:cTn>
-              <p:prevCondLst>
-                <p:cond evt="onPrev" delay="0">
-                  <p:tgtEl>
-                    <p:sldTgt/>
-                  </p:tgtEl>
-                </p:cond>
-              </p:prevCondLst>
-              <p:nextCondLst>
-                <p:cond evt="onNext" delay="0">
-                  <p:tgtEl>
-                    <p:sldTgt/>
-                  </p:tgtEl>
-                </p:cond>
-              </p:nextCondLst>
-            </p:seq>
-          </p:childTnLst>
-        </p:cTn>
-      </p:par>
-    </p:tnLst>
-  </p:timing>
-</p:sld>
-</file>
-
-<file path=ppt/slides/slide4.xml><?xml version="1.0" encoding="utf-8"?>
-<p:sld xmlns:a="http://schemas.openxmlformats.org/drawingml/2006/main" xmlns:r="http://schemas.openxmlformats.org/officeDocument/2006/relationships" xmlns:p="http://schemas.openxmlformats.org/presentationml/2006/main">
-  <p:cSld>
-    <p:bg>
-      <p:bgPr>
-        <a:blipFill dpi="0" rotWithShape="1">
-          <a:blip r:embed="rId2">
-            <a:lum/>
-          </a:blip>
-          <a:srcRect/>
-          <a:stretch>
-            <a:fillRect/>
-          </a:stretch>
-        </a:blipFill>
-        <a:effectLst/>
-      </p:bgPr>
-    </p:bg>
-    <p:spTree>
-      <p:nvGrpSpPr>
-        <p:cNvPr id="1" name=""/>
-        <p:cNvGrpSpPr/>
-        <p:nvPr/>
-      </p:nvGrpSpPr>
-      <p:grpSpPr>
-        <a:xfrm>
-          <a:off x="0" y="0"/>
-          <a:ext cx="0" cy="0"/>
-          <a:chOff x="0" y="0"/>
-          <a:chExt cx="0" cy="0"/>
-        </a:xfrm>
-      </p:grpSpPr>
-      <p:sp>
-        <p:nvSpPr>
-          <p:cNvPr id="8" name="Metin kutusu 7">
-            <a:extLst>
-              <a:ext uri="{FF2B5EF4-FFF2-40B4-BE49-F238E27FC236}">
-                <a16:creationId xmlns:a16="http://schemas.microsoft.com/office/drawing/2014/main" id="{29D82957-8FD0-49FF-B99F-7F7BB3AB2C9F}"/>
-              </a:ext>
-            </a:extLst>
-          </p:cNvPr>
-          <p:cNvSpPr txBox="1"/>
-          <p:nvPr/>
-        </p:nvSpPr>
-        <p:spPr>
-          <a:xfrm>
-            <a:off x="714375" y="695325"/>
-            <a:ext cx="5125121" cy="584775"/>
-          </a:xfrm>
-          <a:prstGeom prst="rect">
-            <a:avLst/>
-          </a:prstGeom>
-          <a:noFill/>
-        </p:spPr>
-        <p:txBody>
-          <a:bodyPr wrap="none" rtlCol="0">
-            <a:spAutoFit/>
-          </a:bodyPr>
-          <a:lstStyle/>
-          <a:p>
-            <a:r>
-              <a:rPr lang="tr-TR" sz="3200" b="1" dirty="0">
-                <a:solidFill>
-                  <a:srgbClr val="292D33"/>
-                </a:solidFill>
-                <a:latin typeface="Lexend" pitchFamily="2" charset="0"/>
-              </a:rPr>
-              <a:t>ABP CMS Kit: Use Cases</a:t>
-            </a:r>
-          </a:p>
-        </p:txBody>
-      </p:sp>
-      <p:sp>
-        <p:nvSpPr>
-          <p:cNvPr id="3" name="Content Placeholder 2">
-            <a:extLst>
-              <a:ext uri="{FF2B5EF4-FFF2-40B4-BE49-F238E27FC236}">
-                <a16:creationId xmlns:a16="http://schemas.microsoft.com/office/drawing/2014/main" id="{38E3475F-B2DC-C5D6-FE0E-7C46ED4D1709}"/>
-              </a:ext>
-            </a:extLst>
-          </p:cNvPr>
-          <p:cNvSpPr>
-            <a:spLocks noGrp="1"/>
-          </p:cNvSpPr>
-          <p:nvPr>
-            <p:ph idx="1"/>
-          </p:nvPr>
-        </p:nvSpPr>
-        <p:spPr>
-          <a:xfrm>
-            <a:off x="714374" y="1472339"/>
-            <a:ext cx="10824114" cy="4285281"/>
-          </a:xfrm>
-        </p:spPr>
-        <p:txBody>
-          <a:bodyPr>
-            <a:normAutofit/>
-          </a:bodyPr>
-          <a:lstStyle/>
-          <a:p>
-            <a:r>
-              <a:rPr lang="tr-TR" dirty="0">
-                <a:solidFill>
-                  <a:srgbClr val="5B636F"/>
-                </a:solidFill>
-                <a:latin typeface="Poppins" panose="00000500000000000000" pitchFamily="2" charset="0"/>
-                <a:cs typeface="Poppins" panose="00000500000000000000" pitchFamily="2" charset="0"/>
-              </a:rPr>
-              <a:t>Company / personal </a:t>
-            </a:r>
-            <a:r>
-              <a:rPr lang="tr-TR" b="1" dirty="0">
-                <a:solidFill>
-                  <a:srgbClr val="5B636F"/>
-                </a:solidFill>
-                <a:latin typeface="Poppins" panose="00000500000000000000" pitchFamily="2" charset="0"/>
-                <a:cs typeface="Poppins" panose="00000500000000000000" pitchFamily="2" charset="0"/>
-              </a:rPr>
-              <a:t>blog</a:t>
-            </a:r>
-            <a:r>
-              <a:rPr lang="tr-TR" dirty="0">
-                <a:solidFill>
-                  <a:srgbClr val="5B636F"/>
-                </a:solidFill>
-                <a:latin typeface="Poppins" panose="00000500000000000000" pitchFamily="2" charset="0"/>
-                <a:cs typeface="Poppins" panose="00000500000000000000" pitchFamily="2" charset="0"/>
-              </a:rPr>
-              <a:t>/</a:t>
-            </a:r>
-            <a:r>
-              <a:rPr lang="tr-TR" b="1" dirty="0">
-                <a:solidFill>
-                  <a:srgbClr val="5B636F"/>
-                </a:solidFill>
-                <a:latin typeface="Poppins" panose="00000500000000000000" pitchFamily="2" charset="0"/>
-                <a:cs typeface="Poppins" panose="00000500000000000000" pitchFamily="2" charset="0"/>
-              </a:rPr>
-              <a:t>website </a:t>
-            </a:r>
-            <a:r>
-              <a:rPr lang="tr-TR" dirty="0">
-                <a:solidFill>
-                  <a:srgbClr val="5B636F"/>
-                </a:solidFill>
-                <a:latin typeface="Poppins" panose="00000500000000000000" pitchFamily="2" charset="0"/>
-                <a:cs typeface="Poppins" panose="00000500000000000000" pitchFamily="2" charset="0"/>
-              </a:rPr>
-              <a:t>with dynamic content</a:t>
-            </a:r>
-          </a:p>
-          <a:p>
-            <a:r>
-              <a:rPr lang="tr-TR" b="1" dirty="0">
-                <a:solidFill>
-                  <a:srgbClr val="5B636F"/>
-                </a:solidFill>
-                <a:latin typeface="Poppins" panose="00000500000000000000" pitchFamily="2" charset="0"/>
-                <a:cs typeface="Poppins" panose="00000500000000000000" pitchFamily="2" charset="0"/>
-              </a:rPr>
-              <a:t>Landing page </a:t>
-            </a:r>
-            <a:r>
-              <a:rPr lang="tr-TR" dirty="0">
-                <a:solidFill>
-                  <a:srgbClr val="5B636F"/>
-                </a:solidFill>
-                <a:latin typeface="Poppins" panose="00000500000000000000" pitchFamily="2" charset="0"/>
-                <a:cs typeface="Poppins" panose="00000500000000000000" pitchFamily="2" charset="0"/>
-              </a:rPr>
-              <a:t>for your product</a:t>
-            </a:r>
-          </a:p>
-          <a:p>
-            <a:r>
-              <a:rPr lang="tr-TR" b="1" dirty="0">
-                <a:solidFill>
-                  <a:srgbClr val="5B636F"/>
-                </a:solidFill>
-                <a:latin typeface="Poppins" panose="00000500000000000000" pitchFamily="2" charset="0"/>
-                <a:cs typeface="Poppins" panose="00000500000000000000" pitchFamily="2" charset="0"/>
-              </a:rPr>
-              <a:t>Public web application </a:t>
-            </a:r>
-            <a:r>
-              <a:rPr lang="tr-TR" dirty="0">
-                <a:solidFill>
-                  <a:srgbClr val="5B636F"/>
-                </a:solidFill>
-                <a:latin typeface="Poppins" panose="00000500000000000000" pitchFamily="2" charset="0"/>
-                <a:cs typeface="Poppins" panose="00000500000000000000" pitchFamily="2" charset="0"/>
-              </a:rPr>
-              <a:t>of your solution. Examples:</a:t>
-            </a:r>
-          </a:p>
-          <a:p>
-            <a:pPr lvl="1"/>
-            <a:r>
-              <a:rPr lang="tr-TR" sz="2800" dirty="0">
-                <a:solidFill>
-                  <a:srgbClr val="5B636F"/>
-                </a:solidFill>
-                <a:latin typeface="Poppins" panose="00000500000000000000" pitchFamily="2" charset="0"/>
-                <a:cs typeface="Poppins" panose="00000500000000000000" pitchFamily="2" charset="0"/>
-              </a:rPr>
-              <a:t>E-commerce, Rent a car, real estate, marketplace</a:t>
-            </a:r>
-          </a:p>
-        </p:txBody>
-      </p:sp>
-    </p:spTree>
-    <p:extLst>
-      <p:ext uri="{BB962C8B-B14F-4D97-AF65-F5344CB8AC3E}">
-        <p14:creationId xmlns:p14="http://schemas.microsoft.com/office/powerpoint/2010/main" val="512677454"/>
-      </p:ext>
-    </p:extLst>
-  </p:cSld>
-  <p:clrMapOvr>
-    <a:masterClrMapping/>
-  </p:clrMapOvr>
-  <p:timing>
-    <p:tnLst>
-      <p:par>
-        <p:cTn id="1" dur="indefinite" restart="never" nodeType="tmRoot">
-          <p:childTnLst>
-            <p:seq concurrent="1" nextAc="seek">
-              <p:cTn id="2" dur="indefinite" nodeType="mainSeq">
-                <p:childTnLst>
-                  <p:par>
-                    <p:cTn id="3" fill="hold">
-                      <p:stCondLst>
-                        <p:cond delay="indefinite"/>
-                      </p:stCondLst>
-                      <p:childTnLst>
-                        <p:par>
-                          <p:cTn id="4" fill="hold">
-                            <p:stCondLst>
-                              <p:cond delay="0"/>
-                            </p:stCondLst>
-                            <p:childTnLst>
-                              <p:par>
-                                <p:cTn id="5" presetID="10" presetClass="entr" presetSubtype="0" fill="hold" nodeType="clickEffect">
-                                  <p:stCondLst>
-                                    <p:cond delay="0"/>
-                                  </p:stCondLst>
-                                  <p:childTnLst>
-                                    <p:set>
-                                      <p:cBhvr>
-                                        <p:cTn id="6" dur="1" fill="hold">
-                                          <p:stCondLst>
-                                            <p:cond delay="0"/>
-                                          </p:stCondLst>
-                                        </p:cTn>
-                                        <p:tgtEl>
-                                          <p:spTgt spid="3">
-                                            <p:txEl>
-                                              <p:pRg st="0" end="0"/>
-                                            </p:txEl>
-                                          </p:spTgt>
-                                        </p:tgtEl>
-                                        <p:attrNameLst>
-                                          <p:attrName>style.visibility</p:attrName>
-                                        </p:attrNameLst>
-                                      </p:cBhvr>
-                                      <p:to>
-                                        <p:strVal val="visible"/>
-                                      </p:to>
-                                    </p:set>
-                                    <p:animEffect transition="in" filter="fade">
-                                      <p:cBhvr>
-                                        <p:cTn id="7" dur="500"/>
-                                        <p:tgtEl>
-                                          <p:spTgt spid="3">
-                                            <p:txEl>
-                                              <p:pRg st="0" end="0"/>
-                                            </p:txEl>
-                                          </p:spTgt>
-                                        </p:tgtEl>
-                                      </p:cBhvr>
-                                    </p:animEffect>
-                                  </p:childTnLst>
-                                </p:cTn>
-                              </p:par>
-                            </p:childTnLst>
-                          </p:cTn>
-                        </p:par>
-                      </p:childTnLst>
-                    </p:cTn>
-                  </p:par>
-                  <p:par>
-                    <p:cTn id="8" fill="hold">
-                      <p:stCondLst>
-                        <p:cond delay="indefinite"/>
-                      </p:stCondLst>
-                      <p:childTnLst>
-                        <p:par>
-                          <p:cTn id="9" fill="hold">
-                            <p:stCondLst>
-                              <p:cond delay="0"/>
-                            </p:stCondLst>
-                            <p:childTnLst>
-                              <p:par>
-                                <p:cTn id="10" presetID="10" presetClass="entr" presetSubtype="0" fill="hold" nodeType="clickEffect">
-                                  <p:stCondLst>
-                                    <p:cond delay="0"/>
-                                  </p:stCondLst>
-                                  <p:childTnLst>
-                                    <p:set>
-                                      <p:cBhvr>
-                                        <p:cTn id="11" dur="1" fill="hold">
-                                          <p:stCondLst>
-                                            <p:cond delay="0"/>
-                                          </p:stCondLst>
-                                        </p:cTn>
-                                        <p:tgtEl>
-                                          <p:spTgt spid="3">
-                                            <p:txEl>
-                                              <p:pRg st="1" end="1"/>
-                                            </p:txEl>
-                                          </p:spTgt>
-                                        </p:tgtEl>
-                                        <p:attrNameLst>
-                                          <p:attrName>style.visibility</p:attrName>
-                                        </p:attrNameLst>
-                                      </p:cBhvr>
-                                      <p:to>
-                                        <p:strVal val="visible"/>
-                                      </p:to>
-                                    </p:set>
-                                    <p:animEffect transition="in" filter="fade">
-                                      <p:cBhvr>
-                                        <p:cTn id="12" dur="500"/>
-                                        <p:tgtEl>
-                                          <p:spTgt spid="3">
-                                            <p:txEl>
-                                              <p:pRg st="1" end="1"/>
-                                            </p:txEl>
-                                          </p:spTgt>
-                                        </p:tgtEl>
-                                      </p:cBhvr>
-                                    </p:animEffect>
-                                  </p:childTnLst>
-                                </p:cTn>
-                              </p:par>
-                            </p:childTnLst>
-                          </p:cTn>
-                        </p:par>
-                      </p:childTnLst>
-                    </p:cTn>
-                  </p:par>
-                  <p:par>
-                    <p:cTn id="13" fill="hold">
-                      <p:stCondLst>
-                        <p:cond delay="indefinite"/>
-                      </p:stCondLst>
-                      <p:childTnLst>
-                        <p:par>
-                          <p:cTn id="14" fill="hold">
-                            <p:stCondLst>
-                              <p:cond delay="0"/>
-                            </p:stCondLst>
-                            <p:childTnLst>
-                              <p:par>
-                                <p:cTn id="15" presetID="10" presetClass="entr" presetSubtype="0" fill="hold" nodeType="clickEffect">
-                                  <p:stCondLst>
-                                    <p:cond delay="0"/>
-                                  </p:stCondLst>
-                                  <p:childTnLst>
-                                    <p:set>
-                                      <p:cBhvr>
-                                        <p:cTn id="16" dur="1" fill="hold">
-                                          <p:stCondLst>
-                                            <p:cond delay="0"/>
-                                          </p:stCondLst>
-                                        </p:cTn>
-                                        <p:tgtEl>
-                                          <p:spTgt spid="3">
-                                            <p:txEl>
-                                              <p:pRg st="2" end="2"/>
-                                            </p:txEl>
-                                          </p:spTgt>
-                                        </p:tgtEl>
-                                        <p:attrNameLst>
-                                          <p:attrName>style.visibility</p:attrName>
-                                        </p:attrNameLst>
-                                      </p:cBhvr>
-                                      <p:to>
-                                        <p:strVal val="visible"/>
-                                      </p:to>
-                                    </p:set>
-                                    <p:animEffect transition="in" filter="fade">
-                                      <p:cBhvr>
-                                        <p:cTn id="17" dur="500"/>
-                                        <p:tgtEl>
-                                          <p:spTgt spid="3">
-                                            <p:txEl>
-                                              <p:pRg st="2" end="2"/>
-                                            </p:txEl>
-                                          </p:spTgt>
-                                        </p:tgtEl>
-                                      </p:cBhvr>
-                                    </p:animEffect>
-                                  </p:childTnLst>
-                                </p:cTn>
-                              </p:par>
-                              <p:par>
-                                <p:cTn id="18" presetID="10" presetClass="entr" presetSubtype="0" fill="hold" nodeType="withEffect">
-                                  <p:stCondLst>
-                                    <p:cond delay="0"/>
-                                  </p:stCondLst>
-                                  <p:childTnLst>
-                                    <p:set>
-                                      <p:cBhvr>
-                                        <p:cTn id="19" dur="1" fill="hold">
-                                          <p:stCondLst>
-                                            <p:cond delay="0"/>
-                                          </p:stCondLst>
-                                        </p:cTn>
-                                        <p:tgtEl>
-                                          <p:spTgt spid="3">
-                                            <p:txEl>
-                                              <p:pRg st="3" end="3"/>
-                                            </p:txEl>
-                                          </p:spTgt>
-                                        </p:tgtEl>
-                                        <p:attrNameLst>
-                                          <p:attrName>style.visibility</p:attrName>
-                                        </p:attrNameLst>
-                                      </p:cBhvr>
-                                      <p:to>
-                                        <p:strVal val="visible"/>
-                                      </p:to>
-                                    </p:set>
-                                    <p:animEffect transition="in" filter="fade">
-                                      <p:cBhvr>
-                                        <p:cTn id="20" dur="500"/>
-                                        <p:tgtEl>
-                                          <p:spTgt spid="3">
-                                            <p:txEl>
-                                              <p:pRg st="3" end="3"/>
-                                            </p:txEl>
-                                          </p:spTgt>
-                                        </p:tgtEl>
-                                      </p:cBhvr>
-                                    </p:animEffect>
-                                  </p:childTnLst>
-                                </p:cTn>
-                              </p:par>
-                            </p:childTnLst>
-                          </p:cTn>
-                        </p:par>
-                      </p:childTnLst>
-                    </p:cTn>
-                  </p:par>
-                </p:childTnLst>
-              </p:cTn>
-              <p:prevCondLst>
-                <p:cond evt="onPrev" delay="0">
-                  <p:tgtEl>
-                    <p:sldTgt/>
-                  </p:tgtEl>
-                </p:cond>
-              </p:prevCondLst>
-              <p:nextCondLst>
-                <p:cond evt="onNext" delay="0">
-                  <p:tgtEl>
-                    <p:sldTgt/>
-                  </p:tgtEl>
-                </p:cond>
-              </p:nextCondLst>
-            </p:seq>
-          </p:childTnLst>
-        </p:cTn>
-      </p:par>
-    </p:tnLst>
-  </p:timing>
-</p:sld>
-</file>
-
-<file path=ppt/slides/slide5.xml><?xml version="1.0" encoding="utf-8"?>
 <p:sld xmlns:a="http://schemas.openxmlformats.org/drawingml/2006/main" xmlns:r="http://schemas.openxmlformats.org/officeDocument/2006/relationships" xmlns:p="http://schemas.openxmlformats.org/presentationml/2006/main">
   <p:cSld>
     <p:bg>
@@ -7739,7 +6882,7 @@
 </p:sld>
 </file>
 
-<file path=ppt/slides/slide6.xml><?xml version="1.0" encoding="utf-8"?>
+<file path=ppt/slides/slide4.xml><?xml version="1.0" encoding="utf-8"?>
 <p:sld xmlns:a="http://schemas.openxmlformats.org/drawingml/2006/main" xmlns:r="http://schemas.openxmlformats.org/officeDocument/2006/relationships" xmlns:p="http://schemas.openxmlformats.org/presentationml/2006/main">
   <p:cSld>
     <p:bg>
@@ -8335,6 +7478,843 @@
                                           <p:spTgt spid="3">
                                             <p:txEl>
                                               <p:pRg st="4" end="4"/>
+                                            </p:txEl>
+                                          </p:spTgt>
+                                        </p:tgtEl>
+                                      </p:cBhvr>
+                                    </p:animEffect>
+                                  </p:childTnLst>
+                                </p:cTn>
+                              </p:par>
+                            </p:childTnLst>
+                          </p:cTn>
+                        </p:par>
+                      </p:childTnLst>
+                    </p:cTn>
+                  </p:par>
+                </p:childTnLst>
+              </p:cTn>
+              <p:prevCondLst>
+                <p:cond evt="onPrev" delay="0">
+                  <p:tgtEl>
+                    <p:sldTgt/>
+                  </p:tgtEl>
+                </p:cond>
+              </p:prevCondLst>
+              <p:nextCondLst>
+                <p:cond evt="onNext" delay="0">
+                  <p:tgtEl>
+                    <p:sldTgt/>
+                  </p:tgtEl>
+                </p:cond>
+              </p:nextCondLst>
+            </p:seq>
+          </p:childTnLst>
+        </p:cTn>
+      </p:par>
+    </p:tnLst>
+  </p:timing>
+</p:sld>
+</file>
+
+<file path=ppt/slides/slide5.xml><?xml version="1.0" encoding="utf-8"?>
+<p:sld xmlns:a="http://schemas.openxmlformats.org/drawingml/2006/main" xmlns:r="http://schemas.openxmlformats.org/officeDocument/2006/relationships" xmlns:p="http://schemas.openxmlformats.org/presentationml/2006/main">
+  <p:cSld>
+    <p:bg>
+      <p:bgPr>
+        <a:blipFill dpi="0" rotWithShape="1">
+          <a:blip r:embed="rId2">
+            <a:lum/>
+          </a:blip>
+          <a:srcRect/>
+          <a:stretch>
+            <a:fillRect/>
+          </a:stretch>
+        </a:blipFill>
+        <a:effectLst/>
+      </p:bgPr>
+    </p:bg>
+    <p:spTree>
+      <p:nvGrpSpPr>
+        <p:cNvPr id="1" name=""/>
+        <p:cNvGrpSpPr/>
+        <p:nvPr/>
+      </p:nvGrpSpPr>
+      <p:grpSpPr>
+        <a:xfrm>
+          <a:off x="0" y="0"/>
+          <a:ext cx="0" cy="0"/>
+          <a:chOff x="0" y="0"/>
+          <a:chExt cx="0" cy="0"/>
+        </a:xfrm>
+      </p:grpSpPr>
+      <p:sp>
+        <p:nvSpPr>
+          <p:cNvPr id="8" name="Metin kutusu 7">
+            <a:extLst>
+              <a:ext uri="{FF2B5EF4-FFF2-40B4-BE49-F238E27FC236}">
+                <a16:creationId xmlns:a16="http://schemas.microsoft.com/office/drawing/2014/main" id="{29D82957-8FD0-49FF-B99F-7F7BB3AB2C9F}"/>
+              </a:ext>
+            </a:extLst>
+          </p:cNvPr>
+          <p:cNvSpPr txBox="1"/>
+          <p:nvPr/>
+        </p:nvSpPr>
+        <p:spPr>
+          <a:xfrm>
+            <a:off x="714375" y="695325"/>
+            <a:ext cx="7866256" cy="584775"/>
+          </a:xfrm>
+          <a:prstGeom prst="rect">
+            <a:avLst/>
+          </a:prstGeom>
+          <a:noFill/>
+        </p:spPr>
+        <p:txBody>
+          <a:bodyPr wrap="none" rtlCol="0">
+            <a:spAutoFit/>
+          </a:bodyPr>
+          <a:lstStyle/>
+          <a:p>
+            <a:r>
+              <a:rPr lang="tr-TR" sz="3200" b="1" dirty="0">
+                <a:solidFill>
+                  <a:srgbClr val="292D33"/>
+                </a:solidFill>
+                <a:latin typeface="Lexend" pitchFamily="2" charset="0"/>
+              </a:rPr>
+              <a:t>ABP CMS Kit: Why should you use it?</a:t>
+            </a:r>
+          </a:p>
+        </p:txBody>
+      </p:sp>
+      <p:sp>
+        <p:nvSpPr>
+          <p:cNvPr id="3" name="Content Placeholder 2">
+            <a:extLst>
+              <a:ext uri="{FF2B5EF4-FFF2-40B4-BE49-F238E27FC236}">
+                <a16:creationId xmlns:a16="http://schemas.microsoft.com/office/drawing/2014/main" id="{38E3475F-B2DC-C5D6-FE0E-7C46ED4D1709}"/>
+              </a:ext>
+            </a:extLst>
+          </p:cNvPr>
+          <p:cNvSpPr>
+            <a:spLocks noGrp="1"/>
+          </p:cNvSpPr>
+          <p:nvPr>
+            <p:ph idx="1"/>
+          </p:nvPr>
+        </p:nvSpPr>
+        <p:spPr>
+          <a:xfrm>
+            <a:off x="714374" y="1472339"/>
+            <a:ext cx="10824114" cy="4285281"/>
+          </a:xfrm>
+        </p:spPr>
+        <p:txBody>
+          <a:bodyPr>
+            <a:normAutofit/>
+          </a:bodyPr>
+          <a:lstStyle/>
+          <a:p>
+            <a:r>
+              <a:rPr lang="tr-TR" dirty="0">
+                <a:solidFill>
+                  <a:srgbClr val="5B636F"/>
+                </a:solidFill>
+                <a:latin typeface="Poppins" panose="00000500000000000000" pitchFamily="2" charset="0"/>
+                <a:cs typeface="Poppins" panose="00000500000000000000" pitchFamily="2" charset="0"/>
+              </a:rPr>
+              <a:t>To create a </a:t>
+            </a:r>
+            <a:r>
+              <a:rPr lang="tr-TR" b="1" dirty="0">
+                <a:solidFill>
+                  <a:srgbClr val="5B636F"/>
+                </a:solidFill>
+                <a:latin typeface="Poppins" panose="00000500000000000000" pitchFamily="2" charset="0"/>
+                <a:cs typeface="Poppins" panose="00000500000000000000" pitchFamily="2" charset="0"/>
+              </a:rPr>
+              <a:t>custom application </a:t>
+            </a:r>
+            <a:r>
+              <a:rPr lang="tr-TR" dirty="0">
+                <a:solidFill>
+                  <a:srgbClr val="5B636F"/>
+                </a:solidFill>
+                <a:latin typeface="Poppins" panose="00000500000000000000" pitchFamily="2" charset="0"/>
+                <a:cs typeface="Poppins" panose="00000500000000000000" pitchFamily="2" charset="0"/>
+              </a:rPr>
+              <a:t>with CMS features, not a CMS with </a:t>
+            </a:r>
+            <a:r>
+              <a:rPr lang="tr-TR" b="1" dirty="0">
+                <a:solidFill>
+                  <a:srgbClr val="5B636F"/>
+                </a:solidFill>
+                <a:latin typeface="Poppins" panose="00000500000000000000" pitchFamily="2" charset="0"/>
+                <a:cs typeface="Poppins" panose="00000500000000000000" pitchFamily="2" charset="0"/>
+              </a:rPr>
+              <a:t>custom code</a:t>
+            </a:r>
+          </a:p>
+          <a:p>
+            <a:r>
+              <a:rPr lang="tr-TR" dirty="0">
+                <a:solidFill>
+                  <a:srgbClr val="5B636F"/>
+                </a:solidFill>
+                <a:latin typeface="Poppins" panose="00000500000000000000" pitchFamily="2" charset="0"/>
+                <a:cs typeface="Poppins" panose="00000500000000000000" pitchFamily="2" charset="0"/>
+              </a:rPr>
+              <a:t>It is fully </a:t>
+            </a:r>
+            <a:r>
+              <a:rPr lang="tr-TR" b="1" dirty="0">
+                <a:solidFill>
+                  <a:srgbClr val="5B636F"/>
+                </a:solidFill>
+                <a:latin typeface="Poppins" panose="00000500000000000000" pitchFamily="2" charset="0"/>
+                <a:cs typeface="Poppins" panose="00000500000000000000" pitchFamily="2" charset="0"/>
+              </a:rPr>
+              <a:t>integrated </a:t>
+            </a:r>
+            <a:r>
+              <a:rPr lang="tr-TR" dirty="0">
+                <a:solidFill>
+                  <a:srgbClr val="5B636F"/>
+                </a:solidFill>
+                <a:latin typeface="Poppins" panose="00000500000000000000" pitchFamily="2" charset="0"/>
+                <a:cs typeface="Poppins" panose="00000500000000000000" pitchFamily="2" charset="0"/>
+              </a:rPr>
+              <a:t>to your </a:t>
+            </a:r>
+            <a:r>
+              <a:rPr lang="tr-TR" b="1" dirty="0">
+                <a:solidFill>
+                  <a:srgbClr val="5B636F"/>
+                </a:solidFill>
+                <a:latin typeface="Poppins" panose="00000500000000000000" pitchFamily="2" charset="0"/>
+                <a:cs typeface="Poppins" panose="00000500000000000000" pitchFamily="2" charset="0"/>
+              </a:rPr>
+              <a:t>solution</a:t>
+            </a:r>
+            <a:r>
+              <a:rPr lang="tr-TR" dirty="0">
+                <a:solidFill>
+                  <a:srgbClr val="5B636F"/>
+                </a:solidFill>
+                <a:latin typeface="Poppins" panose="00000500000000000000" pitchFamily="2" charset="0"/>
+                <a:cs typeface="Poppins" panose="00000500000000000000" pitchFamily="2" charset="0"/>
+              </a:rPr>
+              <a:t>: share database, codebase and other resources.</a:t>
+            </a:r>
+          </a:p>
+        </p:txBody>
+      </p:sp>
+    </p:spTree>
+    <p:extLst>
+      <p:ext uri="{BB962C8B-B14F-4D97-AF65-F5344CB8AC3E}">
+        <p14:creationId xmlns:p14="http://schemas.microsoft.com/office/powerpoint/2010/main" val="3015477356"/>
+      </p:ext>
+    </p:extLst>
+  </p:cSld>
+  <p:clrMapOvr>
+    <a:masterClrMapping/>
+  </p:clrMapOvr>
+  <p:timing>
+    <p:tnLst>
+      <p:par>
+        <p:cTn id="1" dur="indefinite" restart="never" nodeType="tmRoot">
+          <p:childTnLst>
+            <p:seq concurrent="1" nextAc="seek">
+              <p:cTn id="2" dur="indefinite" nodeType="mainSeq">
+                <p:childTnLst>
+                  <p:par>
+                    <p:cTn id="3" fill="hold">
+                      <p:stCondLst>
+                        <p:cond delay="indefinite"/>
+                      </p:stCondLst>
+                      <p:childTnLst>
+                        <p:par>
+                          <p:cTn id="4" fill="hold">
+                            <p:stCondLst>
+                              <p:cond delay="0"/>
+                            </p:stCondLst>
+                            <p:childTnLst>
+                              <p:par>
+                                <p:cTn id="5" presetID="10" presetClass="entr" presetSubtype="0" fill="hold" nodeType="clickEffect">
+                                  <p:stCondLst>
+                                    <p:cond delay="0"/>
+                                  </p:stCondLst>
+                                  <p:childTnLst>
+                                    <p:set>
+                                      <p:cBhvr>
+                                        <p:cTn id="6" dur="1" fill="hold">
+                                          <p:stCondLst>
+                                            <p:cond delay="0"/>
+                                          </p:stCondLst>
+                                        </p:cTn>
+                                        <p:tgtEl>
+                                          <p:spTgt spid="3">
+                                            <p:txEl>
+                                              <p:pRg st="0" end="0"/>
+                                            </p:txEl>
+                                          </p:spTgt>
+                                        </p:tgtEl>
+                                        <p:attrNameLst>
+                                          <p:attrName>style.visibility</p:attrName>
+                                        </p:attrNameLst>
+                                      </p:cBhvr>
+                                      <p:to>
+                                        <p:strVal val="visible"/>
+                                      </p:to>
+                                    </p:set>
+                                    <p:animEffect transition="in" filter="fade">
+                                      <p:cBhvr>
+                                        <p:cTn id="7" dur="500"/>
+                                        <p:tgtEl>
+                                          <p:spTgt spid="3">
+                                            <p:txEl>
+                                              <p:pRg st="0" end="0"/>
+                                            </p:txEl>
+                                          </p:spTgt>
+                                        </p:tgtEl>
+                                      </p:cBhvr>
+                                    </p:animEffect>
+                                  </p:childTnLst>
+                                </p:cTn>
+                              </p:par>
+                            </p:childTnLst>
+                          </p:cTn>
+                        </p:par>
+                      </p:childTnLst>
+                    </p:cTn>
+                  </p:par>
+                  <p:par>
+                    <p:cTn id="8" fill="hold">
+                      <p:stCondLst>
+                        <p:cond delay="indefinite"/>
+                      </p:stCondLst>
+                      <p:childTnLst>
+                        <p:par>
+                          <p:cTn id="9" fill="hold">
+                            <p:stCondLst>
+                              <p:cond delay="0"/>
+                            </p:stCondLst>
+                            <p:childTnLst>
+                              <p:par>
+                                <p:cTn id="10" presetID="10" presetClass="entr" presetSubtype="0" fill="hold" nodeType="clickEffect">
+                                  <p:stCondLst>
+                                    <p:cond delay="0"/>
+                                  </p:stCondLst>
+                                  <p:childTnLst>
+                                    <p:set>
+                                      <p:cBhvr>
+                                        <p:cTn id="11" dur="1" fill="hold">
+                                          <p:stCondLst>
+                                            <p:cond delay="0"/>
+                                          </p:stCondLst>
+                                        </p:cTn>
+                                        <p:tgtEl>
+                                          <p:spTgt spid="3">
+                                            <p:txEl>
+                                              <p:pRg st="1" end="1"/>
+                                            </p:txEl>
+                                          </p:spTgt>
+                                        </p:tgtEl>
+                                        <p:attrNameLst>
+                                          <p:attrName>style.visibility</p:attrName>
+                                        </p:attrNameLst>
+                                      </p:cBhvr>
+                                      <p:to>
+                                        <p:strVal val="visible"/>
+                                      </p:to>
+                                    </p:set>
+                                    <p:animEffect transition="in" filter="fade">
+                                      <p:cBhvr>
+                                        <p:cTn id="12" dur="500"/>
+                                        <p:tgtEl>
+                                          <p:spTgt spid="3">
+                                            <p:txEl>
+                                              <p:pRg st="1" end="1"/>
+                                            </p:txEl>
+                                          </p:spTgt>
+                                        </p:tgtEl>
+                                      </p:cBhvr>
+                                    </p:animEffect>
+                                  </p:childTnLst>
+                                </p:cTn>
+                              </p:par>
+                            </p:childTnLst>
+                          </p:cTn>
+                        </p:par>
+                      </p:childTnLst>
+                    </p:cTn>
+                  </p:par>
+                </p:childTnLst>
+              </p:cTn>
+              <p:prevCondLst>
+                <p:cond evt="onPrev" delay="0">
+                  <p:tgtEl>
+                    <p:sldTgt/>
+                  </p:tgtEl>
+                </p:cond>
+              </p:prevCondLst>
+              <p:nextCondLst>
+                <p:cond evt="onNext" delay="0">
+                  <p:tgtEl>
+                    <p:sldTgt/>
+                  </p:tgtEl>
+                </p:cond>
+              </p:nextCondLst>
+            </p:seq>
+          </p:childTnLst>
+        </p:cTn>
+      </p:par>
+    </p:tnLst>
+  </p:timing>
+</p:sld>
+</file>
+
+<file path=ppt/slides/slide6.xml><?xml version="1.0" encoding="utf-8"?>
+<p:sld xmlns:a="http://schemas.openxmlformats.org/drawingml/2006/main" xmlns:r="http://schemas.openxmlformats.org/officeDocument/2006/relationships" xmlns:p="http://schemas.openxmlformats.org/presentationml/2006/main">
+  <p:cSld>
+    <p:bg>
+      <p:bgPr>
+        <a:blipFill dpi="0" rotWithShape="1">
+          <a:blip r:embed="rId2">
+            <a:lum/>
+          </a:blip>
+          <a:srcRect/>
+          <a:stretch>
+            <a:fillRect/>
+          </a:stretch>
+        </a:blipFill>
+        <a:effectLst/>
+      </p:bgPr>
+    </p:bg>
+    <p:spTree>
+      <p:nvGrpSpPr>
+        <p:cNvPr id="1" name=""/>
+        <p:cNvGrpSpPr/>
+        <p:nvPr/>
+      </p:nvGrpSpPr>
+      <p:grpSpPr>
+        <a:xfrm>
+          <a:off x="0" y="0"/>
+          <a:ext cx="0" cy="0"/>
+          <a:chOff x="0" y="0"/>
+          <a:chExt cx="0" cy="0"/>
+        </a:xfrm>
+      </p:grpSpPr>
+      <p:sp>
+        <p:nvSpPr>
+          <p:cNvPr id="8" name="Metin kutusu 7">
+            <a:extLst>
+              <a:ext uri="{FF2B5EF4-FFF2-40B4-BE49-F238E27FC236}">
+                <a16:creationId xmlns:a16="http://schemas.microsoft.com/office/drawing/2014/main" id="{29D82957-8FD0-49FF-B99F-7F7BB3AB2C9F}"/>
+              </a:ext>
+            </a:extLst>
+          </p:cNvPr>
+          <p:cNvSpPr txBox="1"/>
+          <p:nvPr/>
+        </p:nvSpPr>
+        <p:spPr>
+          <a:xfrm>
+            <a:off x="714375" y="695325"/>
+            <a:ext cx="5125121" cy="584775"/>
+          </a:xfrm>
+          <a:prstGeom prst="rect">
+            <a:avLst/>
+          </a:prstGeom>
+          <a:noFill/>
+        </p:spPr>
+        <p:txBody>
+          <a:bodyPr wrap="none" rtlCol="0">
+            <a:spAutoFit/>
+          </a:bodyPr>
+          <a:lstStyle/>
+          <a:p>
+            <a:r>
+              <a:rPr lang="tr-TR" sz="3200" b="1" dirty="0">
+                <a:solidFill>
+                  <a:srgbClr val="292D33"/>
+                </a:solidFill>
+                <a:latin typeface="Lexend" pitchFamily="2" charset="0"/>
+              </a:rPr>
+              <a:t>ABP CMS Kit: Use Cases</a:t>
+            </a:r>
+          </a:p>
+        </p:txBody>
+      </p:sp>
+      <p:sp>
+        <p:nvSpPr>
+          <p:cNvPr id="3" name="Content Placeholder 2">
+            <a:extLst>
+              <a:ext uri="{FF2B5EF4-FFF2-40B4-BE49-F238E27FC236}">
+                <a16:creationId xmlns:a16="http://schemas.microsoft.com/office/drawing/2014/main" id="{38E3475F-B2DC-C5D6-FE0E-7C46ED4D1709}"/>
+              </a:ext>
+            </a:extLst>
+          </p:cNvPr>
+          <p:cNvSpPr>
+            <a:spLocks noGrp="1"/>
+          </p:cNvSpPr>
+          <p:nvPr>
+            <p:ph idx="1"/>
+          </p:nvPr>
+        </p:nvSpPr>
+        <p:spPr>
+          <a:xfrm>
+            <a:off x="714374" y="1472339"/>
+            <a:ext cx="10824114" cy="4285281"/>
+          </a:xfrm>
+        </p:spPr>
+        <p:txBody>
+          <a:bodyPr>
+            <a:normAutofit/>
+          </a:bodyPr>
+          <a:lstStyle/>
+          <a:p>
+            <a:r>
+              <a:rPr lang="tr-TR" dirty="0">
+                <a:solidFill>
+                  <a:srgbClr val="5B636F"/>
+                </a:solidFill>
+                <a:latin typeface="Poppins" panose="00000500000000000000" pitchFamily="2" charset="0"/>
+                <a:cs typeface="Poppins" panose="00000500000000000000" pitchFamily="2" charset="0"/>
+              </a:rPr>
+              <a:t>Company / personal </a:t>
+            </a:r>
+            <a:r>
+              <a:rPr lang="tr-TR" b="1" dirty="0">
+                <a:solidFill>
+                  <a:srgbClr val="5B636F"/>
+                </a:solidFill>
+                <a:latin typeface="Poppins" panose="00000500000000000000" pitchFamily="2" charset="0"/>
+                <a:cs typeface="Poppins" panose="00000500000000000000" pitchFamily="2" charset="0"/>
+              </a:rPr>
+              <a:t>blog</a:t>
+            </a:r>
+            <a:r>
+              <a:rPr lang="tr-TR" dirty="0">
+                <a:solidFill>
+                  <a:srgbClr val="5B636F"/>
+                </a:solidFill>
+                <a:latin typeface="Poppins" panose="00000500000000000000" pitchFamily="2" charset="0"/>
+                <a:cs typeface="Poppins" panose="00000500000000000000" pitchFamily="2" charset="0"/>
+              </a:rPr>
+              <a:t>/</a:t>
+            </a:r>
+            <a:r>
+              <a:rPr lang="tr-TR" b="1" dirty="0">
+                <a:solidFill>
+                  <a:srgbClr val="5B636F"/>
+                </a:solidFill>
+                <a:latin typeface="Poppins" panose="00000500000000000000" pitchFamily="2" charset="0"/>
+                <a:cs typeface="Poppins" panose="00000500000000000000" pitchFamily="2" charset="0"/>
+              </a:rPr>
+              <a:t>website </a:t>
+            </a:r>
+            <a:r>
+              <a:rPr lang="tr-TR" dirty="0">
+                <a:solidFill>
+                  <a:srgbClr val="5B636F"/>
+                </a:solidFill>
+                <a:latin typeface="Poppins" panose="00000500000000000000" pitchFamily="2" charset="0"/>
+                <a:cs typeface="Poppins" panose="00000500000000000000" pitchFamily="2" charset="0"/>
+              </a:rPr>
+              <a:t>with dynamic content</a:t>
+            </a:r>
+          </a:p>
+          <a:p>
+            <a:r>
+              <a:rPr lang="tr-TR" b="1" dirty="0">
+                <a:solidFill>
+                  <a:srgbClr val="5B636F"/>
+                </a:solidFill>
+                <a:latin typeface="Poppins" panose="00000500000000000000" pitchFamily="2" charset="0"/>
+                <a:cs typeface="Poppins" panose="00000500000000000000" pitchFamily="2" charset="0"/>
+              </a:rPr>
+              <a:t>Landing page </a:t>
+            </a:r>
+            <a:r>
+              <a:rPr lang="tr-TR" dirty="0">
+                <a:solidFill>
+                  <a:srgbClr val="5B636F"/>
+                </a:solidFill>
+                <a:latin typeface="Poppins" panose="00000500000000000000" pitchFamily="2" charset="0"/>
+                <a:cs typeface="Poppins" panose="00000500000000000000" pitchFamily="2" charset="0"/>
+              </a:rPr>
+              <a:t>for your product</a:t>
+            </a:r>
+          </a:p>
+          <a:p>
+            <a:r>
+              <a:rPr lang="tr-TR" b="1" dirty="0">
+                <a:solidFill>
+                  <a:srgbClr val="5B636F"/>
+                </a:solidFill>
+                <a:latin typeface="Poppins" panose="00000500000000000000" pitchFamily="2" charset="0"/>
+                <a:cs typeface="Poppins" panose="00000500000000000000" pitchFamily="2" charset="0"/>
+              </a:rPr>
+              <a:t>Public web application </a:t>
+            </a:r>
+            <a:r>
+              <a:rPr lang="tr-TR" dirty="0">
+                <a:solidFill>
+                  <a:srgbClr val="5B636F"/>
+                </a:solidFill>
+                <a:latin typeface="Poppins" panose="00000500000000000000" pitchFamily="2" charset="0"/>
+                <a:cs typeface="Poppins" panose="00000500000000000000" pitchFamily="2" charset="0"/>
+              </a:rPr>
+              <a:t>of your solution. Examples:</a:t>
+            </a:r>
+          </a:p>
+          <a:p>
+            <a:pPr lvl="1"/>
+            <a:r>
+              <a:rPr lang="tr-TR" sz="2800" dirty="0">
+                <a:solidFill>
+                  <a:srgbClr val="5B636F"/>
+                </a:solidFill>
+                <a:latin typeface="Poppins" panose="00000500000000000000" pitchFamily="2" charset="0"/>
+                <a:cs typeface="Poppins" panose="00000500000000000000" pitchFamily="2" charset="0"/>
+              </a:rPr>
+              <a:t>E-commerce, Rent a car, real estate, marketplace</a:t>
+            </a:r>
+          </a:p>
+        </p:txBody>
+      </p:sp>
+    </p:spTree>
+    <p:extLst>
+      <p:ext uri="{BB962C8B-B14F-4D97-AF65-F5344CB8AC3E}">
+        <p14:creationId xmlns:p14="http://schemas.microsoft.com/office/powerpoint/2010/main" val="512677454"/>
+      </p:ext>
+    </p:extLst>
+  </p:cSld>
+  <p:clrMapOvr>
+    <a:masterClrMapping/>
+  </p:clrMapOvr>
+  <p:timing>
+    <p:tnLst>
+      <p:par>
+        <p:cTn id="1" dur="indefinite" restart="never" nodeType="tmRoot">
+          <p:childTnLst>
+            <p:seq concurrent="1" nextAc="seek">
+              <p:cTn id="2" dur="indefinite" nodeType="mainSeq">
+                <p:childTnLst>
+                  <p:par>
+                    <p:cTn id="3" fill="hold">
+                      <p:stCondLst>
+                        <p:cond delay="indefinite"/>
+                      </p:stCondLst>
+                      <p:childTnLst>
+                        <p:par>
+                          <p:cTn id="4" fill="hold">
+                            <p:stCondLst>
+                              <p:cond delay="0"/>
+                            </p:stCondLst>
+                            <p:childTnLst>
+                              <p:par>
+                                <p:cTn id="5" presetID="10" presetClass="entr" presetSubtype="0" fill="hold" nodeType="clickEffect">
+                                  <p:stCondLst>
+                                    <p:cond delay="0"/>
+                                  </p:stCondLst>
+                                  <p:childTnLst>
+                                    <p:set>
+                                      <p:cBhvr>
+                                        <p:cTn id="6" dur="1" fill="hold">
+                                          <p:stCondLst>
+                                            <p:cond delay="0"/>
+                                          </p:stCondLst>
+                                        </p:cTn>
+                                        <p:tgtEl>
+                                          <p:spTgt spid="3">
+                                            <p:txEl>
+                                              <p:pRg st="0" end="0"/>
+                                            </p:txEl>
+                                          </p:spTgt>
+                                        </p:tgtEl>
+                                        <p:attrNameLst>
+                                          <p:attrName>style.visibility</p:attrName>
+                                        </p:attrNameLst>
+                                      </p:cBhvr>
+                                      <p:to>
+                                        <p:strVal val="visible"/>
+                                      </p:to>
+                                    </p:set>
+                                    <p:animEffect transition="in" filter="fade">
+                                      <p:cBhvr>
+                                        <p:cTn id="7" dur="500"/>
+                                        <p:tgtEl>
+                                          <p:spTgt spid="3">
+                                            <p:txEl>
+                                              <p:pRg st="0" end="0"/>
+                                            </p:txEl>
+                                          </p:spTgt>
+                                        </p:tgtEl>
+                                      </p:cBhvr>
+                                    </p:animEffect>
+                                  </p:childTnLst>
+                                </p:cTn>
+                              </p:par>
+                            </p:childTnLst>
+                          </p:cTn>
+                        </p:par>
+                      </p:childTnLst>
+                    </p:cTn>
+                  </p:par>
+                  <p:par>
+                    <p:cTn id="8" fill="hold">
+                      <p:stCondLst>
+                        <p:cond delay="indefinite"/>
+                      </p:stCondLst>
+                      <p:childTnLst>
+                        <p:par>
+                          <p:cTn id="9" fill="hold">
+                            <p:stCondLst>
+                              <p:cond delay="0"/>
+                            </p:stCondLst>
+                            <p:childTnLst>
+                              <p:par>
+                                <p:cTn id="10" presetID="10" presetClass="entr" presetSubtype="0" fill="hold" nodeType="clickEffect">
+                                  <p:stCondLst>
+                                    <p:cond delay="0"/>
+                                  </p:stCondLst>
+                                  <p:childTnLst>
+                                    <p:set>
+                                      <p:cBhvr>
+                                        <p:cTn id="11" dur="1" fill="hold">
+                                          <p:stCondLst>
+                                            <p:cond delay="0"/>
+                                          </p:stCondLst>
+                                        </p:cTn>
+                                        <p:tgtEl>
+                                          <p:spTgt spid="3">
+                                            <p:txEl>
+                                              <p:pRg st="1" end="1"/>
+                                            </p:txEl>
+                                          </p:spTgt>
+                                        </p:tgtEl>
+                                        <p:attrNameLst>
+                                          <p:attrName>style.visibility</p:attrName>
+                                        </p:attrNameLst>
+                                      </p:cBhvr>
+                                      <p:to>
+                                        <p:strVal val="visible"/>
+                                      </p:to>
+                                    </p:set>
+                                    <p:animEffect transition="in" filter="fade">
+                                      <p:cBhvr>
+                                        <p:cTn id="12" dur="500"/>
+                                        <p:tgtEl>
+                                          <p:spTgt spid="3">
+                                            <p:txEl>
+                                              <p:pRg st="1" end="1"/>
+                                            </p:txEl>
+                                          </p:spTgt>
+                                        </p:tgtEl>
+                                      </p:cBhvr>
+                                    </p:animEffect>
+                                  </p:childTnLst>
+                                </p:cTn>
+                              </p:par>
+                            </p:childTnLst>
+                          </p:cTn>
+                        </p:par>
+                      </p:childTnLst>
+                    </p:cTn>
+                  </p:par>
+                  <p:par>
+                    <p:cTn id="13" fill="hold">
+                      <p:stCondLst>
+                        <p:cond delay="indefinite"/>
+                      </p:stCondLst>
+                      <p:childTnLst>
+                        <p:par>
+                          <p:cTn id="14" fill="hold">
+                            <p:stCondLst>
+                              <p:cond delay="0"/>
+                            </p:stCondLst>
+                            <p:childTnLst>
+                              <p:par>
+                                <p:cTn id="15" presetID="10" presetClass="entr" presetSubtype="0" fill="hold" nodeType="clickEffect">
+                                  <p:stCondLst>
+                                    <p:cond delay="0"/>
+                                  </p:stCondLst>
+                                  <p:childTnLst>
+                                    <p:set>
+                                      <p:cBhvr>
+                                        <p:cTn id="16" dur="1" fill="hold">
+                                          <p:stCondLst>
+                                            <p:cond delay="0"/>
+                                          </p:stCondLst>
+                                        </p:cTn>
+                                        <p:tgtEl>
+                                          <p:spTgt spid="3">
+                                            <p:txEl>
+                                              <p:pRg st="2" end="2"/>
+                                            </p:txEl>
+                                          </p:spTgt>
+                                        </p:tgtEl>
+                                        <p:attrNameLst>
+                                          <p:attrName>style.visibility</p:attrName>
+                                        </p:attrNameLst>
+                                      </p:cBhvr>
+                                      <p:to>
+                                        <p:strVal val="visible"/>
+                                      </p:to>
+                                    </p:set>
+                                    <p:animEffect transition="in" filter="fade">
+                                      <p:cBhvr>
+                                        <p:cTn id="17" dur="500"/>
+                                        <p:tgtEl>
+                                          <p:spTgt spid="3">
+                                            <p:txEl>
+                                              <p:pRg st="2" end="2"/>
+                                            </p:txEl>
+                                          </p:spTgt>
+                                        </p:tgtEl>
+                                      </p:cBhvr>
+                                    </p:animEffect>
+                                  </p:childTnLst>
+                                </p:cTn>
+                              </p:par>
+                              <p:par>
+                                <p:cTn id="18" presetID="10" presetClass="entr" presetSubtype="0" fill="hold" nodeType="withEffect">
+                                  <p:stCondLst>
+                                    <p:cond delay="0"/>
+                                  </p:stCondLst>
+                                  <p:childTnLst>
+                                    <p:set>
+                                      <p:cBhvr>
+                                        <p:cTn id="19" dur="1" fill="hold">
+                                          <p:stCondLst>
+                                            <p:cond delay="0"/>
+                                          </p:stCondLst>
+                                        </p:cTn>
+                                        <p:tgtEl>
+                                          <p:spTgt spid="3">
+                                            <p:txEl>
+                                              <p:pRg st="3" end="3"/>
+                                            </p:txEl>
+                                          </p:spTgt>
+                                        </p:tgtEl>
+                                        <p:attrNameLst>
+                                          <p:attrName>style.visibility</p:attrName>
+                                        </p:attrNameLst>
+                                      </p:cBhvr>
+                                      <p:to>
+                                        <p:strVal val="visible"/>
+                                      </p:to>
+                                    </p:set>
+                                    <p:animEffect transition="in" filter="fade">
+                                      <p:cBhvr>
+                                        <p:cTn id="20" dur="500"/>
+                                        <p:tgtEl>
+                                          <p:spTgt spid="3">
+                                            <p:txEl>
+                                              <p:pRg st="3" end="3"/>
                                             </p:txEl>
                                           </p:spTgt>
                                         </p:tgtEl>

--- a/2023-09-28 ABP CMS Kit/ABP CMS Kit.pptx
+++ b/2023-09-28 ABP CMS Kit/ABP CMS Kit.pptx
@@ -5546,8 +5546,8 @@
         </p:nvSpPr>
         <p:spPr>
           <a:xfrm>
-            <a:off x="4992441" y="2003724"/>
-            <a:ext cx="4993896" cy="1815882"/>
+            <a:off x="4890683" y="1128070"/>
+            <a:ext cx="4993896" cy="4401205"/>
           </a:xfrm>
           <a:prstGeom prst="rect">
             <a:avLst/>
@@ -5580,6 +5580,36 @@
               </a:rPr>
               <a:t>WATCHING</a:t>
             </a:r>
+            <a:r>
+              <a:rPr lang="tr-TR" sz="5600" b="1" dirty="0">
+                <a:solidFill>
+                  <a:srgbClr val="292D33"/>
+                </a:solidFill>
+                <a:latin typeface="Lexend" pitchFamily="2" charset="0"/>
+              </a:rPr>
+              <a:t>!</a:t>
+            </a:r>
+          </a:p>
+          <a:p>
+            <a:r>
+              <a:rPr lang="tr-TR" sz="5600" b="1" dirty="0">
+                <a:solidFill>
+                  <a:srgbClr val="FF0000"/>
+                </a:solidFill>
+                <a:latin typeface="Lexend" pitchFamily="2" charset="0"/>
+              </a:rPr>
+              <a:t>questions..?</a:t>
+            </a:r>
+          </a:p>
+          <a:p>
+            <a:endParaRPr lang="tr-TR" sz="5600" b="1" dirty="0">
+              <a:solidFill>
+                <a:srgbClr val="292D33"/>
+              </a:solidFill>
+              <a:latin typeface="Lexend" pitchFamily="2" charset="0"/>
+            </a:endParaRPr>
+          </a:p>
+          <a:p>
             <a:endParaRPr lang="tr-TR" sz="5600" b="1" dirty="0">
               <a:solidFill>
                 <a:srgbClr val="292D33"/>
